--- a/image architecture.pptx
+++ b/image architecture.pptx
@@ -7,6 +7,7 @@
   <p:sldIdLst>
     <p:sldId id="256" r:id="rId2"/>
     <p:sldId id="257" r:id="rId3"/>
+    <p:sldId id="258" r:id="rId4"/>
   </p:sldIdLst>
   <p:sldSz cx="12192000" cy="6858000"/>
   <p:notesSz cx="6858000" cy="9144000"/>
@@ -262,7 +263,7 @@
           <a:p>
             <a:fld id="{9101DE56-1D11-4FAA-9B6C-F3D545A659D7}" type="datetimeFigureOut">
               <a:rPr lang="en-ID" smtClean="0"/>
-              <a:t>29/09/2023</a:t>
+              <a:t>28/11/2023</a:t>
             </a:fld>
             <a:endParaRPr lang="en-ID"/>
           </a:p>
@@ -462,7 +463,7 @@
           <a:p>
             <a:fld id="{9101DE56-1D11-4FAA-9B6C-F3D545A659D7}" type="datetimeFigureOut">
               <a:rPr lang="en-ID" smtClean="0"/>
-              <a:t>29/09/2023</a:t>
+              <a:t>28/11/2023</a:t>
             </a:fld>
             <a:endParaRPr lang="en-ID"/>
           </a:p>
@@ -672,7 +673,7 @@
           <a:p>
             <a:fld id="{9101DE56-1D11-4FAA-9B6C-F3D545A659D7}" type="datetimeFigureOut">
               <a:rPr lang="en-ID" smtClean="0"/>
-              <a:t>29/09/2023</a:t>
+              <a:t>28/11/2023</a:t>
             </a:fld>
             <a:endParaRPr lang="en-ID"/>
           </a:p>
@@ -872,7 +873,7 @@
           <a:p>
             <a:fld id="{9101DE56-1D11-4FAA-9B6C-F3D545A659D7}" type="datetimeFigureOut">
               <a:rPr lang="en-ID" smtClean="0"/>
-              <a:t>29/09/2023</a:t>
+              <a:t>28/11/2023</a:t>
             </a:fld>
             <a:endParaRPr lang="en-ID"/>
           </a:p>
@@ -1148,7 +1149,7 @@
           <a:p>
             <a:fld id="{9101DE56-1D11-4FAA-9B6C-F3D545A659D7}" type="datetimeFigureOut">
               <a:rPr lang="en-ID" smtClean="0"/>
-              <a:t>29/09/2023</a:t>
+              <a:t>28/11/2023</a:t>
             </a:fld>
             <a:endParaRPr lang="en-ID"/>
           </a:p>
@@ -1416,7 +1417,7 @@
           <a:p>
             <a:fld id="{9101DE56-1D11-4FAA-9B6C-F3D545A659D7}" type="datetimeFigureOut">
               <a:rPr lang="en-ID" smtClean="0"/>
-              <a:t>29/09/2023</a:t>
+              <a:t>28/11/2023</a:t>
             </a:fld>
             <a:endParaRPr lang="en-ID"/>
           </a:p>
@@ -1831,7 +1832,7 @@
           <a:p>
             <a:fld id="{9101DE56-1D11-4FAA-9B6C-F3D545A659D7}" type="datetimeFigureOut">
               <a:rPr lang="en-ID" smtClean="0"/>
-              <a:t>29/09/2023</a:t>
+              <a:t>28/11/2023</a:t>
             </a:fld>
             <a:endParaRPr lang="en-ID"/>
           </a:p>
@@ -1973,7 +1974,7 @@
           <a:p>
             <a:fld id="{9101DE56-1D11-4FAA-9B6C-F3D545A659D7}" type="datetimeFigureOut">
               <a:rPr lang="en-ID" smtClean="0"/>
-              <a:t>29/09/2023</a:t>
+              <a:t>28/11/2023</a:t>
             </a:fld>
             <a:endParaRPr lang="en-ID"/>
           </a:p>
@@ -2086,7 +2087,7 @@
           <a:p>
             <a:fld id="{9101DE56-1D11-4FAA-9B6C-F3D545A659D7}" type="datetimeFigureOut">
               <a:rPr lang="en-ID" smtClean="0"/>
-              <a:t>29/09/2023</a:t>
+              <a:t>28/11/2023</a:t>
             </a:fld>
             <a:endParaRPr lang="en-ID"/>
           </a:p>
@@ -2399,7 +2400,7 @@
           <a:p>
             <a:fld id="{9101DE56-1D11-4FAA-9B6C-F3D545A659D7}" type="datetimeFigureOut">
               <a:rPr lang="en-ID" smtClean="0"/>
-              <a:t>29/09/2023</a:t>
+              <a:t>28/11/2023</a:t>
             </a:fld>
             <a:endParaRPr lang="en-ID"/>
           </a:p>
@@ -2688,7 +2689,7 @@
           <a:p>
             <a:fld id="{9101DE56-1D11-4FAA-9B6C-F3D545A659D7}" type="datetimeFigureOut">
               <a:rPr lang="en-ID" smtClean="0"/>
-              <a:t>29/09/2023</a:t>
+              <a:t>28/11/2023</a:t>
             </a:fld>
             <a:endParaRPr lang="en-ID"/>
           </a:p>
@@ -2931,7 +2932,7 @@
           <a:p>
             <a:fld id="{9101DE56-1D11-4FAA-9B6C-F3D545A659D7}" type="datetimeFigureOut">
               <a:rPr lang="en-ID" smtClean="0"/>
-              <a:t>29/09/2023</a:t>
+              <a:t>28/11/2023</a:t>
             </a:fld>
             <a:endParaRPr lang="en-ID"/>
           </a:p>
@@ -4810,7 +4811,7 @@
             <p:ph idx="1"/>
             <p:extLst>
               <p:ext uri="{D42A27DB-BD31-4B8C-83A1-F6EECF244321}">
-                <p14:modId xmlns:p14="http://schemas.microsoft.com/office/powerpoint/2010/main" val="3649690880"/>
+                <p14:modId xmlns:p14="http://schemas.microsoft.com/office/powerpoint/2010/main" val="2142084607"/>
               </p:ext>
             </p:extLst>
           </p:nvPr>
@@ -4966,7 +4967,7 @@
                       <a:prstDash val="solid"/>
                     </a:lnBlToTr>
                     <a:solidFill>
-                      <a:schemeClr val="bg2"/>
+                      <a:schemeClr val="accent1"/>
                     </a:solidFill>
                   </a:tcPr>
                 </a:tc>
@@ -5024,7 +5025,10 @@
                       <a:prstDash val="solid"/>
                     </a:lnBlToTr>
                     <a:solidFill>
-                      <a:schemeClr val="bg1"/>
+                      <a:schemeClr val="accent4">
+                        <a:lumMod val="40000"/>
+                        <a:lumOff val="60000"/>
+                      </a:schemeClr>
                     </a:solidFill>
                   </a:tcPr>
                 </a:tc>
@@ -5265,7 +5269,7 @@
                     <a:bodyPr/>
                     <a:lstStyle/>
                     <a:p>
-                      <a:endParaRPr lang="en-ID"/>
+                      <a:endParaRPr lang="en-ID" dirty="0"/>
                     </a:p>
                   </a:txBody>
                   <a:tcPr>
@@ -6567,7 +6571,7 @@
         </p:nvSpPr>
         <p:spPr>
           <a:xfrm>
-            <a:off x="2307073" y="2786459"/>
+            <a:off x="2923463" y="2809974"/>
             <a:ext cx="812800" cy="246221"/>
           </a:xfrm>
           <a:prstGeom prst="rect">
@@ -6639,10 +6643,8015 @@
           </a:fontRef>
         </p:style>
       </p:cxnSp>
+      <p:cxnSp>
+        <p:nvCxnSpPr>
+          <p:cNvPr id="3" name="Straight Arrow Connector 2">
+            <a:extLst>
+              <a:ext uri="{FF2B5EF4-FFF2-40B4-BE49-F238E27FC236}">
+                <a16:creationId xmlns:a16="http://schemas.microsoft.com/office/drawing/2014/main" id="{163C2AA2-2078-E0D1-3176-50AD3DD1A6C4}"/>
+              </a:ext>
+            </a:extLst>
+          </p:cNvPr>
+          <p:cNvCxnSpPr>
+            <a:cxnSpLocks/>
+          </p:cNvCxnSpPr>
+          <p:nvPr/>
+        </p:nvCxnSpPr>
+        <p:spPr>
+          <a:xfrm>
+            <a:off x="3640062" y="2646600"/>
+            <a:ext cx="0" cy="525939"/>
+          </a:xfrm>
+          <a:prstGeom prst="straightConnector1">
+            <a:avLst/>
+          </a:prstGeom>
+          <a:ln>
+            <a:solidFill>
+              <a:schemeClr val="tx1"/>
+            </a:solidFill>
+            <a:headEnd type="triangle"/>
+            <a:tailEnd type="triangle"/>
+          </a:ln>
+        </p:spPr>
+        <p:style>
+          <a:lnRef idx="1">
+            <a:schemeClr val="accent1"/>
+          </a:lnRef>
+          <a:fillRef idx="0">
+            <a:schemeClr val="accent1"/>
+          </a:fillRef>
+          <a:effectRef idx="0">
+            <a:schemeClr val="accent1"/>
+          </a:effectRef>
+          <a:fontRef idx="minor">
+            <a:schemeClr val="tx1"/>
+          </a:fontRef>
+        </p:style>
+      </p:cxnSp>
+      <p:sp>
+        <p:nvSpPr>
+          <p:cNvPr id="5" name="TextBox 4">
+            <a:extLst>
+              <a:ext uri="{FF2B5EF4-FFF2-40B4-BE49-F238E27FC236}">
+                <a16:creationId xmlns:a16="http://schemas.microsoft.com/office/drawing/2014/main" id="{B3FB9B78-8D12-4A74-C58E-B2778F61B29C}"/>
+              </a:ext>
+            </a:extLst>
+          </p:cNvPr>
+          <p:cNvSpPr txBox="1"/>
+          <p:nvPr/>
+        </p:nvSpPr>
+        <p:spPr>
+          <a:xfrm>
+            <a:off x="2298580" y="2761837"/>
+            <a:ext cx="812800" cy="338554"/>
+          </a:xfrm>
+          <a:prstGeom prst="rect">
+            <a:avLst/>
+          </a:prstGeom>
+          <a:noFill/>
+        </p:spPr>
+        <p:txBody>
+          <a:bodyPr wrap="square">
+            <a:spAutoFit/>
+          </a:bodyPr>
+          <a:lstStyle/>
+          <a:p>
+            <a:pPr algn="ctr"/>
+            <a:r>
+              <a:rPr lang="en-US" sz="800" b="1" dirty="0"/>
+              <a:t>CONTENTION</a:t>
+            </a:r>
+            <a:r>
+              <a:rPr lang="en-ID" sz="800" b="1" dirty="0"/>
+              <a:t> </a:t>
+            </a:r>
+          </a:p>
+          <a:p>
+            <a:pPr algn="ctr"/>
+            <a:r>
+              <a:rPr lang="en-ID" sz="800" b="1" dirty="0"/>
+              <a:t>PHASE</a:t>
+            </a:r>
+            <a:endParaRPr lang="en-US" sz="800" b="1" dirty="0"/>
+          </a:p>
+        </p:txBody>
+      </p:sp>
+      <p:sp>
+        <p:nvSpPr>
+          <p:cNvPr id="7" name="TextBox 6">
+            <a:extLst>
+              <a:ext uri="{FF2B5EF4-FFF2-40B4-BE49-F238E27FC236}">
+                <a16:creationId xmlns:a16="http://schemas.microsoft.com/office/drawing/2014/main" id="{BE3379A8-B5EB-F2FA-60F0-C26C96A8F40B}"/>
+              </a:ext>
+            </a:extLst>
+          </p:cNvPr>
+          <p:cNvSpPr txBox="1"/>
+          <p:nvPr/>
+        </p:nvSpPr>
+        <p:spPr>
+          <a:xfrm>
+            <a:off x="2923463" y="3211518"/>
+            <a:ext cx="812800" cy="246221"/>
+          </a:xfrm>
+          <a:prstGeom prst="rect">
+            <a:avLst/>
+          </a:prstGeom>
+          <a:noFill/>
+        </p:spPr>
+        <p:txBody>
+          <a:bodyPr wrap="square">
+            <a:spAutoFit/>
+          </a:bodyPr>
+          <a:lstStyle/>
+          <a:p>
+            <a:pPr algn="ctr"/>
+            <a:r>
+              <a:rPr lang="en-US" sz="1000" b="1" dirty="0">
+                <a:solidFill>
+                  <a:schemeClr val="tx1"/>
+                </a:solidFill>
+                <a:latin typeface="Cambria Math" panose="02040503050406030204" pitchFamily="18" charset="0"/>
+                <a:ea typeface="Cambria Math" panose="02040503050406030204" pitchFamily="18" charset="0"/>
+              </a:rPr>
+              <a:t>m</a:t>
+            </a:r>
+            <a:r>
+              <a:rPr lang="en-US" sz="1000" b="1" baseline="-25000" dirty="0">
+                <a:solidFill>
+                  <a:schemeClr val="tx1"/>
+                </a:solidFill>
+                <a:latin typeface="Cambria Math" panose="02040503050406030204" pitchFamily="18" charset="0"/>
+                <a:ea typeface="Cambria Math" panose="02040503050406030204" pitchFamily="18" charset="0"/>
+              </a:rPr>
+              <a:t>1</a:t>
+            </a:r>
+            <a:endParaRPr lang="en-ID" sz="1000" dirty="0">
+              <a:latin typeface="Cambria Math" panose="02040503050406030204" pitchFamily="18" charset="0"/>
+              <a:ea typeface="Cambria Math" panose="02040503050406030204" pitchFamily="18" charset="0"/>
+            </a:endParaRPr>
+          </a:p>
+        </p:txBody>
+      </p:sp>
+      <p:sp>
+        <p:nvSpPr>
+          <p:cNvPr id="13" name="TextBox 12">
+            <a:extLst>
+              <a:ext uri="{FF2B5EF4-FFF2-40B4-BE49-F238E27FC236}">
+                <a16:creationId xmlns:a16="http://schemas.microsoft.com/office/drawing/2014/main" id="{E758B3BB-5579-46D3-9266-D029C179F20E}"/>
+              </a:ext>
+            </a:extLst>
+          </p:cNvPr>
+          <p:cNvSpPr txBox="1"/>
+          <p:nvPr/>
+        </p:nvSpPr>
+        <p:spPr>
+          <a:xfrm>
+            <a:off x="4182187" y="3223339"/>
+            <a:ext cx="812800" cy="246221"/>
+          </a:xfrm>
+          <a:prstGeom prst="rect">
+            <a:avLst/>
+          </a:prstGeom>
+          <a:noFill/>
+        </p:spPr>
+        <p:txBody>
+          <a:bodyPr wrap="square">
+            <a:spAutoFit/>
+          </a:bodyPr>
+          <a:lstStyle/>
+          <a:p>
+            <a:pPr algn="ctr"/>
+            <a:r>
+              <a:rPr lang="en-US" sz="1000" b="1" dirty="0">
+                <a:solidFill>
+                  <a:schemeClr val="tx1"/>
+                </a:solidFill>
+                <a:latin typeface="Cambria Math" panose="02040503050406030204" pitchFamily="18" charset="0"/>
+                <a:ea typeface="Cambria Math" panose="02040503050406030204" pitchFamily="18" charset="0"/>
+              </a:rPr>
+              <a:t>N</a:t>
+            </a:r>
+            <a:r>
+              <a:rPr lang="en-US" sz="1000" b="1" baseline="-25000" dirty="0">
+                <a:solidFill>
+                  <a:schemeClr val="tx1"/>
+                </a:solidFill>
+                <a:latin typeface="Cambria Math" panose="02040503050406030204" pitchFamily="18" charset="0"/>
+                <a:ea typeface="Cambria Math" panose="02040503050406030204" pitchFamily="18" charset="0"/>
+              </a:rPr>
+              <a:t>c</a:t>
+            </a:r>
+            <a:endParaRPr lang="en-ID" sz="1000" dirty="0">
+              <a:latin typeface="Cambria Math" panose="02040503050406030204" pitchFamily="18" charset="0"/>
+              <a:ea typeface="Cambria Math" panose="02040503050406030204" pitchFamily="18" charset="0"/>
+            </a:endParaRPr>
+          </a:p>
+        </p:txBody>
+      </p:sp>
+      <p:sp>
+        <p:nvSpPr>
+          <p:cNvPr id="14" name="TextBox 13">
+            <a:extLst>
+              <a:ext uri="{FF2B5EF4-FFF2-40B4-BE49-F238E27FC236}">
+                <a16:creationId xmlns:a16="http://schemas.microsoft.com/office/drawing/2014/main" id="{078E2AE4-8950-05B3-2C34-DFEF1606750A}"/>
+              </a:ext>
+            </a:extLst>
+          </p:cNvPr>
+          <p:cNvSpPr txBox="1"/>
+          <p:nvPr/>
+        </p:nvSpPr>
+        <p:spPr>
+          <a:xfrm>
+            <a:off x="4826001" y="3149962"/>
+            <a:ext cx="812800" cy="369332"/>
+          </a:xfrm>
+          <a:prstGeom prst="rect">
+            <a:avLst/>
+          </a:prstGeom>
+          <a:noFill/>
+        </p:spPr>
+        <p:txBody>
+          <a:bodyPr wrap="square">
+            <a:spAutoFit/>
+          </a:bodyPr>
+          <a:lstStyle/>
+          <a:p>
+            <a:pPr algn="ctr"/>
+            <a:r>
+              <a:rPr lang="en-US" sz="900" b="1" dirty="0">
+                <a:latin typeface="Calibri" panose="020F0502020204030204" pitchFamily="34" charset="0"/>
+                <a:ea typeface="Calibri" panose="020F0502020204030204" pitchFamily="34" charset="0"/>
+                <a:cs typeface="Calibri" panose="020F0502020204030204" pitchFamily="34" charset="0"/>
+              </a:rPr>
+              <a:t>Data Aggregation</a:t>
+            </a:r>
+            <a:endParaRPr lang="en-ID" sz="900" dirty="0">
+              <a:latin typeface="Calibri" panose="020F0502020204030204" pitchFamily="34" charset="0"/>
+              <a:ea typeface="Calibri" panose="020F0502020204030204" pitchFamily="34" charset="0"/>
+              <a:cs typeface="Calibri" panose="020F0502020204030204" pitchFamily="34" charset="0"/>
+            </a:endParaRPr>
+          </a:p>
+        </p:txBody>
+      </p:sp>
     </p:spTree>
     <p:extLst>
       <p:ext uri="{BB962C8B-B14F-4D97-AF65-F5344CB8AC3E}">
         <p14:creationId xmlns:p14="http://schemas.microsoft.com/office/powerpoint/2010/main" val="3206336664"/>
+      </p:ext>
+    </p:extLst>
+  </p:cSld>
+  <p:clrMapOvr>
+    <a:masterClrMapping/>
+  </p:clrMapOvr>
+</p:sld>
+</file>
+
+<file path=ppt/slides/slide3.xml><?xml version="1.0" encoding="utf-8"?>
+<p:sld xmlns:a="http://schemas.openxmlformats.org/drawingml/2006/main" xmlns:r="http://schemas.openxmlformats.org/officeDocument/2006/relationships" xmlns:p="http://schemas.openxmlformats.org/presentationml/2006/main">
+  <p:cSld>
+    <p:spTree>
+      <p:nvGrpSpPr>
+        <p:cNvPr id="1" name=""/>
+        <p:cNvGrpSpPr/>
+        <p:nvPr/>
+      </p:nvGrpSpPr>
+      <p:grpSpPr>
+        <a:xfrm>
+          <a:off x="0" y="0"/>
+          <a:ext cx="0" cy="0"/>
+          <a:chOff x="0" y="0"/>
+          <a:chExt cx="0" cy="0"/>
+        </a:xfrm>
+      </p:grpSpPr>
+      <p:cxnSp>
+        <p:nvCxnSpPr>
+          <p:cNvPr id="303" name="Straight Connector 302">
+            <a:extLst>
+              <a:ext uri="{FF2B5EF4-FFF2-40B4-BE49-F238E27FC236}">
+                <a16:creationId xmlns:a16="http://schemas.microsoft.com/office/drawing/2014/main" id="{6D1EF74E-51CA-AA50-44AA-0A698E5BA9F7}"/>
+              </a:ext>
+            </a:extLst>
+          </p:cNvPr>
+          <p:cNvCxnSpPr/>
+          <p:nvPr/>
+        </p:nvCxnSpPr>
+        <p:spPr>
+          <a:xfrm>
+            <a:off x="3939790" y="4681584"/>
+            <a:ext cx="0" cy="769469"/>
+          </a:xfrm>
+          <a:prstGeom prst="line">
+            <a:avLst/>
+          </a:prstGeom>
+          <a:ln>
+            <a:solidFill>
+              <a:schemeClr val="tx1"/>
+            </a:solidFill>
+            <a:prstDash val="dash"/>
+          </a:ln>
+        </p:spPr>
+        <p:style>
+          <a:lnRef idx="1">
+            <a:schemeClr val="accent1"/>
+          </a:lnRef>
+          <a:fillRef idx="0">
+            <a:schemeClr val="accent1"/>
+          </a:fillRef>
+          <a:effectRef idx="0">
+            <a:schemeClr val="accent1"/>
+          </a:effectRef>
+          <a:fontRef idx="minor">
+            <a:schemeClr val="tx1"/>
+          </a:fontRef>
+        </p:style>
+      </p:cxnSp>
+      <p:sp>
+        <p:nvSpPr>
+          <p:cNvPr id="16" name="Flowchart: Data 15">
+            <a:extLst>
+              <a:ext uri="{FF2B5EF4-FFF2-40B4-BE49-F238E27FC236}">
+                <a16:creationId xmlns:a16="http://schemas.microsoft.com/office/drawing/2014/main" id="{0259EA28-8CC1-4F48-2B38-465356BC7995}"/>
+              </a:ext>
+            </a:extLst>
+          </p:cNvPr>
+          <p:cNvSpPr/>
+          <p:nvPr/>
+        </p:nvSpPr>
+        <p:spPr>
+          <a:xfrm>
+            <a:off x="2904064" y="5443000"/>
+            <a:ext cx="5164667" cy="660400"/>
+          </a:xfrm>
+          <a:prstGeom prst="flowChartInputOutput">
+            <a:avLst/>
+          </a:prstGeom>
+          <a:pattFill prst="pct80">
+            <a:fgClr>
+              <a:schemeClr val="accent4">
+                <a:lumMod val="75000"/>
+              </a:schemeClr>
+            </a:fgClr>
+            <a:bgClr>
+              <a:schemeClr val="bg1"/>
+            </a:bgClr>
+          </a:pattFill>
+          <a:ln w="3175">
+            <a:solidFill>
+              <a:schemeClr val="tx1"/>
+            </a:solidFill>
+          </a:ln>
+        </p:spPr>
+        <p:style>
+          <a:lnRef idx="2">
+            <a:schemeClr val="accent1">
+              <a:shade val="15000"/>
+            </a:schemeClr>
+          </a:lnRef>
+          <a:fillRef idx="1">
+            <a:schemeClr val="accent1"/>
+          </a:fillRef>
+          <a:effectRef idx="0">
+            <a:schemeClr val="accent1"/>
+          </a:effectRef>
+          <a:fontRef idx="minor">
+            <a:schemeClr val="lt1"/>
+          </a:fontRef>
+        </p:style>
+        <p:txBody>
+          <a:bodyPr rtlCol="0" anchor="ctr"/>
+          <a:lstStyle/>
+          <a:p>
+            <a:pPr algn="ctr"/>
+            <a:endParaRPr lang="en-ID"/>
+          </a:p>
+        </p:txBody>
+      </p:sp>
+      <p:sp>
+        <p:nvSpPr>
+          <p:cNvPr id="2" name="Title 1">
+            <a:extLst>
+              <a:ext uri="{FF2B5EF4-FFF2-40B4-BE49-F238E27FC236}">
+                <a16:creationId xmlns:a16="http://schemas.microsoft.com/office/drawing/2014/main" id="{B3C149AE-9323-B162-83FE-78B8EDF37D14}"/>
+              </a:ext>
+            </a:extLst>
+          </p:cNvPr>
+          <p:cNvSpPr>
+            <a:spLocks noGrp="1"/>
+          </p:cNvSpPr>
+          <p:nvPr>
+            <p:ph type="title"/>
+          </p:nvPr>
+        </p:nvSpPr>
+        <p:spPr/>
+        <p:txBody>
+          <a:bodyPr/>
+          <a:lstStyle/>
+          <a:p>
+            <a:endParaRPr lang="en-ID" dirty="0"/>
+          </a:p>
+        </p:txBody>
+      </p:sp>
+      <p:sp>
+        <p:nvSpPr>
+          <p:cNvPr id="22" name="Oval 21">
+            <a:extLst>
+              <a:ext uri="{FF2B5EF4-FFF2-40B4-BE49-F238E27FC236}">
+                <a16:creationId xmlns:a16="http://schemas.microsoft.com/office/drawing/2014/main" id="{FEF08679-62FC-5D2D-D4D3-A83EF241FF07}"/>
+              </a:ext>
+            </a:extLst>
+          </p:cNvPr>
+          <p:cNvSpPr/>
+          <p:nvPr/>
+        </p:nvSpPr>
+        <p:spPr>
+          <a:xfrm>
+            <a:off x="3739115" y="5696997"/>
+            <a:ext cx="72000" cy="72000"/>
+          </a:xfrm>
+          <a:prstGeom prst="ellipse">
+            <a:avLst/>
+          </a:prstGeom>
+          <a:solidFill>
+            <a:srgbClr val="FF0000"/>
+          </a:solidFill>
+          <a:ln w="0">
+            <a:solidFill>
+              <a:schemeClr val="tx1"/>
+            </a:solidFill>
+            <a:headEnd w="sm" len="sm"/>
+            <a:tailEnd type="triangle" w="sm" len="sm"/>
+          </a:ln>
+        </p:spPr>
+        <p:style>
+          <a:lnRef idx="2">
+            <a:schemeClr val="accent1">
+              <a:shade val="15000"/>
+            </a:schemeClr>
+          </a:lnRef>
+          <a:fillRef idx="1">
+            <a:schemeClr val="accent1"/>
+          </a:fillRef>
+          <a:effectRef idx="0">
+            <a:schemeClr val="accent1"/>
+          </a:effectRef>
+          <a:fontRef idx="minor">
+            <a:schemeClr val="lt1"/>
+          </a:fontRef>
+        </p:style>
+        <p:txBody>
+          <a:bodyPr rtlCol="0" anchor="ctr"/>
+          <a:lstStyle/>
+          <a:p>
+            <a:pPr algn="ctr"/>
+            <a:endParaRPr lang="en-ID"/>
+          </a:p>
+        </p:txBody>
+      </p:sp>
+      <p:sp>
+        <p:nvSpPr>
+          <p:cNvPr id="25" name="Oval 24">
+            <a:extLst>
+              <a:ext uri="{FF2B5EF4-FFF2-40B4-BE49-F238E27FC236}">
+                <a16:creationId xmlns:a16="http://schemas.microsoft.com/office/drawing/2014/main" id="{46EB8A8C-8CC6-6063-93C0-F8D2C069CC84}"/>
+              </a:ext>
+            </a:extLst>
+          </p:cNvPr>
+          <p:cNvSpPr/>
+          <p:nvPr/>
+        </p:nvSpPr>
+        <p:spPr>
+          <a:xfrm>
+            <a:off x="4037781" y="5502212"/>
+            <a:ext cx="72000" cy="72000"/>
+          </a:xfrm>
+          <a:prstGeom prst="ellipse">
+            <a:avLst/>
+          </a:prstGeom>
+          <a:solidFill>
+            <a:srgbClr val="00B050"/>
+          </a:solidFill>
+          <a:ln w="0">
+            <a:solidFill>
+              <a:schemeClr val="tx1"/>
+            </a:solidFill>
+            <a:headEnd w="sm" len="sm"/>
+            <a:tailEnd type="triangle" w="sm" len="sm"/>
+          </a:ln>
+        </p:spPr>
+        <p:style>
+          <a:lnRef idx="2">
+            <a:schemeClr val="accent1">
+              <a:shade val="15000"/>
+            </a:schemeClr>
+          </a:lnRef>
+          <a:fillRef idx="1">
+            <a:schemeClr val="accent1"/>
+          </a:fillRef>
+          <a:effectRef idx="0">
+            <a:schemeClr val="accent1"/>
+          </a:effectRef>
+          <a:fontRef idx="minor">
+            <a:schemeClr val="lt1"/>
+          </a:fontRef>
+        </p:style>
+        <p:txBody>
+          <a:bodyPr rtlCol="0" anchor="ctr"/>
+          <a:lstStyle/>
+          <a:p>
+            <a:pPr algn="ctr"/>
+            <a:endParaRPr lang="en-ID"/>
+          </a:p>
+        </p:txBody>
+      </p:sp>
+      <p:sp>
+        <p:nvSpPr>
+          <p:cNvPr id="31" name="Oval 30">
+            <a:extLst>
+              <a:ext uri="{FF2B5EF4-FFF2-40B4-BE49-F238E27FC236}">
+                <a16:creationId xmlns:a16="http://schemas.microsoft.com/office/drawing/2014/main" id="{AAF363C7-DD4E-A7D0-1978-4BB634169DF2}"/>
+              </a:ext>
+            </a:extLst>
+          </p:cNvPr>
+          <p:cNvSpPr/>
+          <p:nvPr/>
+        </p:nvSpPr>
+        <p:spPr>
+          <a:xfrm>
+            <a:off x="3822736" y="5925851"/>
+            <a:ext cx="72000" cy="72000"/>
+          </a:xfrm>
+          <a:prstGeom prst="ellipse">
+            <a:avLst/>
+          </a:prstGeom>
+          <a:solidFill>
+            <a:srgbClr val="FF0000"/>
+          </a:solidFill>
+          <a:ln w="0">
+            <a:solidFill>
+              <a:schemeClr val="tx1"/>
+            </a:solidFill>
+            <a:headEnd w="sm" len="sm"/>
+            <a:tailEnd type="triangle" w="sm" len="sm"/>
+          </a:ln>
+        </p:spPr>
+        <p:style>
+          <a:lnRef idx="2">
+            <a:schemeClr val="accent1">
+              <a:shade val="15000"/>
+            </a:schemeClr>
+          </a:lnRef>
+          <a:fillRef idx="1">
+            <a:schemeClr val="accent1"/>
+          </a:fillRef>
+          <a:effectRef idx="0">
+            <a:schemeClr val="accent1"/>
+          </a:effectRef>
+          <a:fontRef idx="minor">
+            <a:schemeClr val="lt1"/>
+          </a:fontRef>
+        </p:style>
+        <p:txBody>
+          <a:bodyPr rtlCol="0" anchor="ctr"/>
+          <a:lstStyle/>
+          <a:p>
+            <a:pPr algn="ctr"/>
+            <a:endParaRPr lang="en-ID"/>
+          </a:p>
+        </p:txBody>
+      </p:sp>
+      <p:sp>
+        <p:nvSpPr>
+          <p:cNvPr id="37" name="Oval 36">
+            <a:extLst>
+              <a:ext uri="{FF2B5EF4-FFF2-40B4-BE49-F238E27FC236}">
+                <a16:creationId xmlns:a16="http://schemas.microsoft.com/office/drawing/2014/main" id="{45A356B6-7FED-548E-E61C-92F062B13178}"/>
+              </a:ext>
+            </a:extLst>
+          </p:cNvPr>
+          <p:cNvSpPr/>
+          <p:nvPr/>
+        </p:nvSpPr>
+        <p:spPr>
+          <a:xfrm>
+            <a:off x="4126833" y="5700663"/>
+            <a:ext cx="72000" cy="72000"/>
+          </a:xfrm>
+          <a:prstGeom prst="ellipse">
+            <a:avLst/>
+          </a:prstGeom>
+          <a:solidFill>
+            <a:srgbClr val="FF0000"/>
+          </a:solidFill>
+          <a:ln w="0">
+            <a:solidFill>
+              <a:schemeClr val="tx1"/>
+            </a:solidFill>
+            <a:headEnd w="sm" len="sm"/>
+            <a:tailEnd type="triangle" w="sm" len="sm"/>
+          </a:ln>
+        </p:spPr>
+        <p:style>
+          <a:lnRef idx="2">
+            <a:schemeClr val="accent1">
+              <a:shade val="15000"/>
+            </a:schemeClr>
+          </a:lnRef>
+          <a:fillRef idx="1">
+            <a:schemeClr val="accent1"/>
+          </a:fillRef>
+          <a:effectRef idx="0">
+            <a:schemeClr val="accent1"/>
+          </a:effectRef>
+          <a:fontRef idx="minor">
+            <a:schemeClr val="lt1"/>
+          </a:fontRef>
+        </p:style>
+        <p:txBody>
+          <a:bodyPr rtlCol="0" anchor="ctr"/>
+          <a:lstStyle/>
+          <a:p>
+            <a:pPr algn="ctr"/>
+            <a:endParaRPr lang="en-ID"/>
+          </a:p>
+        </p:txBody>
+      </p:sp>
+      <p:sp>
+        <p:nvSpPr>
+          <p:cNvPr id="82" name="Oval 81">
+            <a:extLst>
+              <a:ext uri="{FF2B5EF4-FFF2-40B4-BE49-F238E27FC236}">
+                <a16:creationId xmlns:a16="http://schemas.microsoft.com/office/drawing/2014/main" id="{8A53EF1E-2FD1-5851-B306-0D68FA35DF66}"/>
+              </a:ext>
+            </a:extLst>
+          </p:cNvPr>
+          <p:cNvSpPr/>
+          <p:nvPr/>
+        </p:nvSpPr>
+        <p:spPr>
+          <a:xfrm>
+            <a:off x="4210454" y="5968337"/>
+            <a:ext cx="72000" cy="72000"/>
+          </a:xfrm>
+          <a:prstGeom prst="ellipse">
+            <a:avLst/>
+          </a:prstGeom>
+          <a:solidFill>
+            <a:srgbClr val="FF0000"/>
+          </a:solidFill>
+          <a:ln w="0">
+            <a:solidFill>
+              <a:schemeClr val="tx1"/>
+            </a:solidFill>
+            <a:headEnd w="sm" len="sm"/>
+            <a:tailEnd type="triangle" w="sm" len="sm"/>
+          </a:ln>
+        </p:spPr>
+        <p:style>
+          <a:lnRef idx="2">
+            <a:schemeClr val="accent1">
+              <a:shade val="15000"/>
+            </a:schemeClr>
+          </a:lnRef>
+          <a:fillRef idx="1">
+            <a:schemeClr val="accent1"/>
+          </a:fillRef>
+          <a:effectRef idx="0">
+            <a:schemeClr val="accent1"/>
+          </a:effectRef>
+          <a:fontRef idx="minor">
+            <a:schemeClr val="lt1"/>
+          </a:fontRef>
+        </p:style>
+        <p:txBody>
+          <a:bodyPr rtlCol="0" anchor="ctr"/>
+          <a:lstStyle/>
+          <a:p>
+            <a:pPr algn="ctr"/>
+            <a:endParaRPr lang="en-ID"/>
+          </a:p>
+        </p:txBody>
+      </p:sp>
+      <p:sp>
+        <p:nvSpPr>
+          <p:cNvPr id="83" name="Oval 82">
+            <a:extLst>
+              <a:ext uri="{FF2B5EF4-FFF2-40B4-BE49-F238E27FC236}">
+                <a16:creationId xmlns:a16="http://schemas.microsoft.com/office/drawing/2014/main" id="{C3A7EBFB-9B08-3111-BCC3-78DA13C99FB5}"/>
+              </a:ext>
+            </a:extLst>
+          </p:cNvPr>
+          <p:cNvSpPr/>
+          <p:nvPr/>
+        </p:nvSpPr>
+        <p:spPr>
+          <a:xfrm>
+            <a:off x="4612786" y="5693331"/>
+            <a:ext cx="72000" cy="72000"/>
+          </a:xfrm>
+          <a:prstGeom prst="ellipse">
+            <a:avLst/>
+          </a:prstGeom>
+          <a:solidFill>
+            <a:srgbClr val="00B050"/>
+          </a:solidFill>
+          <a:ln w="0">
+            <a:solidFill>
+              <a:schemeClr val="tx1"/>
+            </a:solidFill>
+            <a:headEnd w="sm" len="sm"/>
+            <a:tailEnd type="triangle" w="sm" len="sm"/>
+          </a:ln>
+        </p:spPr>
+        <p:style>
+          <a:lnRef idx="2">
+            <a:schemeClr val="accent1">
+              <a:shade val="15000"/>
+            </a:schemeClr>
+          </a:lnRef>
+          <a:fillRef idx="1">
+            <a:schemeClr val="accent1"/>
+          </a:fillRef>
+          <a:effectRef idx="0">
+            <a:schemeClr val="accent1"/>
+          </a:effectRef>
+          <a:fontRef idx="minor">
+            <a:schemeClr val="lt1"/>
+          </a:fontRef>
+        </p:style>
+        <p:txBody>
+          <a:bodyPr rtlCol="0" anchor="ctr"/>
+          <a:lstStyle/>
+          <a:p>
+            <a:pPr algn="ctr"/>
+            <a:endParaRPr lang="en-ID"/>
+          </a:p>
+        </p:txBody>
+      </p:sp>
+      <p:sp>
+        <p:nvSpPr>
+          <p:cNvPr id="84" name="Oval 83">
+            <a:extLst>
+              <a:ext uri="{FF2B5EF4-FFF2-40B4-BE49-F238E27FC236}">
+                <a16:creationId xmlns:a16="http://schemas.microsoft.com/office/drawing/2014/main" id="{A7AA8E56-F0A7-EC36-6E1E-2221FD87D66F}"/>
+              </a:ext>
+            </a:extLst>
+          </p:cNvPr>
+          <p:cNvSpPr/>
+          <p:nvPr/>
+        </p:nvSpPr>
+        <p:spPr>
+          <a:xfrm>
+            <a:off x="4911452" y="5498546"/>
+            <a:ext cx="72000" cy="72000"/>
+          </a:xfrm>
+          <a:prstGeom prst="ellipse">
+            <a:avLst/>
+          </a:prstGeom>
+          <a:solidFill>
+            <a:srgbClr val="FF0000"/>
+          </a:solidFill>
+          <a:ln w="0">
+            <a:solidFill>
+              <a:schemeClr val="tx1"/>
+            </a:solidFill>
+            <a:headEnd w="sm" len="sm"/>
+            <a:tailEnd type="triangle" w="sm" len="sm"/>
+          </a:ln>
+        </p:spPr>
+        <p:style>
+          <a:lnRef idx="2">
+            <a:schemeClr val="accent1">
+              <a:shade val="15000"/>
+            </a:schemeClr>
+          </a:lnRef>
+          <a:fillRef idx="1">
+            <a:schemeClr val="accent1"/>
+          </a:fillRef>
+          <a:effectRef idx="0">
+            <a:schemeClr val="accent1"/>
+          </a:effectRef>
+          <a:fontRef idx="minor">
+            <a:schemeClr val="lt1"/>
+          </a:fontRef>
+        </p:style>
+        <p:txBody>
+          <a:bodyPr rtlCol="0" anchor="ctr"/>
+          <a:lstStyle/>
+          <a:p>
+            <a:pPr algn="ctr"/>
+            <a:endParaRPr lang="en-ID"/>
+          </a:p>
+        </p:txBody>
+      </p:sp>
+      <p:sp>
+        <p:nvSpPr>
+          <p:cNvPr id="85" name="Oval 84">
+            <a:extLst>
+              <a:ext uri="{FF2B5EF4-FFF2-40B4-BE49-F238E27FC236}">
+                <a16:creationId xmlns:a16="http://schemas.microsoft.com/office/drawing/2014/main" id="{9910DBC7-DFB9-84CA-5D80-F12BD917DB64}"/>
+              </a:ext>
+            </a:extLst>
+          </p:cNvPr>
+          <p:cNvSpPr/>
+          <p:nvPr/>
+        </p:nvSpPr>
+        <p:spPr>
+          <a:xfrm>
+            <a:off x="4696407" y="5922185"/>
+            <a:ext cx="72000" cy="72000"/>
+          </a:xfrm>
+          <a:prstGeom prst="ellipse">
+            <a:avLst/>
+          </a:prstGeom>
+          <a:solidFill>
+            <a:srgbClr val="FF0000"/>
+          </a:solidFill>
+          <a:ln w="0">
+            <a:solidFill>
+              <a:schemeClr val="tx1"/>
+            </a:solidFill>
+            <a:headEnd w="sm" len="sm"/>
+            <a:tailEnd type="triangle" w="sm" len="sm"/>
+          </a:ln>
+        </p:spPr>
+        <p:style>
+          <a:lnRef idx="2">
+            <a:schemeClr val="accent1">
+              <a:shade val="15000"/>
+            </a:schemeClr>
+          </a:lnRef>
+          <a:fillRef idx="1">
+            <a:schemeClr val="accent1"/>
+          </a:fillRef>
+          <a:effectRef idx="0">
+            <a:schemeClr val="accent1"/>
+          </a:effectRef>
+          <a:fontRef idx="minor">
+            <a:schemeClr val="lt1"/>
+          </a:fontRef>
+        </p:style>
+        <p:txBody>
+          <a:bodyPr rtlCol="0" anchor="ctr"/>
+          <a:lstStyle/>
+          <a:p>
+            <a:pPr algn="ctr"/>
+            <a:endParaRPr lang="en-ID"/>
+          </a:p>
+        </p:txBody>
+      </p:sp>
+      <p:sp>
+        <p:nvSpPr>
+          <p:cNvPr id="86" name="Oval 85">
+            <a:extLst>
+              <a:ext uri="{FF2B5EF4-FFF2-40B4-BE49-F238E27FC236}">
+                <a16:creationId xmlns:a16="http://schemas.microsoft.com/office/drawing/2014/main" id="{8FECA80E-4505-BDB4-7BBE-4EC1AEA48214}"/>
+              </a:ext>
+            </a:extLst>
+          </p:cNvPr>
+          <p:cNvSpPr/>
+          <p:nvPr/>
+        </p:nvSpPr>
+        <p:spPr>
+          <a:xfrm>
+            <a:off x="5000504" y="5696997"/>
+            <a:ext cx="72000" cy="72000"/>
+          </a:xfrm>
+          <a:prstGeom prst="ellipse">
+            <a:avLst/>
+          </a:prstGeom>
+          <a:solidFill>
+            <a:srgbClr val="FF0000"/>
+          </a:solidFill>
+          <a:ln w="0">
+            <a:solidFill>
+              <a:schemeClr val="tx1"/>
+            </a:solidFill>
+            <a:headEnd w="sm" len="sm"/>
+            <a:tailEnd type="triangle" w="sm" len="sm"/>
+          </a:ln>
+        </p:spPr>
+        <p:style>
+          <a:lnRef idx="2">
+            <a:schemeClr val="accent1">
+              <a:shade val="15000"/>
+            </a:schemeClr>
+          </a:lnRef>
+          <a:fillRef idx="1">
+            <a:schemeClr val="accent1"/>
+          </a:fillRef>
+          <a:effectRef idx="0">
+            <a:schemeClr val="accent1"/>
+          </a:effectRef>
+          <a:fontRef idx="minor">
+            <a:schemeClr val="lt1"/>
+          </a:fontRef>
+        </p:style>
+        <p:txBody>
+          <a:bodyPr rtlCol="0" anchor="ctr"/>
+          <a:lstStyle/>
+          <a:p>
+            <a:pPr algn="ctr"/>
+            <a:endParaRPr lang="en-ID"/>
+          </a:p>
+        </p:txBody>
+      </p:sp>
+      <p:sp>
+        <p:nvSpPr>
+          <p:cNvPr id="87" name="Oval 86">
+            <a:extLst>
+              <a:ext uri="{FF2B5EF4-FFF2-40B4-BE49-F238E27FC236}">
+                <a16:creationId xmlns:a16="http://schemas.microsoft.com/office/drawing/2014/main" id="{15F361B6-FD47-30E5-1984-3A560E00EE9A}"/>
+              </a:ext>
+            </a:extLst>
+          </p:cNvPr>
+          <p:cNvSpPr/>
+          <p:nvPr/>
+        </p:nvSpPr>
+        <p:spPr>
+          <a:xfrm>
+            <a:off x="4438616" y="5498546"/>
+            <a:ext cx="72000" cy="72000"/>
+          </a:xfrm>
+          <a:prstGeom prst="ellipse">
+            <a:avLst/>
+          </a:prstGeom>
+          <a:solidFill>
+            <a:srgbClr val="FF0000"/>
+          </a:solidFill>
+          <a:ln w="0">
+            <a:solidFill>
+              <a:schemeClr val="tx1"/>
+            </a:solidFill>
+            <a:headEnd w="sm" len="sm"/>
+            <a:tailEnd type="triangle" w="sm" len="sm"/>
+          </a:ln>
+        </p:spPr>
+        <p:style>
+          <a:lnRef idx="2">
+            <a:schemeClr val="accent1">
+              <a:shade val="15000"/>
+            </a:schemeClr>
+          </a:lnRef>
+          <a:fillRef idx="1">
+            <a:schemeClr val="accent1"/>
+          </a:fillRef>
+          <a:effectRef idx="0">
+            <a:schemeClr val="accent1"/>
+          </a:effectRef>
+          <a:fontRef idx="minor">
+            <a:schemeClr val="lt1"/>
+          </a:fontRef>
+        </p:style>
+        <p:txBody>
+          <a:bodyPr rtlCol="0" anchor="ctr"/>
+          <a:lstStyle/>
+          <a:p>
+            <a:pPr algn="ctr"/>
+            <a:endParaRPr lang="en-ID"/>
+          </a:p>
+        </p:txBody>
+      </p:sp>
+      <p:sp>
+        <p:nvSpPr>
+          <p:cNvPr id="106" name="Oval 105">
+            <a:extLst>
+              <a:ext uri="{FF2B5EF4-FFF2-40B4-BE49-F238E27FC236}">
+                <a16:creationId xmlns:a16="http://schemas.microsoft.com/office/drawing/2014/main" id="{410E6A88-79B9-A78F-6C07-A01C4FD690F3}"/>
+              </a:ext>
+            </a:extLst>
+          </p:cNvPr>
+          <p:cNvSpPr/>
+          <p:nvPr/>
+        </p:nvSpPr>
+        <p:spPr>
+          <a:xfrm>
+            <a:off x="5351584" y="5972003"/>
+            <a:ext cx="72000" cy="72000"/>
+          </a:xfrm>
+          <a:prstGeom prst="ellipse">
+            <a:avLst/>
+          </a:prstGeom>
+          <a:solidFill>
+            <a:srgbClr val="FF0000"/>
+          </a:solidFill>
+          <a:ln w="0">
+            <a:solidFill>
+              <a:schemeClr val="tx1"/>
+            </a:solidFill>
+            <a:headEnd w="sm" len="sm"/>
+            <a:tailEnd type="triangle" w="sm" len="sm"/>
+          </a:ln>
+        </p:spPr>
+        <p:style>
+          <a:lnRef idx="2">
+            <a:schemeClr val="accent1">
+              <a:shade val="15000"/>
+            </a:schemeClr>
+          </a:lnRef>
+          <a:fillRef idx="1">
+            <a:schemeClr val="accent1"/>
+          </a:fillRef>
+          <a:effectRef idx="0">
+            <a:schemeClr val="accent1"/>
+          </a:effectRef>
+          <a:fontRef idx="minor">
+            <a:schemeClr val="lt1"/>
+          </a:fontRef>
+        </p:style>
+        <p:txBody>
+          <a:bodyPr rtlCol="0" anchor="ctr"/>
+          <a:lstStyle/>
+          <a:p>
+            <a:pPr algn="ctr"/>
+            <a:endParaRPr lang="en-ID"/>
+          </a:p>
+        </p:txBody>
+      </p:sp>
+      <p:sp>
+        <p:nvSpPr>
+          <p:cNvPr id="107" name="Oval 106">
+            <a:extLst>
+              <a:ext uri="{FF2B5EF4-FFF2-40B4-BE49-F238E27FC236}">
+                <a16:creationId xmlns:a16="http://schemas.microsoft.com/office/drawing/2014/main" id="{18DE80BE-A152-BDBB-0AAC-BB2B3686ECEF}"/>
+              </a:ext>
+            </a:extLst>
+          </p:cNvPr>
+          <p:cNvSpPr/>
+          <p:nvPr/>
+        </p:nvSpPr>
+        <p:spPr>
+          <a:xfrm>
+            <a:off x="5753916" y="5696997"/>
+            <a:ext cx="72000" cy="72000"/>
+          </a:xfrm>
+          <a:prstGeom prst="ellipse">
+            <a:avLst/>
+          </a:prstGeom>
+          <a:solidFill>
+            <a:srgbClr val="FF0000"/>
+          </a:solidFill>
+          <a:ln w="0">
+            <a:solidFill>
+              <a:schemeClr val="tx1"/>
+            </a:solidFill>
+            <a:headEnd w="sm" len="sm"/>
+            <a:tailEnd type="triangle" w="sm" len="sm"/>
+          </a:ln>
+        </p:spPr>
+        <p:style>
+          <a:lnRef idx="2">
+            <a:schemeClr val="accent1">
+              <a:shade val="15000"/>
+            </a:schemeClr>
+          </a:lnRef>
+          <a:fillRef idx="1">
+            <a:schemeClr val="accent1"/>
+          </a:fillRef>
+          <a:effectRef idx="0">
+            <a:schemeClr val="accent1"/>
+          </a:effectRef>
+          <a:fontRef idx="minor">
+            <a:schemeClr val="lt1"/>
+          </a:fontRef>
+        </p:style>
+        <p:txBody>
+          <a:bodyPr rtlCol="0" anchor="ctr"/>
+          <a:lstStyle/>
+          <a:p>
+            <a:pPr algn="ctr"/>
+            <a:endParaRPr lang="en-ID"/>
+          </a:p>
+        </p:txBody>
+      </p:sp>
+      <p:sp>
+        <p:nvSpPr>
+          <p:cNvPr id="108" name="Oval 107">
+            <a:extLst>
+              <a:ext uri="{FF2B5EF4-FFF2-40B4-BE49-F238E27FC236}">
+                <a16:creationId xmlns:a16="http://schemas.microsoft.com/office/drawing/2014/main" id="{335DED02-DDFE-D9C7-FAD8-6BE46E6BB2F8}"/>
+              </a:ext>
+            </a:extLst>
+          </p:cNvPr>
+          <p:cNvSpPr/>
+          <p:nvPr/>
+        </p:nvSpPr>
+        <p:spPr>
+          <a:xfrm>
+            <a:off x="6052582" y="5502212"/>
+            <a:ext cx="72000" cy="72000"/>
+          </a:xfrm>
+          <a:prstGeom prst="ellipse">
+            <a:avLst/>
+          </a:prstGeom>
+          <a:solidFill>
+            <a:srgbClr val="00B050"/>
+          </a:solidFill>
+          <a:ln w="0">
+            <a:solidFill>
+              <a:schemeClr val="tx1"/>
+            </a:solidFill>
+            <a:headEnd w="sm" len="sm"/>
+            <a:tailEnd type="triangle" w="sm" len="sm"/>
+          </a:ln>
+        </p:spPr>
+        <p:style>
+          <a:lnRef idx="2">
+            <a:schemeClr val="accent1">
+              <a:shade val="15000"/>
+            </a:schemeClr>
+          </a:lnRef>
+          <a:fillRef idx="1">
+            <a:schemeClr val="accent1"/>
+          </a:fillRef>
+          <a:effectRef idx="0">
+            <a:schemeClr val="accent1"/>
+          </a:effectRef>
+          <a:fontRef idx="minor">
+            <a:schemeClr val="lt1"/>
+          </a:fontRef>
+        </p:style>
+        <p:txBody>
+          <a:bodyPr rtlCol="0" anchor="ctr"/>
+          <a:lstStyle/>
+          <a:p>
+            <a:pPr algn="ctr"/>
+            <a:endParaRPr lang="en-ID"/>
+          </a:p>
+        </p:txBody>
+      </p:sp>
+      <p:sp>
+        <p:nvSpPr>
+          <p:cNvPr id="109" name="Oval 108">
+            <a:extLst>
+              <a:ext uri="{FF2B5EF4-FFF2-40B4-BE49-F238E27FC236}">
+                <a16:creationId xmlns:a16="http://schemas.microsoft.com/office/drawing/2014/main" id="{D012010A-0FB0-7468-8202-3754E8C973B3}"/>
+              </a:ext>
+            </a:extLst>
+          </p:cNvPr>
+          <p:cNvSpPr/>
+          <p:nvPr/>
+        </p:nvSpPr>
+        <p:spPr>
+          <a:xfrm>
+            <a:off x="5837537" y="5925851"/>
+            <a:ext cx="72000" cy="72000"/>
+          </a:xfrm>
+          <a:prstGeom prst="ellipse">
+            <a:avLst/>
+          </a:prstGeom>
+          <a:solidFill>
+            <a:srgbClr val="FF0000"/>
+          </a:solidFill>
+          <a:ln w="0">
+            <a:solidFill>
+              <a:schemeClr val="tx1"/>
+            </a:solidFill>
+            <a:headEnd w="sm" len="sm"/>
+            <a:tailEnd type="triangle" w="sm" len="sm"/>
+          </a:ln>
+        </p:spPr>
+        <p:style>
+          <a:lnRef idx="2">
+            <a:schemeClr val="accent1">
+              <a:shade val="15000"/>
+            </a:schemeClr>
+          </a:lnRef>
+          <a:fillRef idx="1">
+            <a:schemeClr val="accent1"/>
+          </a:fillRef>
+          <a:effectRef idx="0">
+            <a:schemeClr val="accent1"/>
+          </a:effectRef>
+          <a:fontRef idx="minor">
+            <a:schemeClr val="lt1"/>
+          </a:fontRef>
+        </p:style>
+        <p:txBody>
+          <a:bodyPr rtlCol="0" anchor="ctr"/>
+          <a:lstStyle/>
+          <a:p>
+            <a:pPr algn="ctr"/>
+            <a:endParaRPr lang="en-ID"/>
+          </a:p>
+        </p:txBody>
+      </p:sp>
+      <p:sp>
+        <p:nvSpPr>
+          <p:cNvPr id="110" name="Oval 109">
+            <a:extLst>
+              <a:ext uri="{FF2B5EF4-FFF2-40B4-BE49-F238E27FC236}">
+                <a16:creationId xmlns:a16="http://schemas.microsoft.com/office/drawing/2014/main" id="{EFA88B39-2428-942F-7E98-FAFB856F152A}"/>
+              </a:ext>
+            </a:extLst>
+          </p:cNvPr>
+          <p:cNvSpPr/>
+          <p:nvPr/>
+        </p:nvSpPr>
+        <p:spPr>
+          <a:xfrm>
+            <a:off x="6141634" y="5700663"/>
+            <a:ext cx="72000" cy="72000"/>
+          </a:xfrm>
+          <a:prstGeom prst="ellipse">
+            <a:avLst/>
+          </a:prstGeom>
+          <a:solidFill>
+            <a:srgbClr val="FF0000"/>
+          </a:solidFill>
+          <a:ln w="0">
+            <a:solidFill>
+              <a:schemeClr val="tx1"/>
+            </a:solidFill>
+            <a:headEnd w="sm" len="sm"/>
+            <a:tailEnd type="triangle" w="sm" len="sm"/>
+          </a:ln>
+        </p:spPr>
+        <p:style>
+          <a:lnRef idx="2">
+            <a:schemeClr val="accent1">
+              <a:shade val="15000"/>
+            </a:schemeClr>
+          </a:lnRef>
+          <a:fillRef idx="1">
+            <a:schemeClr val="accent1"/>
+          </a:fillRef>
+          <a:effectRef idx="0">
+            <a:schemeClr val="accent1"/>
+          </a:effectRef>
+          <a:fontRef idx="minor">
+            <a:schemeClr val="lt1"/>
+          </a:fontRef>
+        </p:style>
+        <p:txBody>
+          <a:bodyPr rtlCol="0" anchor="ctr"/>
+          <a:lstStyle/>
+          <a:p>
+            <a:pPr algn="ctr"/>
+            <a:endParaRPr lang="en-ID"/>
+          </a:p>
+        </p:txBody>
+      </p:sp>
+      <p:sp>
+        <p:nvSpPr>
+          <p:cNvPr id="111" name="Oval 110">
+            <a:extLst>
+              <a:ext uri="{FF2B5EF4-FFF2-40B4-BE49-F238E27FC236}">
+                <a16:creationId xmlns:a16="http://schemas.microsoft.com/office/drawing/2014/main" id="{A4879C3A-6277-414B-A661-5F783B8DF254}"/>
+              </a:ext>
+            </a:extLst>
+          </p:cNvPr>
+          <p:cNvSpPr/>
+          <p:nvPr/>
+        </p:nvSpPr>
+        <p:spPr>
+          <a:xfrm>
+            <a:off x="6225255" y="5968337"/>
+            <a:ext cx="72000" cy="72000"/>
+          </a:xfrm>
+          <a:prstGeom prst="ellipse">
+            <a:avLst/>
+          </a:prstGeom>
+          <a:solidFill>
+            <a:srgbClr val="FF0000"/>
+          </a:solidFill>
+          <a:ln w="0">
+            <a:solidFill>
+              <a:schemeClr val="tx1"/>
+            </a:solidFill>
+            <a:headEnd w="sm" len="sm"/>
+            <a:tailEnd type="triangle" w="sm" len="sm"/>
+          </a:ln>
+        </p:spPr>
+        <p:style>
+          <a:lnRef idx="2">
+            <a:schemeClr val="accent1">
+              <a:shade val="15000"/>
+            </a:schemeClr>
+          </a:lnRef>
+          <a:fillRef idx="1">
+            <a:schemeClr val="accent1"/>
+          </a:fillRef>
+          <a:effectRef idx="0">
+            <a:schemeClr val="accent1"/>
+          </a:effectRef>
+          <a:fontRef idx="minor">
+            <a:schemeClr val="lt1"/>
+          </a:fontRef>
+        </p:style>
+        <p:txBody>
+          <a:bodyPr rtlCol="0" anchor="ctr"/>
+          <a:lstStyle/>
+          <a:p>
+            <a:pPr algn="ctr"/>
+            <a:endParaRPr lang="en-ID"/>
+          </a:p>
+        </p:txBody>
+      </p:sp>
+      <p:sp>
+        <p:nvSpPr>
+          <p:cNvPr id="112" name="Oval 111">
+            <a:extLst>
+              <a:ext uri="{FF2B5EF4-FFF2-40B4-BE49-F238E27FC236}">
+                <a16:creationId xmlns:a16="http://schemas.microsoft.com/office/drawing/2014/main" id="{295F2D57-0A9E-F5AE-37B5-5D5D9AC5C7E8}"/>
+              </a:ext>
+            </a:extLst>
+          </p:cNvPr>
+          <p:cNvSpPr/>
+          <p:nvPr/>
+        </p:nvSpPr>
+        <p:spPr>
+          <a:xfrm>
+            <a:off x="6627587" y="5693331"/>
+            <a:ext cx="72000" cy="72000"/>
+          </a:xfrm>
+          <a:prstGeom prst="ellipse">
+            <a:avLst/>
+          </a:prstGeom>
+          <a:solidFill>
+            <a:srgbClr val="FF0000"/>
+          </a:solidFill>
+          <a:ln w="0">
+            <a:solidFill>
+              <a:schemeClr val="tx1"/>
+            </a:solidFill>
+            <a:headEnd w="sm" len="sm"/>
+            <a:tailEnd type="triangle" w="sm" len="sm"/>
+          </a:ln>
+        </p:spPr>
+        <p:style>
+          <a:lnRef idx="2">
+            <a:schemeClr val="accent1">
+              <a:shade val="15000"/>
+            </a:schemeClr>
+          </a:lnRef>
+          <a:fillRef idx="1">
+            <a:schemeClr val="accent1"/>
+          </a:fillRef>
+          <a:effectRef idx="0">
+            <a:schemeClr val="accent1"/>
+          </a:effectRef>
+          <a:fontRef idx="minor">
+            <a:schemeClr val="lt1"/>
+          </a:fontRef>
+        </p:style>
+        <p:txBody>
+          <a:bodyPr rtlCol="0" anchor="ctr"/>
+          <a:lstStyle/>
+          <a:p>
+            <a:pPr algn="ctr"/>
+            <a:endParaRPr lang="en-ID"/>
+          </a:p>
+        </p:txBody>
+      </p:sp>
+      <p:sp>
+        <p:nvSpPr>
+          <p:cNvPr id="113" name="Oval 112">
+            <a:extLst>
+              <a:ext uri="{FF2B5EF4-FFF2-40B4-BE49-F238E27FC236}">
+                <a16:creationId xmlns:a16="http://schemas.microsoft.com/office/drawing/2014/main" id="{0F8D0419-0FCB-544D-5FA5-A41809758FF9}"/>
+              </a:ext>
+            </a:extLst>
+          </p:cNvPr>
+          <p:cNvSpPr/>
+          <p:nvPr/>
+        </p:nvSpPr>
+        <p:spPr>
+          <a:xfrm>
+            <a:off x="6926253" y="5498546"/>
+            <a:ext cx="72000" cy="72000"/>
+          </a:xfrm>
+          <a:prstGeom prst="ellipse">
+            <a:avLst/>
+          </a:prstGeom>
+          <a:solidFill>
+            <a:srgbClr val="FF0000"/>
+          </a:solidFill>
+          <a:ln w="0">
+            <a:solidFill>
+              <a:schemeClr val="tx1"/>
+            </a:solidFill>
+            <a:headEnd w="sm" len="sm"/>
+            <a:tailEnd type="triangle" w="sm" len="sm"/>
+          </a:ln>
+        </p:spPr>
+        <p:style>
+          <a:lnRef idx="2">
+            <a:schemeClr val="accent1">
+              <a:shade val="15000"/>
+            </a:schemeClr>
+          </a:lnRef>
+          <a:fillRef idx="1">
+            <a:schemeClr val="accent1"/>
+          </a:fillRef>
+          <a:effectRef idx="0">
+            <a:schemeClr val="accent1"/>
+          </a:effectRef>
+          <a:fontRef idx="minor">
+            <a:schemeClr val="lt1"/>
+          </a:fontRef>
+        </p:style>
+        <p:txBody>
+          <a:bodyPr rtlCol="0" anchor="ctr"/>
+          <a:lstStyle/>
+          <a:p>
+            <a:pPr algn="ctr"/>
+            <a:endParaRPr lang="en-ID"/>
+          </a:p>
+        </p:txBody>
+      </p:sp>
+      <p:sp>
+        <p:nvSpPr>
+          <p:cNvPr id="114" name="Oval 113">
+            <a:extLst>
+              <a:ext uri="{FF2B5EF4-FFF2-40B4-BE49-F238E27FC236}">
+                <a16:creationId xmlns:a16="http://schemas.microsoft.com/office/drawing/2014/main" id="{EF56BE12-09D0-42BA-7DB4-B02D21E1C0CD}"/>
+              </a:ext>
+            </a:extLst>
+          </p:cNvPr>
+          <p:cNvSpPr/>
+          <p:nvPr/>
+        </p:nvSpPr>
+        <p:spPr>
+          <a:xfrm>
+            <a:off x="6711208" y="5922185"/>
+            <a:ext cx="72000" cy="72000"/>
+          </a:xfrm>
+          <a:prstGeom prst="ellipse">
+            <a:avLst/>
+          </a:prstGeom>
+          <a:solidFill>
+            <a:srgbClr val="00B050"/>
+          </a:solidFill>
+          <a:ln w="0">
+            <a:solidFill>
+              <a:schemeClr val="tx1"/>
+            </a:solidFill>
+            <a:headEnd w="sm" len="sm"/>
+            <a:tailEnd type="triangle" w="sm" len="sm"/>
+          </a:ln>
+        </p:spPr>
+        <p:style>
+          <a:lnRef idx="2">
+            <a:schemeClr val="accent1">
+              <a:shade val="15000"/>
+            </a:schemeClr>
+          </a:lnRef>
+          <a:fillRef idx="1">
+            <a:schemeClr val="accent1"/>
+          </a:fillRef>
+          <a:effectRef idx="0">
+            <a:schemeClr val="accent1"/>
+          </a:effectRef>
+          <a:fontRef idx="minor">
+            <a:schemeClr val="lt1"/>
+          </a:fontRef>
+        </p:style>
+        <p:txBody>
+          <a:bodyPr rtlCol="0" anchor="ctr"/>
+          <a:lstStyle/>
+          <a:p>
+            <a:pPr algn="ctr"/>
+            <a:endParaRPr lang="en-ID"/>
+          </a:p>
+        </p:txBody>
+      </p:sp>
+      <p:sp>
+        <p:nvSpPr>
+          <p:cNvPr id="115" name="Oval 114">
+            <a:extLst>
+              <a:ext uri="{FF2B5EF4-FFF2-40B4-BE49-F238E27FC236}">
+                <a16:creationId xmlns:a16="http://schemas.microsoft.com/office/drawing/2014/main" id="{85170ED4-04CA-829E-A36C-A0E701F88197}"/>
+              </a:ext>
+            </a:extLst>
+          </p:cNvPr>
+          <p:cNvSpPr/>
+          <p:nvPr/>
+        </p:nvSpPr>
+        <p:spPr>
+          <a:xfrm>
+            <a:off x="7015305" y="5696997"/>
+            <a:ext cx="72000" cy="72000"/>
+          </a:xfrm>
+          <a:prstGeom prst="ellipse">
+            <a:avLst/>
+          </a:prstGeom>
+          <a:solidFill>
+            <a:srgbClr val="FF0000"/>
+          </a:solidFill>
+          <a:ln w="0">
+            <a:solidFill>
+              <a:schemeClr val="tx1"/>
+            </a:solidFill>
+            <a:headEnd w="sm" len="sm"/>
+            <a:tailEnd type="triangle" w="sm" len="sm"/>
+          </a:ln>
+        </p:spPr>
+        <p:style>
+          <a:lnRef idx="2">
+            <a:schemeClr val="accent1">
+              <a:shade val="15000"/>
+            </a:schemeClr>
+          </a:lnRef>
+          <a:fillRef idx="1">
+            <a:schemeClr val="accent1"/>
+          </a:fillRef>
+          <a:effectRef idx="0">
+            <a:schemeClr val="accent1"/>
+          </a:effectRef>
+          <a:fontRef idx="minor">
+            <a:schemeClr val="lt1"/>
+          </a:fontRef>
+        </p:style>
+        <p:txBody>
+          <a:bodyPr rtlCol="0" anchor="ctr"/>
+          <a:lstStyle/>
+          <a:p>
+            <a:pPr algn="ctr"/>
+            <a:endParaRPr lang="en-ID"/>
+          </a:p>
+        </p:txBody>
+      </p:sp>
+      <p:sp>
+        <p:nvSpPr>
+          <p:cNvPr id="116" name="Oval 115">
+            <a:extLst>
+              <a:ext uri="{FF2B5EF4-FFF2-40B4-BE49-F238E27FC236}">
+                <a16:creationId xmlns:a16="http://schemas.microsoft.com/office/drawing/2014/main" id="{A6FBEDC9-2DDD-C57C-06EF-8E1CC3EE8225}"/>
+              </a:ext>
+            </a:extLst>
+          </p:cNvPr>
+          <p:cNvSpPr/>
+          <p:nvPr/>
+        </p:nvSpPr>
+        <p:spPr>
+          <a:xfrm>
+            <a:off x="6453417" y="5498546"/>
+            <a:ext cx="72000" cy="72000"/>
+          </a:xfrm>
+          <a:prstGeom prst="ellipse">
+            <a:avLst/>
+          </a:prstGeom>
+          <a:solidFill>
+            <a:srgbClr val="FF0000"/>
+          </a:solidFill>
+          <a:ln w="0">
+            <a:solidFill>
+              <a:schemeClr val="tx1"/>
+            </a:solidFill>
+            <a:headEnd w="sm" len="sm"/>
+            <a:tailEnd type="triangle" w="sm" len="sm"/>
+          </a:ln>
+        </p:spPr>
+        <p:style>
+          <a:lnRef idx="2">
+            <a:schemeClr val="accent1">
+              <a:shade val="15000"/>
+            </a:schemeClr>
+          </a:lnRef>
+          <a:fillRef idx="1">
+            <a:schemeClr val="accent1"/>
+          </a:fillRef>
+          <a:effectRef idx="0">
+            <a:schemeClr val="accent1"/>
+          </a:effectRef>
+          <a:fontRef idx="minor">
+            <a:schemeClr val="lt1"/>
+          </a:fontRef>
+        </p:style>
+        <p:txBody>
+          <a:bodyPr rtlCol="0" anchor="ctr"/>
+          <a:lstStyle/>
+          <a:p>
+            <a:pPr algn="ctr"/>
+            <a:endParaRPr lang="en-ID"/>
+          </a:p>
+        </p:txBody>
+      </p:sp>
+      <p:cxnSp>
+        <p:nvCxnSpPr>
+          <p:cNvPr id="118" name="Straight Arrow Connector 117">
+            <a:extLst>
+              <a:ext uri="{FF2B5EF4-FFF2-40B4-BE49-F238E27FC236}">
+                <a16:creationId xmlns:a16="http://schemas.microsoft.com/office/drawing/2014/main" id="{16B2A64C-0862-3FE8-22DA-45F9170BE1B7}"/>
+              </a:ext>
+            </a:extLst>
+          </p:cNvPr>
+          <p:cNvCxnSpPr>
+            <a:stCxn id="21" idx="7"/>
+            <a:endCxn id="22" idx="3"/>
+          </p:cNvCxnSpPr>
+          <p:nvPr/>
+        </p:nvCxnSpPr>
+        <p:spPr>
+          <a:xfrm flipV="1">
+            <a:off x="3398239" y="5758453"/>
+            <a:ext cx="351420" cy="224094"/>
+          </a:xfrm>
+          <a:prstGeom prst="straightConnector1">
+            <a:avLst/>
+          </a:prstGeom>
+          <a:ln w="0">
+            <a:solidFill>
+              <a:schemeClr val="tx1"/>
+            </a:solidFill>
+            <a:headEnd type="triangle" w="sm" len="sm"/>
+            <a:tailEnd type="triangle" w="sm" len="sm"/>
+          </a:ln>
+        </p:spPr>
+        <p:style>
+          <a:lnRef idx="1">
+            <a:schemeClr val="accent1"/>
+          </a:lnRef>
+          <a:fillRef idx="0">
+            <a:schemeClr val="accent1"/>
+          </a:fillRef>
+          <a:effectRef idx="0">
+            <a:schemeClr val="accent1"/>
+          </a:effectRef>
+          <a:fontRef idx="minor">
+            <a:schemeClr val="tx1"/>
+          </a:fontRef>
+        </p:style>
+      </p:cxnSp>
+      <p:cxnSp>
+        <p:nvCxnSpPr>
+          <p:cNvPr id="120" name="Straight Arrow Connector 119">
+            <a:extLst>
+              <a:ext uri="{FF2B5EF4-FFF2-40B4-BE49-F238E27FC236}">
+                <a16:creationId xmlns:a16="http://schemas.microsoft.com/office/drawing/2014/main" id="{02E228E5-05A3-249C-7951-4B8450F325F4}"/>
+              </a:ext>
+            </a:extLst>
+          </p:cNvPr>
+          <p:cNvCxnSpPr>
+            <a:stCxn id="22" idx="7"/>
+            <a:endCxn id="25" idx="3"/>
+          </p:cNvCxnSpPr>
+          <p:nvPr/>
+        </p:nvCxnSpPr>
+        <p:spPr>
+          <a:xfrm flipV="1">
+            <a:off x="3800571" y="5563668"/>
+            <a:ext cx="247754" cy="143873"/>
+          </a:xfrm>
+          <a:prstGeom prst="straightConnector1">
+            <a:avLst/>
+          </a:prstGeom>
+          <a:ln w="0">
+            <a:solidFill>
+              <a:schemeClr val="tx1"/>
+            </a:solidFill>
+            <a:headEnd type="triangle" w="sm" len="sm"/>
+            <a:tailEnd type="triangle" w="sm" len="sm"/>
+          </a:ln>
+        </p:spPr>
+        <p:style>
+          <a:lnRef idx="1">
+            <a:schemeClr val="accent1"/>
+          </a:lnRef>
+          <a:fillRef idx="0">
+            <a:schemeClr val="accent1"/>
+          </a:fillRef>
+          <a:effectRef idx="0">
+            <a:schemeClr val="accent1"/>
+          </a:effectRef>
+          <a:fontRef idx="minor">
+            <a:schemeClr val="tx1"/>
+          </a:fontRef>
+        </p:style>
+      </p:cxnSp>
+      <p:cxnSp>
+        <p:nvCxnSpPr>
+          <p:cNvPr id="121" name="Straight Arrow Connector 120">
+            <a:extLst>
+              <a:ext uri="{FF2B5EF4-FFF2-40B4-BE49-F238E27FC236}">
+                <a16:creationId xmlns:a16="http://schemas.microsoft.com/office/drawing/2014/main" id="{61AA610E-5AF6-6D5F-1C63-A28BE849D742}"/>
+              </a:ext>
+            </a:extLst>
+          </p:cNvPr>
+          <p:cNvCxnSpPr>
+            <a:cxnSpLocks/>
+            <a:stCxn id="22" idx="5"/>
+            <a:endCxn id="31" idx="0"/>
+          </p:cNvCxnSpPr>
+          <p:nvPr/>
+        </p:nvCxnSpPr>
+        <p:spPr>
+          <a:xfrm>
+            <a:off x="3800571" y="5758453"/>
+            <a:ext cx="58165" cy="167398"/>
+          </a:xfrm>
+          <a:prstGeom prst="straightConnector1">
+            <a:avLst/>
+          </a:prstGeom>
+          <a:ln w="0">
+            <a:solidFill>
+              <a:schemeClr val="tx1"/>
+            </a:solidFill>
+            <a:headEnd type="triangle" w="sm" len="sm"/>
+            <a:tailEnd type="triangle" w="sm" len="sm"/>
+          </a:ln>
+        </p:spPr>
+        <p:style>
+          <a:lnRef idx="1">
+            <a:schemeClr val="accent1"/>
+          </a:lnRef>
+          <a:fillRef idx="0">
+            <a:schemeClr val="accent1"/>
+          </a:fillRef>
+          <a:effectRef idx="0">
+            <a:schemeClr val="accent1"/>
+          </a:effectRef>
+          <a:fontRef idx="minor">
+            <a:schemeClr val="tx1"/>
+          </a:fontRef>
+        </p:style>
+      </p:cxnSp>
+      <p:cxnSp>
+        <p:nvCxnSpPr>
+          <p:cNvPr id="124" name="Straight Arrow Connector 123">
+            <a:extLst>
+              <a:ext uri="{FF2B5EF4-FFF2-40B4-BE49-F238E27FC236}">
+                <a16:creationId xmlns:a16="http://schemas.microsoft.com/office/drawing/2014/main" id="{EFA0DA34-B7BD-4D41-C3CB-29081A7084BC}"/>
+              </a:ext>
+            </a:extLst>
+          </p:cNvPr>
+          <p:cNvCxnSpPr>
+            <a:cxnSpLocks/>
+            <a:endCxn id="82" idx="0"/>
+          </p:cNvCxnSpPr>
+          <p:nvPr/>
+        </p:nvCxnSpPr>
+        <p:spPr>
+          <a:xfrm>
+            <a:off x="4171785" y="5765331"/>
+            <a:ext cx="74669" cy="203006"/>
+          </a:xfrm>
+          <a:prstGeom prst="straightConnector1">
+            <a:avLst/>
+          </a:prstGeom>
+          <a:ln w="0">
+            <a:solidFill>
+              <a:schemeClr val="tx1"/>
+            </a:solidFill>
+            <a:headEnd type="triangle" w="sm" len="sm"/>
+            <a:tailEnd type="triangle" w="sm" len="sm"/>
+          </a:ln>
+        </p:spPr>
+        <p:style>
+          <a:lnRef idx="1">
+            <a:schemeClr val="accent1"/>
+          </a:lnRef>
+          <a:fillRef idx="0">
+            <a:schemeClr val="accent1"/>
+          </a:fillRef>
+          <a:effectRef idx="0">
+            <a:schemeClr val="accent1"/>
+          </a:effectRef>
+          <a:fontRef idx="minor">
+            <a:schemeClr val="tx1"/>
+          </a:fontRef>
+        </p:style>
+      </p:cxnSp>
+      <p:cxnSp>
+        <p:nvCxnSpPr>
+          <p:cNvPr id="126" name="Straight Arrow Connector 125">
+            <a:extLst>
+              <a:ext uri="{FF2B5EF4-FFF2-40B4-BE49-F238E27FC236}">
+                <a16:creationId xmlns:a16="http://schemas.microsoft.com/office/drawing/2014/main" id="{E807B4A4-CD59-08E4-47D4-522F9463835D}"/>
+              </a:ext>
+            </a:extLst>
+          </p:cNvPr>
+          <p:cNvCxnSpPr>
+            <a:cxnSpLocks/>
+            <a:endCxn id="37" idx="1"/>
+          </p:cNvCxnSpPr>
+          <p:nvPr/>
+        </p:nvCxnSpPr>
+        <p:spPr>
+          <a:xfrm>
+            <a:off x="4091502" y="5559302"/>
+            <a:ext cx="45875" cy="151905"/>
+          </a:xfrm>
+          <a:prstGeom prst="straightConnector1">
+            <a:avLst/>
+          </a:prstGeom>
+          <a:ln w="0">
+            <a:solidFill>
+              <a:schemeClr val="tx1"/>
+            </a:solidFill>
+            <a:headEnd type="triangle" w="sm" len="sm"/>
+            <a:tailEnd type="triangle" w="sm" len="sm"/>
+          </a:ln>
+        </p:spPr>
+        <p:style>
+          <a:lnRef idx="1">
+            <a:schemeClr val="accent1"/>
+          </a:lnRef>
+          <a:fillRef idx="0">
+            <a:schemeClr val="accent1"/>
+          </a:fillRef>
+          <a:effectRef idx="0">
+            <a:schemeClr val="accent1"/>
+          </a:effectRef>
+          <a:fontRef idx="minor">
+            <a:schemeClr val="tx1"/>
+          </a:fontRef>
+        </p:style>
+      </p:cxnSp>
+      <p:cxnSp>
+        <p:nvCxnSpPr>
+          <p:cNvPr id="128" name="Straight Arrow Connector 127">
+            <a:extLst>
+              <a:ext uri="{FF2B5EF4-FFF2-40B4-BE49-F238E27FC236}">
+                <a16:creationId xmlns:a16="http://schemas.microsoft.com/office/drawing/2014/main" id="{99E79619-915F-D32F-7D30-5028410FD1DF}"/>
+              </a:ext>
+            </a:extLst>
+          </p:cNvPr>
+          <p:cNvCxnSpPr>
+            <a:cxnSpLocks/>
+            <a:stCxn id="25" idx="6"/>
+            <a:endCxn id="87" idx="2"/>
+          </p:cNvCxnSpPr>
+          <p:nvPr/>
+        </p:nvCxnSpPr>
+        <p:spPr>
+          <a:xfrm flipV="1">
+            <a:off x="4109781" y="5534546"/>
+            <a:ext cx="328835" cy="3666"/>
+          </a:xfrm>
+          <a:prstGeom prst="straightConnector1">
+            <a:avLst/>
+          </a:prstGeom>
+          <a:ln w="0">
+            <a:solidFill>
+              <a:schemeClr val="tx1"/>
+            </a:solidFill>
+            <a:headEnd type="triangle" w="sm" len="sm"/>
+            <a:tailEnd type="triangle" w="sm" len="sm"/>
+          </a:ln>
+        </p:spPr>
+        <p:style>
+          <a:lnRef idx="1">
+            <a:schemeClr val="accent1"/>
+          </a:lnRef>
+          <a:fillRef idx="0">
+            <a:schemeClr val="accent1"/>
+          </a:fillRef>
+          <a:effectRef idx="0">
+            <a:schemeClr val="accent1"/>
+          </a:effectRef>
+          <a:fontRef idx="minor">
+            <a:schemeClr val="tx1"/>
+          </a:fontRef>
+        </p:style>
+      </p:cxnSp>
+      <p:cxnSp>
+        <p:nvCxnSpPr>
+          <p:cNvPr id="131" name="Straight Arrow Connector 130">
+            <a:extLst>
+              <a:ext uri="{FF2B5EF4-FFF2-40B4-BE49-F238E27FC236}">
+                <a16:creationId xmlns:a16="http://schemas.microsoft.com/office/drawing/2014/main" id="{96612A36-43F8-621F-8FE7-FC5391C64487}"/>
+              </a:ext>
+            </a:extLst>
+          </p:cNvPr>
+          <p:cNvCxnSpPr>
+            <a:cxnSpLocks/>
+            <a:endCxn id="83" idx="2"/>
+          </p:cNvCxnSpPr>
+          <p:nvPr/>
+        </p:nvCxnSpPr>
+        <p:spPr>
+          <a:xfrm>
+            <a:off x="4198833" y="5729331"/>
+            <a:ext cx="413953" cy="0"/>
+          </a:xfrm>
+          <a:prstGeom prst="straightConnector1">
+            <a:avLst/>
+          </a:prstGeom>
+          <a:ln w="0">
+            <a:solidFill>
+              <a:schemeClr val="tx1"/>
+            </a:solidFill>
+            <a:headEnd type="triangle" w="sm" len="sm"/>
+            <a:tailEnd type="triangle" w="sm" len="sm"/>
+          </a:ln>
+        </p:spPr>
+        <p:style>
+          <a:lnRef idx="1">
+            <a:schemeClr val="accent1"/>
+          </a:lnRef>
+          <a:fillRef idx="0">
+            <a:schemeClr val="accent1"/>
+          </a:fillRef>
+          <a:effectRef idx="0">
+            <a:schemeClr val="accent1"/>
+          </a:effectRef>
+          <a:fontRef idx="minor">
+            <a:schemeClr val="tx1"/>
+          </a:fontRef>
+        </p:style>
+      </p:cxnSp>
+      <p:cxnSp>
+        <p:nvCxnSpPr>
+          <p:cNvPr id="133" name="Straight Arrow Connector 132">
+            <a:extLst>
+              <a:ext uri="{FF2B5EF4-FFF2-40B4-BE49-F238E27FC236}">
+                <a16:creationId xmlns:a16="http://schemas.microsoft.com/office/drawing/2014/main" id="{DDC42FA7-DE8C-DA62-8790-2E9B288BE383}"/>
+              </a:ext>
+            </a:extLst>
+          </p:cNvPr>
+          <p:cNvCxnSpPr>
+            <a:cxnSpLocks/>
+            <a:stCxn id="82" idx="6"/>
+            <a:endCxn id="85" idx="2"/>
+          </p:cNvCxnSpPr>
+          <p:nvPr/>
+        </p:nvCxnSpPr>
+        <p:spPr>
+          <a:xfrm flipV="1">
+            <a:off x="4282454" y="5958185"/>
+            <a:ext cx="413953" cy="46152"/>
+          </a:xfrm>
+          <a:prstGeom prst="straightConnector1">
+            <a:avLst/>
+          </a:prstGeom>
+          <a:ln w="0">
+            <a:solidFill>
+              <a:schemeClr val="tx1"/>
+            </a:solidFill>
+            <a:headEnd type="triangle" w="sm" len="sm"/>
+            <a:tailEnd type="triangle" w="sm" len="sm"/>
+          </a:ln>
+        </p:spPr>
+        <p:style>
+          <a:lnRef idx="1">
+            <a:schemeClr val="accent1"/>
+          </a:lnRef>
+          <a:fillRef idx="0">
+            <a:schemeClr val="accent1"/>
+          </a:fillRef>
+          <a:effectRef idx="0">
+            <a:schemeClr val="accent1"/>
+          </a:effectRef>
+          <a:fontRef idx="minor">
+            <a:schemeClr val="tx1"/>
+          </a:fontRef>
+        </p:style>
+      </p:cxnSp>
+      <p:cxnSp>
+        <p:nvCxnSpPr>
+          <p:cNvPr id="136" name="Straight Arrow Connector 135">
+            <a:extLst>
+              <a:ext uri="{FF2B5EF4-FFF2-40B4-BE49-F238E27FC236}">
+                <a16:creationId xmlns:a16="http://schemas.microsoft.com/office/drawing/2014/main" id="{D5B3A472-9E59-A7F1-729D-51BCB41AB24F}"/>
+              </a:ext>
+            </a:extLst>
+          </p:cNvPr>
+          <p:cNvCxnSpPr>
+            <a:cxnSpLocks/>
+            <a:stCxn id="83" idx="4"/>
+            <a:endCxn id="85" idx="0"/>
+          </p:cNvCxnSpPr>
+          <p:nvPr/>
+        </p:nvCxnSpPr>
+        <p:spPr>
+          <a:xfrm>
+            <a:off x="4648786" y="5765331"/>
+            <a:ext cx="83621" cy="156854"/>
+          </a:xfrm>
+          <a:prstGeom prst="straightConnector1">
+            <a:avLst/>
+          </a:prstGeom>
+          <a:ln w="0">
+            <a:solidFill>
+              <a:schemeClr val="tx1"/>
+            </a:solidFill>
+            <a:headEnd type="triangle" w="sm" len="sm"/>
+            <a:tailEnd type="triangle" w="sm" len="sm"/>
+          </a:ln>
+        </p:spPr>
+        <p:style>
+          <a:lnRef idx="1">
+            <a:schemeClr val="accent1"/>
+          </a:lnRef>
+          <a:fillRef idx="0">
+            <a:schemeClr val="accent1"/>
+          </a:fillRef>
+          <a:effectRef idx="0">
+            <a:schemeClr val="accent1"/>
+          </a:effectRef>
+          <a:fontRef idx="minor">
+            <a:schemeClr val="tx1"/>
+          </a:fontRef>
+        </p:style>
+      </p:cxnSp>
+      <p:cxnSp>
+        <p:nvCxnSpPr>
+          <p:cNvPr id="139" name="Straight Arrow Connector 138">
+            <a:extLst>
+              <a:ext uri="{FF2B5EF4-FFF2-40B4-BE49-F238E27FC236}">
+                <a16:creationId xmlns:a16="http://schemas.microsoft.com/office/drawing/2014/main" id="{CDDC36C6-395D-D776-C0F9-700473FB9A0B}"/>
+              </a:ext>
+            </a:extLst>
+          </p:cNvPr>
+          <p:cNvCxnSpPr>
+            <a:cxnSpLocks/>
+            <a:stCxn id="87" idx="5"/>
+            <a:endCxn id="83" idx="1"/>
+          </p:cNvCxnSpPr>
+          <p:nvPr/>
+        </p:nvCxnSpPr>
+        <p:spPr>
+          <a:xfrm>
+            <a:off x="4500072" y="5560002"/>
+            <a:ext cx="123258" cy="143873"/>
+          </a:xfrm>
+          <a:prstGeom prst="straightConnector1">
+            <a:avLst/>
+          </a:prstGeom>
+          <a:ln w="0">
+            <a:solidFill>
+              <a:schemeClr val="tx1"/>
+            </a:solidFill>
+            <a:headEnd type="triangle" w="sm" len="sm"/>
+            <a:tailEnd type="triangle" w="sm" len="sm"/>
+          </a:ln>
+        </p:spPr>
+        <p:style>
+          <a:lnRef idx="1">
+            <a:schemeClr val="accent1"/>
+          </a:lnRef>
+          <a:fillRef idx="0">
+            <a:schemeClr val="accent1"/>
+          </a:fillRef>
+          <a:effectRef idx="0">
+            <a:schemeClr val="accent1"/>
+          </a:effectRef>
+          <a:fontRef idx="minor">
+            <a:schemeClr val="tx1"/>
+          </a:fontRef>
+        </p:style>
+      </p:cxnSp>
+      <p:cxnSp>
+        <p:nvCxnSpPr>
+          <p:cNvPr id="142" name="Straight Arrow Connector 141">
+            <a:extLst>
+              <a:ext uri="{FF2B5EF4-FFF2-40B4-BE49-F238E27FC236}">
+                <a16:creationId xmlns:a16="http://schemas.microsoft.com/office/drawing/2014/main" id="{B14B6CD6-8295-1033-A134-BDBE199E1FE2}"/>
+              </a:ext>
+            </a:extLst>
+          </p:cNvPr>
+          <p:cNvCxnSpPr>
+            <a:cxnSpLocks/>
+            <a:stCxn id="87" idx="6"/>
+            <a:endCxn id="84" idx="2"/>
+          </p:cNvCxnSpPr>
+          <p:nvPr/>
+        </p:nvCxnSpPr>
+        <p:spPr>
+          <a:xfrm>
+            <a:off x="4510616" y="5534546"/>
+            <a:ext cx="400836" cy="0"/>
+          </a:xfrm>
+          <a:prstGeom prst="straightConnector1">
+            <a:avLst/>
+          </a:prstGeom>
+          <a:ln w="0">
+            <a:solidFill>
+              <a:schemeClr val="tx1"/>
+            </a:solidFill>
+            <a:headEnd type="triangle" w="sm" len="sm"/>
+            <a:tailEnd type="triangle" w="sm" len="sm"/>
+          </a:ln>
+        </p:spPr>
+        <p:style>
+          <a:lnRef idx="1">
+            <a:schemeClr val="accent1"/>
+          </a:lnRef>
+          <a:fillRef idx="0">
+            <a:schemeClr val="accent1"/>
+          </a:fillRef>
+          <a:effectRef idx="0">
+            <a:schemeClr val="accent1"/>
+          </a:effectRef>
+          <a:fontRef idx="minor">
+            <a:schemeClr val="tx1"/>
+          </a:fontRef>
+        </p:style>
+      </p:cxnSp>
+      <p:cxnSp>
+        <p:nvCxnSpPr>
+          <p:cNvPr id="145" name="Straight Arrow Connector 144">
+            <a:extLst>
+              <a:ext uri="{FF2B5EF4-FFF2-40B4-BE49-F238E27FC236}">
+                <a16:creationId xmlns:a16="http://schemas.microsoft.com/office/drawing/2014/main" id="{069DD3BD-F843-258A-97F6-E238D9756F34}"/>
+              </a:ext>
+            </a:extLst>
+          </p:cNvPr>
+          <p:cNvCxnSpPr>
+            <a:cxnSpLocks/>
+            <a:stCxn id="85" idx="6"/>
+            <a:endCxn id="106" idx="2"/>
+          </p:cNvCxnSpPr>
+          <p:nvPr/>
+        </p:nvCxnSpPr>
+        <p:spPr>
+          <a:xfrm>
+            <a:off x="4768407" y="5958185"/>
+            <a:ext cx="583177" cy="49818"/>
+          </a:xfrm>
+          <a:prstGeom prst="straightConnector1">
+            <a:avLst/>
+          </a:prstGeom>
+          <a:ln w="0">
+            <a:solidFill>
+              <a:schemeClr val="tx1"/>
+            </a:solidFill>
+            <a:headEnd type="triangle" w="sm" len="sm"/>
+            <a:tailEnd type="triangle" w="sm" len="sm"/>
+          </a:ln>
+        </p:spPr>
+        <p:style>
+          <a:lnRef idx="1">
+            <a:schemeClr val="accent1"/>
+          </a:lnRef>
+          <a:fillRef idx="0">
+            <a:schemeClr val="accent1"/>
+          </a:fillRef>
+          <a:effectRef idx="0">
+            <a:schemeClr val="accent1"/>
+          </a:effectRef>
+          <a:fontRef idx="minor">
+            <a:schemeClr val="tx1"/>
+          </a:fontRef>
+        </p:style>
+      </p:cxnSp>
+      <p:cxnSp>
+        <p:nvCxnSpPr>
+          <p:cNvPr id="148" name="Straight Arrow Connector 147">
+            <a:extLst>
+              <a:ext uri="{FF2B5EF4-FFF2-40B4-BE49-F238E27FC236}">
+                <a16:creationId xmlns:a16="http://schemas.microsoft.com/office/drawing/2014/main" id="{FE0FD9A2-68E3-02C0-09AF-0D77C86930A6}"/>
+              </a:ext>
+            </a:extLst>
+          </p:cNvPr>
+          <p:cNvCxnSpPr>
+            <a:cxnSpLocks/>
+            <a:stCxn id="86" idx="5"/>
+            <a:endCxn id="106" idx="0"/>
+          </p:cNvCxnSpPr>
+          <p:nvPr/>
+        </p:nvCxnSpPr>
+        <p:spPr>
+          <a:xfrm>
+            <a:off x="5061960" y="5758453"/>
+            <a:ext cx="325624" cy="213550"/>
+          </a:xfrm>
+          <a:prstGeom prst="straightConnector1">
+            <a:avLst/>
+          </a:prstGeom>
+          <a:ln w="0">
+            <a:solidFill>
+              <a:schemeClr val="tx1"/>
+            </a:solidFill>
+            <a:headEnd type="triangle" w="sm" len="sm"/>
+            <a:tailEnd type="triangle" w="sm" len="sm"/>
+          </a:ln>
+        </p:spPr>
+        <p:style>
+          <a:lnRef idx="1">
+            <a:schemeClr val="accent1"/>
+          </a:lnRef>
+          <a:fillRef idx="0">
+            <a:schemeClr val="accent1"/>
+          </a:fillRef>
+          <a:effectRef idx="0">
+            <a:schemeClr val="accent1"/>
+          </a:effectRef>
+          <a:fontRef idx="minor">
+            <a:schemeClr val="tx1"/>
+          </a:fontRef>
+        </p:style>
+      </p:cxnSp>
+      <p:cxnSp>
+        <p:nvCxnSpPr>
+          <p:cNvPr id="151" name="Straight Arrow Connector 150">
+            <a:extLst>
+              <a:ext uri="{FF2B5EF4-FFF2-40B4-BE49-F238E27FC236}">
+                <a16:creationId xmlns:a16="http://schemas.microsoft.com/office/drawing/2014/main" id="{81BF9560-4EEB-9E47-611B-051F9D174434}"/>
+              </a:ext>
+            </a:extLst>
+          </p:cNvPr>
+          <p:cNvCxnSpPr>
+            <a:cxnSpLocks/>
+            <a:stCxn id="86" idx="3"/>
+            <a:endCxn id="85" idx="7"/>
+          </p:cNvCxnSpPr>
+          <p:nvPr/>
+        </p:nvCxnSpPr>
+        <p:spPr>
+          <a:xfrm flipH="1">
+            <a:off x="4757863" y="5758453"/>
+            <a:ext cx="253185" cy="174276"/>
+          </a:xfrm>
+          <a:prstGeom prst="straightConnector1">
+            <a:avLst/>
+          </a:prstGeom>
+          <a:ln w="0">
+            <a:solidFill>
+              <a:schemeClr val="tx1"/>
+            </a:solidFill>
+            <a:headEnd type="triangle" w="sm" len="sm"/>
+            <a:tailEnd type="triangle" w="sm" len="sm"/>
+          </a:ln>
+        </p:spPr>
+        <p:style>
+          <a:lnRef idx="1">
+            <a:schemeClr val="accent1"/>
+          </a:lnRef>
+          <a:fillRef idx="0">
+            <a:schemeClr val="accent1"/>
+          </a:fillRef>
+          <a:effectRef idx="0">
+            <a:schemeClr val="accent1"/>
+          </a:effectRef>
+          <a:fontRef idx="minor">
+            <a:schemeClr val="tx1"/>
+          </a:fontRef>
+        </p:style>
+      </p:cxnSp>
+      <p:cxnSp>
+        <p:nvCxnSpPr>
+          <p:cNvPr id="155" name="Straight Arrow Connector 154">
+            <a:extLst>
+              <a:ext uri="{FF2B5EF4-FFF2-40B4-BE49-F238E27FC236}">
+                <a16:creationId xmlns:a16="http://schemas.microsoft.com/office/drawing/2014/main" id="{DB9F6058-34E3-E4DA-228D-28591D2ED7C4}"/>
+              </a:ext>
+            </a:extLst>
+          </p:cNvPr>
+          <p:cNvCxnSpPr>
+            <a:cxnSpLocks/>
+            <a:stCxn id="86" idx="1"/>
+            <a:endCxn id="84" idx="4"/>
+          </p:cNvCxnSpPr>
+          <p:nvPr/>
+        </p:nvCxnSpPr>
+        <p:spPr>
+          <a:xfrm flipH="1" flipV="1">
+            <a:off x="4947452" y="5570546"/>
+            <a:ext cx="63596" cy="136995"/>
+          </a:xfrm>
+          <a:prstGeom prst="straightConnector1">
+            <a:avLst/>
+          </a:prstGeom>
+          <a:ln w="0">
+            <a:solidFill>
+              <a:schemeClr val="tx1"/>
+            </a:solidFill>
+            <a:headEnd type="triangle" w="sm" len="sm"/>
+            <a:tailEnd type="triangle" w="sm" len="sm"/>
+          </a:ln>
+        </p:spPr>
+        <p:style>
+          <a:lnRef idx="1">
+            <a:schemeClr val="accent1"/>
+          </a:lnRef>
+          <a:fillRef idx="0">
+            <a:schemeClr val="accent1"/>
+          </a:fillRef>
+          <a:effectRef idx="0">
+            <a:schemeClr val="accent1"/>
+          </a:effectRef>
+          <a:fontRef idx="minor">
+            <a:schemeClr val="tx1"/>
+          </a:fontRef>
+        </p:style>
+      </p:cxnSp>
+      <p:cxnSp>
+        <p:nvCxnSpPr>
+          <p:cNvPr id="158" name="Straight Arrow Connector 157">
+            <a:extLst>
+              <a:ext uri="{FF2B5EF4-FFF2-40B4-BE49-F238E27FC236}">
+                <a16:creationId xmlns:a16="http://schemas.microsoft.com/office/drawing/2014/main" id="{87628DF9-A7A5-D065-5621-02B75392B4C8}"/>
+              </a:ext>
+            </a:extLst>
+          </p:cNvPr>
+          <p:cNvCxnSpPr>
+            <a:cxnSpLocks/>
+            <a:stCxn id="108" idx="2"/>
+            <a:endCxn id="84" idx="6"/>
+          </p:cNvCxnSpPr>
+          <p:nvPr/>
+        </p:nvCxnSpPr>
+        <p:spPr>
+          <a:xfrm flipH="1" flipV="1">
+            <a:off x="4983452" y="5534546"/>
+            <a:ext cx="1069130" cy="3666"/>
+          </a:xfrm>
+          <a:prstGeom prst="straightConnector1">
+            <a:avLst/>
+          </a:prstGeom>
+          <a:ln w="0">
+            <a:solidFill>
+              <a:schemeClr val="tx1"/>
+            </a:solidFill>
+            <a:headEnd type="triangle" w="sm" len="sm"/>
+            <a:tailEnd type="triangle" w="sm" len="sm"/>
+          </a:ln>
+        </p:spPr>
+        <p:style>
+          <a:lnRef idx="1">
+            <a:schemeClr val="accent1"/>
+          </a:lnRef>
+          <a:fillRef idx="0">
+            <a:schemeClr val="accent1"/>
+          </a:fillRef>
+          <a:effectRef idx="0">
+            <a:schemeClr val="accent1"/>
+          </a:effectRef>
+          <a:fontRef idx="minor">
+            <a:schemeClr val="tx1"/>
+          </a:fontRef>
+        </p:style>
+      </p:cxnSp>
+      <p:cxnSp>
+        <p:nvCxnSpPr>
+          <p:cNvPr id="161" name="Straight Arrow Connector 160">
+            <a:extLst>
+              <a:ext uri="{FF2B5EF4-FFF2-40B4-BE49-F238E27FC236}">
+                <a16:creationId xmlns:a16="http://schemas.microsoft.com/office/drawing/2014/main" id="{B749CE2A-13C4-B440-2787-DCA74F801D17}"/>
+              </a:ext>
+            </a:extLst>
+          </p:cNvPr>
+          <p:cNvCxnSpPr>
+            <a:cxnSpLocks/>
+            <a:stCxn id="108" idx="3"/>
+            <a:endCxn id="107" idx="7"/>
+          </p:cNvCxnSpPr>
+          <p:nvPr/>
+        </p:nvCxnSpPr>
+        <p:spPr>
+          <a:xfrm flipH="1">
+            <a:off x="5815372" y="5563668"/>
+            <a:ext cx="247754" cy="143873"/>
+          </a:xfrm>
+          <a:prstGeom prst="straightConnector1">
+            <a:avLst/>
+          </a:prstGeom>
+          <a:ln w="0">
+            <a:solidFill>
+              <a:schemeClr val="tx1"/>
+            </a:solidFill>
+            <a:headEnd type="triangle" w="sm" len="sm"/>
+            <a:tailEnd type="triangle" w="sm" len="sm"/>
+          </a:ln>
+        </p:spPr>
+        <p:style>
+          <a:lnRef idx="1">
+            <a:schemeClr val="accent1"/>
+          </a:lnRef>
+          <a:fillRef idx="0">
+            <a:schemeClr val="accent1"/>
+          </a:fillRef>
+          <a:effectRef idx="0">
+            <a:schemeClr val="accent1"/>
+          </a:effectRef>
+          <a:fontRef idx="minor">
+            <a:schemeClr val="tx1"/>
+          </a:fontRef>
+        </p:style>
+      </p:cxnSp>
+      <p:cxnSp>
+        <p:nvCxnSpPr>
+          <p:cNvPr id="164" name="Straight Arrow Connector 163">
+            <a:extLst>
+              <a:ext uri="{FF2B5EF4-FFF2-40B4-BE49-F238E27FC236}">
+                <a16:creationId xmlns:a16="http://schemas.microsoft.com/office/drawing/2014/main" id="{A7A6BCED-C08A-ED62-5478-8AC46585EC4B}"/>
+              </a:ext>
+            </a:extLst>
+          </p:cNvPr>
+          <p:cNvCxnSpPr>
+            <a:cxnSpLocks/>
+            <a:stCxn id="108" idx="3"/>
+            <a:endCxn id="109" idx="7"/>
+          </p:cNvCxnSpPr>
+          <p:nvPr/>
+        </p:nvCxnSpPr>
+        <p:spPr>
+          <a:xfrm flipH="1">
+            <a:off x="5898993" y="5563668"/>
+            <a:ext cx="164133" cy="372727"/>
+          </a:xfrm>
+          <a:prstGeom prst="straightConnector1">
+            <a:avLst/>
+          </a:prstGeom>
+          <a:ln w="0">
+            <a:solidFill>
+              <a:schemeClr val="tx1"/>
+            </a:solidFill>
+            <a:headEnd type="triangle" w="sm" len="sm"/>
+            <a:tailEnd type="triangle" w="sm" len="sm"/>
+          </a:ln>
+        </p:spPr>
+        <p:style>
+          <a:lnRef idx="1">
+            <a:schemeClr val="accent1"/>
+          </a:lnRef>
+          <a:fillRef idx="0">
+            <a:schemeClr val="accent1"/>
+          </a:fillRef>
+          <a:effectRef idx="0">
+            <a:schemeClr val="accent1"/>
+          </a:effectRef>
+          <a:fontRef idx="minor">
+            <a:schemeClr val="tx1"/>
+          </a:fontRef>
+        </p:style>
+      </p:cxnSp>
+      <p:cxnSp>
+        <p:nvCxnSpPr>
+          <p:cNvPr id="167" name="Straight Arrow Connector 166">
+            <a:extLst>
+              <a:ext uri="{FF2B5EF4-FFF2-40B4-BE49-F238E27FC236}">
+                <a16:creationId xmlns:a16="http://schemas.microsoft.com/office/drawing/2014/main" id="{C0E8DE11-0797-6010-83D7-0DC2F5CF07EC}"/>
+              </a:ext>
+            </a:extLst>
+          </p:cNvPr>
+          <p:cNvCxnSpPr>
+            <a:cxnSpLocks/>
+            <a:stCxn id="110" idx="4"/>
+            <a:endCxn id="111" idx="0"/>
+          </p:cNvCxnSpPr>
+          <p:nvPr/>
+        </p:nvCxnSpPr>
+        <p:spPr>
+          <a:xfrm>
+            <a:off x="6177634" y="5772663"/>
+            <a:ext cx="83621" cy="195674"/>
+          </a:xfrm>
+          <a:prstGeom prst="straightConnector1">
+            <a:avLst/>
+          </a:prstGeom>
+          <a:ln w="0">
+            <a:solidFill>
+              <a:schemeClr val="tx1"/>
+            </a:solidFill>
+            <a:headEnd type="triangle" w="sm" len="sm"/>
+            <a:tailEnd type="triangle" w="sm" len="sm"/>
+          </a:ln>
+        </p:spPr>
+        <p:style>
+          <a:lnRef idx="1">
+            <a:schemeClr val="accent1"/>
+          </a:lnRef>
+          <a:fillRef idx="0">
+            <a:schemeClr val="accent1"/>
+          </a:fillRef>
+          <a:effectRef idx="0">
+            <a:schemeClr val="accent1"/>
+          </a:effectRef>
+          <a:fontRef idx="minor">
+            <a:schemeClr val="tx1"/>
+          </a:fontRef>
+        </p:style>
+      </p:cxnSp>
+      <p:cxnSp>
+        <p:nvCxnSpPr>
+          <p:cNvPr id="171" name="Straight Arrow Connector 170">
+            <a:extLst>
+              <a:ext uri="{FF2B5EF4-FFF2-40B4-BE49-F238E27FC236}">
+                <a16:creationId xmlns:a16="http://schemas.microsoft.com/office/drawing/2014/main" id="{9DFF3D5B-44D1-7E99-8454-7B39C9299D60}"/>
+              </a:ext>
+            </a:extLst>
+          </p:cNvPr>
+          <p:cNvCxnSpPr>
+            <a:cxnSpLocks/>
+            <a:stCxn id="109" idx="6"/>
+            <a:endCxn id="111" idx="2"/>
+          </p:cNvCxnSpPr>
+          <p:nvPr/>
+        </p:nvCxnSpPr>
+        <p:spPr>
+          <a:xfrm>
+            <a:off x="5909537" y="5961851"/>
+            <a:ext cx="315718" cy="42486"/>
+          </a:xfrm>
+          <a:prstGeom prst="straightConnector1">
+            <a:avLst/>
+          </a:prstGeom>
+          <a:ln w="0">
+            <a:solidFill>
+              <a:schemeClr val="tx1"/>
+            </a:solidFill>
+            <a:headEnd type="triangle" w="sm" len="sm"/>
+            <a:tailEnd type="triangle" w="sm" len="sm"/>
+          </a:ln>
+        </p:spPr>
+        <p:style>
+          <a:lnRef idx="1">
+            <a:schemeClr val="accent1"/>
+          </a:lnRef>
+          <a:fillRef idx="0">
+            <a:schemeClr val="accent1"/>
+          </a:fillRef>
+          <a:effectRef idx="0">
+            <a:schemeClr val="accent1"/>
+          </a:effectRef>
+          <a:fontRef idx="minor">
+            <a:schemeClr val="tx1"/>
+          </a:fontRef>
+        </p:style>
+      </p:cxnSp>
+      <p:cxnSp>
+        <p:nvCxnSpPr>
+          <p:cNvPr id="174" name="Straight Arrow Connector 173">
+            <a:extLst>
+              <a:ext uri="{FF2B5EF4-FFF2-40B4-BE49-F238E27FC236}">
+                <a16:creationId xmlns:a16="http://schemas.microsoft.com/office/drawing/2014/main" id="{B78CC662-3B65-0EB0-6CDE-A8E256C5D0E9}"/>
+              </a:ext>
+            </a:extLst>
+          </p:cNvPr>
+          <p:cNvCxnSpPr>
+            <a:cxnSpLocks/>
+            <a:stCxn id="111" idx="6"/>
+            <a:endCxn id="114" idx="2"/>
+          </p:cNvCxnSpPr>
+          <p:nvPr/>
+        </p:nvCxnSpPr>
+        <p:spPr>
+          <a:xfrm flipV="1">
+            <a:off x="6297255" y="5958185"/>
+            <a:ext cx="413953" cy="46152"/>
+          </a:xfrm>
+          <a:prstGeom prst="straightConnector1">
+            <a:avLst/>
+          </a:prstGeom>
+          <a:ln w="0">
+            <a:solidFill>
+              <a:schemeClr val="tx1"/>
+            </a:solidFill>
+            <a:headEnd type="triangle" w="sm" len="sm"/>
+            <a:tailEnd type="triangle" w="sm" len="sm"/>
+          </a:ln>
+        </p:spPr>
+        <p:style>
+          <a:lnRef idx="1">
+            <a:schemeClr val="accent1"/>
+          </a:lnRef>
+          <a:fillRef idx="0">
+            <a:schemeClr val="accent1"/>
+          </a:fillRef>
+          <a:effectRef idx="0">
+            <a:schemeClr val="accent1"/>
+          </a:effectRef>
+          <a:fontRef idx="minor">
+            <a:schemeClr val="tx1"/>
+          </a:fontRef>
+        </p:style>
+      </p:cxnSp>
+      <p:cxnSp>
+        <p:nvCxnSpPr>
+          <p:cNvPr id="177" name="Straight Arrow Connector 176">
+            <a:extLst>
+              <a:ext uri="{FF2B5EF4-FFF2-40B4-BE49-F238E27FC236}">
+                <a16:creationId xmlns:a16="http://schemas.microsoft.com/office/drawing/2014/main" id="{6C3EA1DE-C027-8A7F-EDCC-D165F3189146}"/>
+              </a:ext>
+            </a:extLst>
+          </p:cNvPr>
+          <p:cNvCxnSpPr>
+            <a:cxnSpLocks/>
+            <a:stCxn id="114" idx="6"/>
+            <a:endCxn id="115" idx="3"/>
+          </p:cNvCxnSpPr>
+          <p:nvPr/>
+        </p:nvCxnSpPr>
+        <p:spPr>
+          <a:xfrm flipV="1">
+            <a:off x="6783208" y="5758453"/>
+            <a:ext cx="242641" cy="199732"/>
+          </a:xfrm>
+          <a:prstGeom prst="straightConnector1">
+            <a:avLst/>
+          </a:prstGeom>
+          <a:ln w="0">
+            <a:solidFill>
+              <a:schemeClr val="tx1"/>
+            </a:solidFill>
+            <a:headEnd type="triangle" w="sm" len="sm"/>
+            <a:tailEnd type="triangle" w="sm" len="sm"/>
+          </a:ln>
+        </p:spPr>
+        <p:style>
+          <a:lnRef idx="1">
+            <a:schemeClr val="accent1"/>
+          </a:lnRef>
+          <a:fillRef idx="0">
+            <a:schemeClr val="accent1"/>
+          </a:fillRef>
+          <a:effectRef idx="0">
+            <a:schemeClr val="accent1"/>
+          </a:effectRef>
+          <a:fontRef idx="minor">
+            <a:schemeClr val="tx1"/>
+          </a:fontRef>
+        </p:style>
+      </p:cxnSp>
+      <p:cxnSp>
+        <p:nvCxnSpPr>
+          <p:cNvPr id="180" name="Straight Arrow Connector 179">
+            <a:extLst>
+              <a:ext uri="{FF2B5EF4-FFF2-40B4-BE49-F238E27FC236}">
+                <a16:creationId xmlns:a16="http://schemas.microsoft.com/office/drawing/2014/main" id="{3A3A3915-8A35-D94A-5288-CD2324BFFA6B}"/>
+              </a:ext>
+            </a:extLst>
+          </p:cNvPr>
+          <p:cNvCxnSpPr>
+            <a:cxnSpLocks/>
+            <a:stCxn id="115" idx="1"/>
+            <a:endCxn id="113" idx="4"/>
+          </p:cNvCxnSpPr>
+          <p:nvPr/>
+        </p:nvCxnSpPr>
+        <p:spPr>
+          <a:xfrm flipH="1" flipV="1">
+            <a:off x="6962253" y="5570546"/>
+            <a:ext cx="63596" cy="136995"/>
+          </a:xfrm>
+          <a:prstGeom prst="straightConnector1">
+            <a:avLst/>
+          </a:prstGeom>
+          <a:ln w="0">
+            <a:solidFill>
+              <a:schemeClr val="tx1"/>
+            </a:solidFill>
+            <a:headEnd type="triangle" w="sm" len="sm"/>
+            <a:tailEnd type="triangle" w="sm" len="sm"/>
+          </a:ln>
+        </p:spPr>
+        <p:style>
+          <a:lnRef idx="1">
+            <a:schemeClr val="accent1"/>
+          </a:lnRef>
+          <a:fillRef idx="0">
+            <a:schemeClr val="accent1"/>
+          </a:fillRef>
+          <a:effectRef idx="0">
+            <a:schemeClr val="accent1"/>
+          </a:effectRef>
+          <a:fontRef idx="minor">
+            <a:schemeClr val="tx1"/>
+          </a:fontRef>
+        </p:style>
+      </p:cxnSp>
+      <p:cxnSp>
+        <p:nvCxnSpPr>
+          <p:cNvPr id="183" name="Straight Arrow Connector 182">
+            <a:extLst>
+              <a:ext uri="{FF2B5EF4-FFF2-40B4-BE49-F238E27FC236}">
+                <a16:creationId xmlns:a16="http://schemas.microsoft.com/office/drawing/2014/main" id="{CE0E07FB-C05F-9289-3A01-D804346503ED}"/>
+              </a:ext>
+            </a:extLst>
+          </p:cNvPr>
+          <p:cNvCxnSpPr>
+            <a:cxnSpLocks/>
+            <a:stCxn id="115" idx="2"/>
+            <a:endCxn id="112" idx="6"/>
+          </p:cNvCxnSpPr>
+          <p:nvPr/>
+        </p:nvCxnSpPr>
+        <p:spPr>
+          <a:xfrm flipH="1" flipV="1">
+            <a:off x="6699587" y="5729331"/>
+            <a:ext cx="315718" cy="3666"/>
+          </a:xfrm>
+          <a:prstGeom prst="straightConnector1">
+            <a:avLst/>
+          </a:prstGeom>
+          <a:ln w="0">
+            <a:solidFill>
+              <a:schemeClr val="tx1"/>
+            </a:solidFill>
+            <a:headEnd type="triangle" w="sm" len="sm"/>
+            <a:tailEnd type="triangle" w="sm" len="sm"/>
+          </a:ln>
+        </p:spPr>
+        <p:style>
+          <a:lnRef idx="1">
+            <a:schemeClr val="accent1"/>
+          </a:lnRef>
+          <a:fillRef idx="0">
+            <a:schemeClr val="accent1"/>
+          </a:fillRef>
+          <a:effectRef idx="0">
+            <a:schemeClr val="accent1"/>
+          </a:effectRef>
+          <a:fontRef idx="minor">
+            <a:schemeClr val="tx1"/>
+          </a:fontRef>
+        </p:style>
+      </p:cxnSp>
+      <p:cxnSp>
+        <p:nvCxnSpPr>
+          <p:cNvPr id="186" name="Straight Arrow Connector 185">
+            <a:extLst>
+              <a:ext uri="{FF2B5EF4-FFF2-40B4-BE49-F238E27FC236}">
+                <a16:creationId xmlns:a16="http://schemas.microsoft.com/office/drawing/2014/main" id="{00A8EF4F-0173-1DE0-6933-05ADE6C2FE74}"/>
+              </a:ext>
+            </a:extLst>
+          </p:cNvPr>
+          <p:cNvCxnSpPr>
+            <a:cxnSpLocks/>
+            <a:stCxn id="112" idx="1"/>
+            <a:endCxn id="116" idx="6"/>
+          </p:cNvCxnSpPr>
+          <p:nvPr/>
+        </p:nvCxnSpPr>
+        <p:spPr>
+          <a:xfrm flipH="1" flipV="1">
+            <a:off x="6525417" y="5534546"/>
+            <a:ext cx="112714" cy="169329"/>
+          </a:xfrm>
+          <a:prstGeom prst="straightConnector1">
+            <a:avLst/>
+          </a:prstGeom>
+          <a:ln w="0">
+            <a:solidFill>
+              <a:schemeClr val="tx1"/>
+            </a:solidFill>
+            <a:headEnd type="triangle" w="sm" len="sm"/>
+            <a:tailEnd type="triangle" w="sm" len="sm"/>
+          </a:ln>
+        </p:spPr>
+        <p:style>
+          <a:lnRef idx="1">
+            <a:schemeClr val="accent1"/>
+          </a:lnRef>
+          <a:fillRef idx="0">
+            <a:schemeClr val="accent1"/>
+          </a:fillRef>
+          <a:effectRef idx="0">
+            <a:schemeClr val="accent1"/>
+          </a:effectRef>
+          <a:fontRef idx="minor">
+            <a:schemeClr val="tx1"/>
+          </a:fontRef>
+        </p:style>
+      </p:cxnSp>
+      <p:cxnSp>
+        <p:nvCxnSpPr>
+          <p:cNvPr id="189" name="Straight Arrow Connector 188">
+            <a:extLst>
+              <a:ext uri="{FF2B5EF4-FFF2-40B4-BE49-F238E27FC236}">
+                <a16:creationId xmlns:a16="http://schemas.microsoft.com/office/drawing/2014/main" id="{50DAAA92-14C0-08E3-BC53-AA7C789B6EDD}"/>
+              </a:ext>
+            </a:extLst>
+          </p:cNvPr>
+          <p:cNvCxnSpPr>
+            <a:cxnSpLocks/>
+            <a:stCxn id="116" idx="6"/>
+            <a:endCxn id="113" idx="2"/>
+          </p:cNvCxnSpPr>
+          <p:nvPr/>
+        </p:nvCxnSpPr>
+        <p:spPr>
+          <a:xfrm>
+            <a:off x="6525417" y="5534546"/>
+            <a:ext cx="400836" cy="0"/>
+          </a:xfrm>
+          <a:prstGeom prst="straightConnector1">
+            <a:avLst/>
+          </a:prstGeom>
+          <a:ln w="0">
+            <a:solidFill>
+              <a:schemeClr val="tx1"/>
+            </a:solidFill>
+            <a:headEnd type="triangle" w="sm" len="sm"/>
+            <a:tailEnd type="triangle" w="sm" len="sm"/>
+          </a:ln>
+        </p:spPr>
+        <p:style>
+          <a:lnRef idx="1">
+            <a:schemeClr val="accent1"/>
+          </a:lnRef>
+          <a:fillRef idx="0">
+            <a:schemeClr val="accent1"/>
+          </a:fillRef>
+          <a:effectRef idx="0">
+            <a:schemeClr val="accent1"/>
+          </a:effectRef>
+          <a:fontRef idx="minor">
+            <a:schemeClr val="tx1"/>
+          </a:fontRef>
+        </p:style>
+      </p:cxnSp>
+      <p:cxnSp>
+        <p:nvCxnSpPr>
+          <p:cNvPr id="192" name="Straight Arrow Connector 191">
+            <a:extLst>
+              <a:ext uri="{FF2B5EF4-FFF2-40B4-BE49-F238E27FC236}">
+                <a16:creationId xmlns:a16="http://schemas.microsoft.com/office/drawing/2014/main" id="{3664E49E-EC5F-BB82-7A66-1B1B937C88AE}"/>
+              </a:ext>
+            </a:extLst>
+          </p:cNvPr>
+          <p:cNvCxnSpPr>
+            <a:cxnSpLocks/>
+            <a:endCxn id="116" idx="2"/>
+          </p:cNvCxnSpPr>
+          <p:nvPr/>
+        </p:nvCxnSpPr>
+        <p:spPr>
+          <a:xfrm>
+            <a:off x="6141634" y="5534546"/>
+            <a:ext cx="311783" cy="0"/>
+          </a:xfrm>
+          <a:prstGeom prst="straightConnector1">
+            <a:avLst/>
+          </a:prstGeom>
+          <a:ln w="0">
+            <a:solidFill>
+              <a:schemeClr val="tx1"/>
+            </a:solidFill>
+            <a:headEnd type="triangle" w="sm" len="sm"/>
+            <a:tailEnd type="triangle" w="sm" len="sm"/>
+          </a:ln>
+        </p:spPr>
+        <p:style>
+          <a:lnRef idx="1">
+            <a:schemeClr val="accent1"/>
+          </a:lnRef>
+          <a:fillRef idx="0">
+            <a:schemeClr val="accent1"/>
+          </a:fillRef>
+          <a:effectRef idx="0">
+            <a:schemeClr val="accent1"/>
+          </a:effectRef>
+          <a:fontRef idx="minor">
+            <a:schemeClr val="tx1"/>
+          </a:fontRef>
+        </p:style>
+      </p:cxnSp>
+      <p:cxnSp>
+        <p:nvCxnSpPr>
+          <p:cNvPr id="195" name="Straight Arrow Connector 194">
+            <a:extLst>
+              <a:ext uri="{FF2B5EF4-FFF2-40B4-BE49-F238E27FC236}">
+                <a16:creationId xmlns:a16="http://schemas.microsoft.com/office/drawing/2014/main" id="{60674CA4-B746-2067-05B9-AAE6F92FACB2}"/>
+              </a:ext>
+            </a:extLst>
+          </p:cNvPr>
+          <p:cNvCxnSpPr>
+            <a:cxnSpLocks/>
+            <a:stCxn id="108" idx="4"/>
+            <a:endCxn id="110" idx="1"/>
+          </p:cNvCxnSpPr>
+          <p:nvPr/>
+        </p:nvCxnSpPr>
+        <p:spPr>
+          <a:xfrm>
+            <a:off x="6088582" y="5574212"/>
+            <a:ext cx="63596" cy="136995"/>
+          </a:xfrm>
+          <a:prstGeom prst="straightConnector1">
+            <a:avLst/>
+          </a:prstGeom>
+          <a:ln w="0">
+            <a:solidFill>
+              <a:schemeClr val="tx1"/>
+            </a:solidFill>
+            <a:headEnd type="triangle" w="sm" len="sm"/>
+            <a:tailEnd type="triangle" w="sm" len="sm"/>
+          </a:ln>
+        </p:spPr>
+        <p:style>
+          <a:lnRef idx="1">
+            <a:schemeClr val="accent1"/>
+          </a:lnRef>
+          <a:fillRef idx="0">
+            <a:schemeClr val="accent1"/>
+          </a:fillRef>
+          <a:effectRef idx="0">
+            <a:schemeClr val="accent1"/>
+          </a:effectRef>
+          <a:fontRef idx="minor">
+            <a:schemeClr val="tx1"/>
+          </a:fontRef>
+        </p:style>
+      </p:cxnSp>
+      <p:cxnSp>
+        <p:nvCxnSpPr>
+          <p:cNvPr id="198" name="Straight Arrow Connector 197">
+            <a:extLst>
+              <a:ext uri="{FF2B5EF4-FFF2-40B4-BE49-F238E27FC236}">
+                <a16:creationId xmlns:a16="http://schemas.microsoft.com/office/drawing/2014/main" id="{04A7CDF8-48E3-7687-3D38-90738C71DA67}"/>
+              </a:ext>
+            </a:extLst>
+          </p:cNvPr>
+          <p:cNvCxnSpPr>
+            <a:cxnSpLocks/>
+            <a:stCxn id="110" idx="6"/>
+            <a:endCxn id="112" idx="2"/>
+          </p:cNvCxnSpPr>
+          <p:nvPr/>
+        </p:nvCxnSpPr>
+        <p:spPr>
+          <a:xfrm flipV="1">
+            <a:off x="6213634" y="5729331"/>
+            <a:ext cx="413953" cy="7332"/>
+          </a:xfrm>
+          <a:prstGeom prst="straightConnector1">
+            <a:avLst/>
+          </a:prstGeom>
+          <a:ln w="0">
+            <a:solidFill>
+              <a:schemeClr val="tx1"/>
+            </a:solidFill>
+            <a:headEnd type="triangle" w="sm" len="sm"/>
+            <a:tailEnd type="triangle" w="sm" len="sm"/>
+          </a:ln>
+        </p:spPr>
+        <p:style>
+          <a:lnRef idx="1">
+            <a:schemeClr val="accent1"/>
+          </a:lnRef>
+          <a:fillRef idx="0">
+            <a:schemeClr val="accent1"/>
+          </a:fillRef>
+          <a:effectRef idx="0">
+            <a:schemeClr val="accent1"/>
+          </a:effectRef>
+          <a:fontRef idx="minor">
+            <a:schemeClr val="tx1"/>
+          </a:fontRef>
+        </p:style>
+      </p:cxnSp>
+      <p:cxnSp>
+        <p:nvCxnSpPr>
+          <p:cNvPr id="201" name="Straight Arrow Connector 200">
+            <a:extLst>
+              <a:ext uri="{FF2B5EF4-FFF2-40B4-BE49-F238E27FC236}">
+                <a16:creationId xmlns:a16="http://schemas.microsoft.com/office/drawing/2014/main" id="{B5882575-857C-838C-B85D-5E7FBFB45054}"/>
+              </a:ext>
+            </a:extLst>
+          </p:cNvPr>
+          <p:cNvCxnSpPr>
+            <a:cxnSpLocks/>
+            <a:endCxn id="116" idx="4"/>
+          </p:cNvCxnSpPr>
+          <p:nvPr/>
+        </p:nvCxnSpPr>
+        <p:spPr>
+          <a:xfrm flipV="1">
+            <a:off x="6209991" y="5570546"/>
+            <a:ext cx="279426" cy="156780"/>
+          </a:xfrm>
+          <a:prstGeom prst="straightConnector1">
+            <a:avLst/>
+          </a:prstGeom>
+          <a:ln w="0">
+            <a:solidFill>
+              <a:schemeClr val="tx1"/>
+            </a:solidFill>
+            <a:headEnd type="triangle" w="sm" len="sm"/>
+            <a:tailEnd type="triangle" w="sm" len="sm"/>
+          </a:ln>
+        </p:spPr>
+        <p:style>
+          <a:lnRef idx="1">
+            <a:schemeClr val="accent1"/>
+          </a:lnRef>
+          <a:fillRef idx="0">
+            <a:schemeClr val="accent1"/>
+          </a:fillRef>
+          <a:effectRef idx="0">
+            <a:schemeClr val="accent1"/>
+          </a:effectRef>
+          <a:fontRef idx="minor">
+            <a:schemeClr val="tx1"/>
+          </a:fontRef>
+        </p:style>
+      </p:cxnSp>
+      <p:cxnSp>
+        <p:nvCxnSpPr>
+          <p:cNvPr id="203" name="Straight Arrow Connector 202">
+            <a:extLst>
+              <a:ext uri="{FF2B5EF4-FFF2-40B4-BE49-F238E27FC236}">
+                <a16:creationId xmlns:a16="http://schemas.microsoft.com/office/drawing/2014/main" id="{86E5A551-F32A-6544-B075-6D5C058D8456}"/>
+              </a:ext>
+            </a:extLst>
+          </p:cNvPr>
+          <p:cNvCxnSpPr>
+            <a:cxnSpLocks/>
+            <a:stCxn id="107" idx="2"/>
+            <a:endCxn id="86" idx="6"/>
+          </p:cNvCxnSpPr>
+          <p:nvPr/>
+        </p:nvCxnSpPr>
+        <p:spPr>
+          <a:xfrm flipH="1">
+            <a:off x="5072504" y="5732997"/>
+            <a:ext cx="681412" cy="0"/>
+          </a:xfrm>
+          <a:prstGeom prst="straightConnector1">
+            <a:avLst/>
+          </a:prstGeom>
+          <a:ln w="0">
+            <a:solidFill>
+              <a:schemeClr val="tx1"/>
+            </a:solidFill>
+            <a:headEnd type="triangle" w="sm" len="sm"/>
+            <a:tailEnd type="triangle" w="sm" len="sm"/>
+          </a:ln>
+        </p:spPr>
+        <p:style>
+          <a:lnRef idx="1">
+            <a:schemeClr val="accent1"/>
+          </a:lnRef>
+          <a:fillRef idx="0">
+            <a:schemeClr val="accent1"/>
+          </a:fillRef>
+          <a:effectRef idx="0">
+            <a:schemeClr val="accent1"/>
+          </a:effectRef>
+          <a:fontRef idx="minor">
+            <a:schemeClr val="tx1"/>
+          </a:fontRef>
+        </p:style>
+      </p:cxnSp>
+      <p:cxnSp>
+        <p:nvCxnSpPr>
+          <p:cNvPr id="206" name="Straight Arrow Connector 205">
+            <a:extLst>
+              <a:ext uri="{FF2B5EF4-FFF2-40B4-BE49-F238E27FC236}">
+                <a16:creationId xmlns:a16="http://schemas.microsoft.com/office/drawing/2014/main" id="{6F187DAF-F8CD-8B65-F5AA-7A3DAD9CB690}"/>
+              </a:ext>
+            </a:extLst>
+          </p:cNvPr>
+          <p:cNvCxnSpPr>
+            <a:cxnSpLocks/>
+            <a:stCxn id="107" idx="3"/>
+            <a:endCxn id="106" idx="7"/>
+          </p:cNvCxnSpPr>
+          <p:nvPr/>
+        </p:nvCxnSpPr>
+        <p:spPr>
+          <a:xfrm flipH="1">
+            <a:off x="5413040" y="5758453"/>
+            <a:ext cx="351420" cy="224094"/>
+          </a:xfrm>
+          <a:prstGeom prst="straightConnector1">
+            <a:avLst/>
+          </a:prstGeom>
+          <a:ln w="0">
+            <a:solidFill>
+              <a:schemeClr val="tx1"/>
+            </a:solidFill>
+            <a:headEnd type="triangle" w="sm" len="sm"/>
+            <a:tailEnd type="triangle" w="sm" len="sm"/>
+          </a:ln>
+        </p:spPr>
+        <p:style>
+          <a:lnRef idx="1">
+            <a:schemeClr val="accent1"/>
+          </a:lnRef>
+          <a:fillRef idx="0">
+            <a:schemeClr val="accent1"/>
+          </a:fillRef>
+          <a:effectRef idx="0">
+            <a:schemeClr val="accent1"/>
+          </a:effectRef>
+          <a:fontRef idx="minor">
+            <a:schemeClr val="tx1"/>
+          </a:fontRef>
+        </p:style>
+      </p:cxnSp>
+      <p:cxnSp>
+        <p:nvCxnSpPr>
+          <p:cNvPr id="209" name="Straight Arrow Connector 208">
+            <a:extLst>
+              <a:ext uri="{FF2B5EF4-FFF2-40B4-BE49-F238E27FC236}">
+                <a16:creationId xmlns:a16="http://schemas.microsoft.com/office/drawing/2014/main" id="{F460CC73-7092-FEB6-AB90-405444ADB473}"/>
+              </a:ext>
+            </a:extLst>
+          </p:cNvPr>
+          <p:cNvCxnSpPr>
+            <a:cxnSpLocks/>
+            <a:stCxn id="107" idx="4"/>
+            <a:endCxn id="109" idx="1"/>
+          </p:cNvCxnSpPr>
+          <p:nvPr/>
+        </p:nvCxnSpPr>
+        <p:spPr>
+          <a:xfrm>
+            <a:off x="5789916" y="5768997"/>
+            <a:ext cx="58165" cy="167398"/>
+          </a:xfrm>
+          <a:prstGeom prst="straightConnector1">
+            <a:avLst/>
+          </a:prstGeom>
+          <a:ln w="0">
+            <a:solidFill>
+              <a:schemeClr val="tx1"/>
+            </a:solidFill>
+            <a:headEnd type="triangle" w="sm" len="sm"/>
+            <a:tailEnd type="triangle" w="sm" len="sm"/>
+          </a:ln>
+        </p:spPr>
+        <p:style>
+          <a:lnRef idx="1">
+            <a:schemeClr val="accent1"/>
+          </a:lnRef>
+          <a:fillRef idx="0">
+            <a:schemeClr val="accent1"/>
+          </a:fillRef>
+          <a:effectRef idx="0">
+            <a:schemeClr val="accent1"/>
+          </a:effectRef>
+          <a:fontRef idx="minor">
+            <a:schemeClr val="tx1"/>
+          </a:fontRef>
+        </p:style>
+      </p:cxnSp>
+      <p:cxnSp>
+        <p:nvCxnSpPr>
+          <p:cNvPr id="212" name="Straight Arrow Connector 211">
+            <a:extLst>
+              <a:ext uri="{FF2B5EF4-FFF2-40B4-BE49-F238E27FC236}">
+                <a16:creationId xmlns:a16="http://schemas.microsoft.com/office/drawing/2014/main" id="{8F6BA153-193A-01A3-CFF8-6D03D786CBC4}"/>
+              </a:ext>
+            </a:extLst>
+          </p:cNvPr>
+          <p:cNvCxnSpPr>
+            <a:cxnSpLocks/>
+            <a:stCxn id="84" idx="4"/>
+            <a:endCxn id="107" idx="1"/>
+          </p:cNvCxnSpPr>
+          <p:nvPr/>
+        </p:nvCxnSpPr>
+        <p:spPr>
+          <a:xfrm>
+            <a:off x="4947452" y="5570546"/>
+            <a:ext cx="817008" cy="136995"/>
+          </a:xfrm>
+          <a:prstGeom prst="straightConnector1">
+            <a:avLst/>
+          </a:prstGeom>
+          <a:ln w="0">
+            <a:solidFill>
+              <a:schemeClr val="tx1"/>
+            </a:solidFill>
+            <a:headEnd type="triangle" w="sm" len="sm"/>
+            <a:tailEnd type="triangle" w="sm" len="sm"/>
+          </a:ln>
+        </p:spPr>
+        <p:style>
+          <a:lnRef idx="1">
+            <a:schemeClr val="accent1"/>
+          </a:lnRef>
+          <a:fillRef idx="0">
+            <a:schemeClr val="accent1"/>
+          </a:fillRef>
+          <a:effectRef idx="0">
+            <a:schemeClr val="accent1"/>
+          </a:effectRef>
+          <a:fontRef idx="minor">
+            <a:schemeClr val="tx1"/>
+          </a:fontRef>
+        </p:style>
+      </p:cxnSp>
+      <p:cxnSp>
+        <p:nvCxnSpPr>
+          <p:cNvPr id="215" name="Straight Arrow Connector 214">
+            <a:extLst>
+              <a:ext uri="{FF2B5EF4-FFF2-40B4-BE49-F238E27FC236}">
+                <a16:creationId xmlns:a16="http://schemas.microsoft.com/office/drawing/2014/main" id="{C76BF1EF-3150-0B75-D543-517EAB0C256A}"/>
+              </a:ext>
+            </a:extLst>
+          </p:cNvPr>
+          <p:cNvCxnSpPr>
+            <a:cxnSpLocks/>
+            <a:stCxn id="83" idx="6"/>
+            <a:endCxn id="86" idx="2"/>
+          </p:cNvCxnSpPr>
+          <p:nvPr/>
+        </p:nvCxnSpPr>
+        <p:spPr>
+          <a:xfrm>
+            <a:off x="4684786" y="5729331"/>
+            <a:ext cx="315718" cy="3666"/>
+          </a:xfrm>
+          <a:prstGeom prst="straightConnector1">
+            <a:avLst/>
+          </a:prstGeom>
+          <a:ln w="0">
+            <a:solidFill>
+              <a:schemeClr val="tx1"/>
+            </a:solidFill>
+            <a:headEnd type="triangle" w="sm" len="sm"/>
+            <a:tailEnd type="triangle" w="sm" len="sm"/>
+          </a:ln>
+        </p:spPr>
+        <p:style>
+          <a:lnRef idx="1">
+            <a:schemeClr val="accent1"/>
+          </a:lnRef>
+          <a:fillRef idx="0">
+            <a:schemeClr val="accent1"/>
+          </a:fillRef>
+          <a:effectRef idx="0">
+            <a:schemeClr val="accent1"/>
+          </a:effectRef>
+          <a:fontRef idx="minor">
+            <a:schemeClr val="tx1"/>
+          </a:fontRef>
+        </p:style>
+      </p:cxnSp>
+      <p:cxnSp>
+        <p:nvCxnSpPr>
+          <p:cNvPr id="218" name="Straight Arrow Connector 217">
+            <a:extLst>
+              <a:ext uri="{FF2B5EF4-FFF2-40B4-BE49-F238E27FC236}">
+                <a16:creationId xmlns:a16="http://schemas.microsoft.com/office/drawing/2014/main" id="{1193F5A9-481E-C573-8AF1-3F412BBEB004}"/>
+              </a:ext>
+            </a:extLst>
+          </p:cNvPr>
+          <p:cNvCxnSpPr>
+            <a:cxnSpLocks/>
+            <a:stCxn id="83" idx="7"/>
+            <a:endCxn id="84" idx="3"/>
+          </p:cNvCxnSpPr>
+          <p:nvPr/>
+        </p:nvCxnSpPr>
+        <p:spPr>
+          <a:xfrm flipV="1">
+            <a:off x="4674242" y="5560002"/>
+            <a:ext cx="247754" cy="143873"/>
+          </a:xfrm>
+          <a:prstGeom prst="straightConnector1">
+            <a:avLst/>
+          </a:prstGeom>
+          <a:ln w="0">
+            <a:solidFill>
+              <a:schemeClr val="tx1"/>
+            </a:solidFill>
+            <a:headEnd type="triangle" w="sm" len="sm"/>
+            <a:tailEnd type="triangle" w="sm" len="sm"/>
+          </a:ln>
+        </p:spPr>
+        <p:style>
+          <a:lnRef idx="1">
+            <a:schemeClr val="accent1"/>
+          </a:lnRef>
+          <a:fillRef idx="0">
+            <a:schemeClr val="accent1"/>
+          </a:fillRef>
+          <a:effectRef idx="0">
+            <a:schemeClr val="accent1"/>
+          </a:effectRef>
+          <a:fontRef idx="minor">
+            <a:schemeClr val="tx1"/>
+          </a:fontRef>
+        </p:style>
+      </p:cxnSp>
+      <p:cxnSp>
+        <p:nvCxnSpPr>
+          <p:cNvPr id="221" name="Straight Arrow Connector 220">
+            <a:extLst>
+              <a:ext uri="{FF2B5EF4-FFF2-40B4-BE49-F238E27FC236}">
+                <a16:creationId xmlns:a16="http://schemas.microsoft.com/office/drawing/2014/main" id="{7240E0FA-3267-6536-C46D-5B20CE28BB0A}"/>
+              </a:ext>
+            </a:extLst>
+          </p:cNvPr>
+          <p:cNvCxnSpPr>
+            <a:cxnSpLocks/>
+            <a:stCxn id="31" idx="6"/>
+            <a:endCxn id="82" idx="2"/>
+          </p:cNvCxnSpPr>
+          <p:nvPr/>
+        </p:nvCxnSpPr>
+        <p:spPr>
+          <a:xfrm>
+            <a:off x="3894736" y="5961851"/>
+            <a:ext cx="315718" cy="42486"/>
+          </a:xfrm>
+          <a:prstGeom prst="straightConnector1">
+            <a:avLst/>
+          </a:prstGeom>
+          <a:ln w="0">
+            <a:solidFill>
+              <a:schemeClr val="tx1"/>
+            </a:solidFill>
+            <a:headEnd type="triangle" w="sm" len="sm"/>
+            <a:tailEnd type="triangle" w="sm" len="sm"/>
+          </a:ln>
+        </p:spPr>
+        <p:style>
+          <a:lnRef idx="1">
+            <a:schemeClr val="accent1"/>
+          </a:lnRef>
+          <a:fillRef idx="0">
+            <a:schemeClr val="accent1"/>
+          </a:fillRef>
+          <a:effectRef idx="0">
+            <a:schemeClr val="accent1"/>
+          </a:effectRef>
+          <a:fontRef idx="minor">
+            <a:schemeClr val="tx1"/>
+          </a:fontRef>
+        </p:style>
+      </p:cxnSp>
+      <p:cxnSp>
+        <p:nvCxnSpPr>
+          <p:cNvPr id="224" name="Straight Arrow Connector 223">
+            <a:extLst>
+              <a:ext uri="{FF2B5EF4-FFF2-40B4-BE49-F238E27FC236}">
+                <a16:creationId xmlns:a16="http://schemas.microsoft.com/office/drawing/2014/main" id="{BF6763AE-E2E8-59C1-14D8-B736A0C10C0C}"/>
+              </a:ext>
+            </a:extLst>
+          </p:cNvPr>
+          <p:cNvCxnSpPr>
+            <a:cxnSpLocks/>
+            <a:stCxn id="21" idx="6"/>
+            <a:endCxn id="31" idx="2"/>
+          </p:cNvCxnSpPr>
+          <p:nvPr/>
+        </p:nvCxnSpPr>
+        <p:spPr>
+          <a:xfrm flipV="1">
+            <a:off x="3408783" y="5961851"/>
+            <a:ext cx="413953" cy="46152"/>
+          </a:xfrm>
+          <a:prstGeom prst="straightConnector1">
+            <a:avLst/>
+          </a:prstGeom>
+          <a:ln w="0">
+            <a:solidFill>
+              <a:schemeClr val="tx1"/>
+            </a:solidFill>
+            <a:headEnd type="triangle" w="sm" len="sm"/>
+            <a:tailEnd type="triangle" w="sm" len="sm"/>
+          </a:ln>
+        </p:spPr>
+        <p:style>
+          <a:lnRef idx="1">
+            <a:schemeClr val="accent1"/>
+          </a:lnRef>
+          <a:fillRef idx="0">
+            <a:schemeClr val="accent1"/>
+          </a:fillRef>
+          <a:effectRef idx="0">
+            <a:schemeClr val="accent1"/>
+          </a:effectRef>
+          <a:fontRef idx="minor">
+            <a:schemeClr val="tx1"/>
+          </a:fontRef>
+        </p:style>
+      </p:cxnSp>
+      <p:cxnSp>
+        <p:nvCxnSpPr>
+          <p:cNvPr id="227" name="Straight Arrow Connector 226">
+            <a:extLst>
+              <a:ext uri="{FF2B5EF4-FFF2-40B4-BE49-F238E27FC236}">
+                <a16:creationId xmlns:a16="http://schemas.microsoft.com/office/drawing/2014/main" id="{B1238884-F0FA-8D5E-7E1E-ED855A4641EC}"/>
+              </a:ext>
+            </a:extLst>
+          </p:cNvPr>
+          <p:cNvCxnSpPr>
+            <a:cxnSpLocks/>
+            <a:stCxn id="31" idx="0"/>
+            <a:endCxn id="37" idx="3"/>
+          </p:cNvCxnSpPr>
+          <p:nvPr/>
+        </p:nvCxnSpPr>
+        <p:spPr>
+          <a:xfrm flipV="1">
+            <a:off x="3858736" y="5762119"/>
+            <a:ext cx="278641" cy="163732"/>
+          </a:xfrm>
+          <a:prstGeom prst="straightConnector1">
+            <a:avLst/>
+          </a:prstGeom>
+          <a:ln w="0">
+            <a:solidFill>
+              <a:schemeClr val="tx1"/>
+            </a:solidFill>
+            <a:headEnd type="triangle" w="sm" len="sm"/>
+            <a:tailEnd type="triangle" w="sm" len="sm"/>
+          </a:ln>
+        </p:spPr>
+        <p:style>
+          <a:lnRef idx="1">
+            <a:schemeClr val="accent1"/>
+          </a:lnRef>
+          <a:fillRef idx="0">
+            <a:schemeClr val="accent1"/>
+          </a:fillRef>
+          <a:effectRef idx="0">
+            <a:schemeClr val="accent1"/>
+          </a:effectRef>
+          <a:fontRef idx="minor">
+            <a:schemeClr val="tx1"/>
+          </a:fontRef>
+        </p:style>
+      </p:cxnSp>
+      <p:cxnSp>
+        <p:nvCxnSpPr>
+          <p:cNvPr id="230" name="Straight Arrow Connector 229">
+            <a:extLst>
+              <a:ext uri="{FF2B5EF4-FFF2-40B4-BE49-F238E27FC236}">
+                <a16:creationId xmlns:a16="http://schemas.microsoft.com/office/drawing/2014/main" id="{A034BC87-A98A-D321-8F3F-3701D37F53EE}"/>
+              </a:ext>
+            </a:extLst>
+          </p:cNvPr>
+          <p:cNvCxnSpPr>
+            <a:cxnSpLocks/>
+            <a:stCxn id="37" idx="7"/>
+            <a:endCxn id="87" idx="3"/>
+          </p:cNvCxnSpPr>
+          <p:nvPr/>
+        </p:nvCxnSpPr>
+        <p:spPr>
+          <a:xfrm flipV="1">
+            <a:off x="4188289" y="5560002"/>
+            <a:ext cx="260871" cy="151205"/>
+          </a:xfrm>
+          <a:prstGeom prst="straightConnector1">
+            <a:avLst/>
+          </a:prstGeom>
+          <a:ln w="0">
+            <a:solidFill>
+              <a:schemeClr val="tx1"/>
+            </a:solidFill>
+            <a:headEnd type="triangle" w="sm" len="sm"/>
+            <a:tailEnd type="triangle" w="sm" len="sm"/>
+          </a:ln>
+        </p:spPr>
+        <p:style>
+          <a:lnRef idx="1">
+            <a:schemeClr val="accent1"/>
+          </a:lnRef>
+          <a:fillRef idx="0">
+            <a:schemeClr val="accent1"/>
+          </a:fillRef>
+          <a:effectRef idx="0">
+            <a:schemeClr val="accent1"/>
+          </a:effectRef>
+          <a:fontRef idx="minor">
+            <a:schemeClr val="tx1"/>
+          </a:fontRef>
+        </p:style>
+      </p:cxnSp>
+      <p:sp>
+        <p:nvSpPr>
+          <p:cNvPr id="233" name="Flowchart: Data 232">
+            <a:extLst>
+              <a:ext uri="{FF2B5EF4-FFF2-40B4-BE49-F238E27FC236}">
+                <a16:creationId xmlns:a16="http://schemas.microsoft.com/office/drawing/2014/main" id="{809A72D1-0163-4069-78EE-CE29B5F6E62B}"/>
+              </a:ext>
+            </a:extLst>
+          </p:cNvPr>
+          <p:cNvSpPr/>
+          <p:nvPr/>
+        </p:nvSpPr>
+        <p:spPr>
+          <a:xfrm>
+            <a:off x="2904064" y="4673531"/>
+            <a:ext cx="5164667" cy="660400"/>
+          </a:xfrm>
+          <a:prstGeom prst="flowChartInputOutput">
+            <a:avLst/>
+          </a:prstGeom>
+          <a:noFill/>
+          <a:ln w="3175">
+            <a:solidFill>
+              <a:schemeClr val="tx1"/>
+            </a:solidFill>
+            <a:prstDash val="dashDot"/>
+          </a:ln>
+        </p:spPr>
+        <p:style>
+          <a:lnRef idx="2">
+            <a:schemeClr val="accent1">
+              <a:shade val="15000"/>
+            </a:schemeClr>
+          </a:lnRef>
+          <a:fillRef idx="1">
+            <a:schemeClr val="accent1"/>
+          </a:fillRef>
+          <a:effectRef idx="0">
+            <a:schemeClr val="accent1"/>
+          </a:effectRef>
+          <a:fontRef idx="minor">
+            <a:schemeClr val="lt1"/>
+          </a:fontRef>
+        </p:style>
+        <p:txBody>
+          <a:bodyPr rtlCol="0" anchor="ctr"/>
+          <a:lstStyle/>
+          <a:p>
+            <a:pPr algn="ctr"/>
+            <a:endParaRPr lang="en-ID"/>
+          </a:p>
+        </p:txBody>
+      </p:sp>
+      <p:sp>
+        <p:nvSpPr>
+          <p:cNvPr id="235" name="Oval 234">
+            <a:extLst>
+              <a:ext uri="{FF2B5EF4-FFF2-40B4-BE49-F238E27FC236}">
+                <a16:creationId xmlns:a16="http://schemas.microsoft.com/office/drawing/2014/main" id="{44C6C5B0-E4F5-5B15-6E33-70E1B555982F}"/>
+              </a:ext>
+            </a:extLst>
+          </p:cNvPr>
+          <p:cNvSpPr/>
+          <p:nvPr/>
+        </p:nvSpPr>
+        <p:spPr>
+          <a:xfrm>
+            <a:off x="3739115" y="4927528"/>
+            <a:ext cx="72000" cy="72000"/>
+          </a:xfrm>
+          <a:prstGeom prst="ellipse">
+            <a:avLst/>
+          </a:prstGeom>
+          <a:solidFill>
+            <a:srgbClr val="00B050"/>
+          </a:solidFill>
+          <a:ln w="0">
+            <a:solidFill>
+              <a:schemeClr val="tx1"/>
+            </a:solidFill>
+            <a:headEnd w="sm" len="sm"/>
+            <a:tailEnd type="triangle" w="sm" len="sm"/>
+          </a:ln>
+        </p:spPr>
+        <p:style>
+          <a:lnRef idx="2">
+            <a:schemeClr val="accent1">
+              <a:shade val="15000"/>
+            </a:schemeClr>
+          </a:lnRef>
+          <a:fillRef idx="1">
+            <a:schemeClr val="accent1"/>
+          </a:fillRef>
+          <a:effectRef idx="0">
+            <a:schemeClr val="accent1"/>
+          </a:effectRef>
+          <a:fontRef idx="minor">
+            <a:schemeClr val="lt1"/>
+          </a:fontRef>
+        </p:style>
+        <p:txBody>
+          <a:bodyPr rtlCol="0" anchor="ctr"/>
+          <a:lstStyle/>
+          <a:p>
+            <a:pPr algn="ctr"/>
+            <a:endParaRPr lang="en-ID"/>
+          </a:p>
+        </p:txBody>
+      </p:sp>
+      <p:sp>
+        <p:nvSpPr>
+          <p:cNvPr id="236" name="Oval 235">
+            <a:extLst>
+              <a:ext uri="{FF2B5EF4-FFF2-40B4-BE49-F238E27FC236}">
+                <a16:creationId xmlns:a16="http://schemas.microsoft.com/office/drawing/2014/main" id="{ECDB72AC-E023-77E7-0A45-0350CA7F2E82}"/>
+              </a:ext>
+            </a:extLst>
+          </p:cNvPr>
+          <p:cNvSpPr/>
+          <p:nvPr/>
+        </p:nvSpPr>
+        <p:spPr>
+          <a:xfrm>
+            <a:off x="4037781" y="4732743"/>
+            <a:ext cx="72000" cy="72000"/>
+          </a:xfrm>
+          <a:prstGeom prst="ellipse">
+            <a:avLst/>
+          </a:prstGeom>
+          <a:solidFill>
+            <a:srgbClr val="FF0000"/>
+          </a:solidFill>
+          <a:ln w="0">
+            <a:solidFill>
+              <a:schemeClr val="tx1"/>
+            </a:solidFill>
+            <a:headEnd w="sm" len="sm"/>
+            <a:tailEnd type="triangle" w="sm" len="sm"/>
+          </a:ln>
+        </p:spPr>
+        <p:style>
+          <a:lnRef idx="2">
+            <a:schemeClr val="accent1">
+              <a:shade val="15000"/>
+            </a:schemeClr>
+          </a:lnRef>
+          <a:fillRef idx="1">
+            <a:schemeClr val="accent1"/>
+          </a:fillRef>
+          <a:effectRef idx="0">
+            <a:schemeClr val="accent1"/>
+          </a:effectRef>
+          <a:fontRef idx="minor">
+            <a:schemeClr val="lt1"/>
+          </a:fontRef>
+        </p:style>
+        <p:txBody>
+          <a:bodyPr rtlCol="0" anchor="ctr"/>
+          <a:lstStyle/>
+          <a:p>
+            <a:pPr algn="ctr"/>
+            <a:endParaRPr lang="en-ID"/>
+          </a:p>
+        </p:txBody>
+      </p:sp>
+      <p:sp>
+        <p:nvSpPr>
+          <p:cNvPr id="237" name="Oval 236">
+            <a:extLst>
+              <a:ext uri="{FF2B5EF4-FFF2-40B4-BE49-F238E27FC236}">
+                <a16:creationId xmlns:a16="http://schemas.microsoft.com/office/drawing/2014/main" id="{093B6CB9-245C-6D92-DDFC-94B0EDC71406}"/>
+              </a:ext>
+            </a:extLst>
+          </p:cNvPr>
+          <p:cNvSpPr/>
+          <p:nvPr/>
+        </p:nvSpPr>
+        <p:spPr>
+          <a:xfrm>
+            <a:off x="3822736" y="5156382"/>
+            <a:ext cx="72000" cy="72000"/>
+          </a:xfrm>
+          <a:prstGeom prst="ellipse">
+            <a:avLst/>
+          </a:prstGeom>
+          <a:solidFill>
+            <a:srgbClr val="FF0000"/>
+          </a:solidFill>
+          <a:ln w="0">
+            <a:solidFill>
+              <a:schemeClr val="tx1"/>
+            </a:solidFill>
+            <a:headEnd w="sm" len="sm"/>
+            <a:tailEnd type="triangle" w="sm" len="sm"/>
+          </a:ln>
+        </p:spPr>
+        <p:style>
+          <a:lnRef idx="2">
+            <a:schemeClr val="accent1">
+              <a:shade val="15000"/>
+            </a:schemeClr>
+          </a:lnRef>
+          <a:fillRef idx="1">
+            <a:schemeClr val="accent1"/>
+          </a:fillRef>
+          <a:effectRef idx="0">
+            <a:schemeClr val="accent1"/>
+          </a:effectRef>
+          <a:fontRef idx="minor">
+            <a:schemeClr val="lt1"/>
+          </a:fontRef>
+        </p:style>
+        <p:txBody>
+          <a:bodyPr rtlCol="0" anchor="ctr"/>
+          <a:lstStyle/>
+          <a:p>
+            <a:pPr algn="ctr"/>
+            <a:endParaRPr lang="en-ID"/>
+          </a:p>
+        </p:txBody>
+      </p:sp>
+      <p:sp>
+        <p:nvSpPr>
+          <p:cNvPr id="238" name="Oval 237">
+            <a:extLst>
+              <a:ext uri="{FF2B5EF4-FFF2-40B4-BE49-F238E27FC236}">
+                <a16:creationId xmlns:a16="http://schemas.microsoft.com/office/drawing/2014/main" id="{B05BE4DA-7C56-514F-73B7-26C244323B3A}"/>
+              </a:ext>
+            </a:extLst>
+          </p:cNvPr>
+          <p:cNvSpPr/>
+          <p:nvPr/>
+        </p:nvSpPr>
+        <p:spPr>
+          <a:xfrm>
+            <a:off x="4126833" y="4931194"/>
+            <a:ext cx="72000" cy="72000"/>
+          </a:xfrm>
+          <a:prstGeom prst="ellipse">
+            <a:avLst/>
+          </a:prstGeom>
+          <a:solidFill>
+            <a:srgbClr val="FF0000"/>
+          </a:solidFill>
+          <a:ln w="0">
+            <a:solidFill>
+              <a:schemeClr val="tx1"/>
+            </a:solidFill>
+            <a:headEnd w="sm" len="sm"/>
+            <a:tailEnd type="triangle" w="sm" len="sm"/>
+          </a:ln>
+        </p:spPr>
+        <p:style>
+          <a:lnRef idx="2">
+            <a:schemeClr val="accent1">
+              <a:shade val="15000"/>
+            </a:schemeClr>
+          </a:lnRef>
+          <a:fillRef idx="1">
+            <a:schemeClr val="accent1"/>
+          </a:fillRef>
+          <a:effectRef idx="0">
+            <a:schemeClr val="accent1"/>
+          </a:effectRef>
+          <a:fontRef idx="minor">
+            <a:schemeClr val="lt1"/>
+          </a:fontRef>
+        </p:style>
+        <p:txBody>
+          <a:bodyPr rtlCol="0" anchor="ctr"/>
+          <a:lstStyle/>
+          <a:p>
+            <a:pPr algn="ctr"/>
+            <a:endParaRPr lang="en-ID"/>
+          </a:p>
+        </p:txBody>
+      </p:sp>
+      <p:sp>
+        <p:nvSpPr>
+          <p:cNvPr id="239" name="Oval 238">
+            <a:extLst>
+              <a:ext uri="{FF2B5EF4-FFF2-40B4-BE49-F238E27FC236}">
+                <a16:creationId xmlns:a16="http://schemas.microsoft.com/office/drawing/2014/main" id="{F97B4AE6-CD06-CAFA-335E-524DDD42D93D}"/>
+              </a:ext>
+            </a:extLst>
+          </p:cNvPr>
+          <p:cNvSpPr/>
+          <p:nvPr/>
+        </p:nvSpPr>
+        <p:spPr>
+          <a:xfrm>
+            <a:off x="4210454" y="5198868"/>
+            <a:ext cx="72000" cy="72000"/>
+          </a:xfrm>
+          <a:prstGeom prst="ellipse">
+            <a:avLst/>
+          </a:prstGeom>
+          <a:solidFill>
+            <a:srgbClr val="00B050"/>
+          </a:solidFill>
+          <a:ln w="0">
+            <a:solidFill>
+              <a:schemeClr val="tx1"/>
+            </a:solidFill>
+            <a:headEnd w="sm" len="sm"/>
+            <a:tailEnd type="triangle" w="sm" len="sm"/>
+          </a:ln>
+        </p:spPr>
+        <p:style>
+          <a:lnRef idx="2">
+            <a:schemeClr val="accent1">
+              <a:shade val="15000"/>
+            </a:schemeClr>
+          </a:lnRef>
+          <a:fillRef idx="1">
+            <a:schemeClr val="accent1"/>
+          </a:fillRef>
+          <a:effectRef idx="0">
+            <a:schemeClr val="accent1"/>
+          </a:effectRef>
+          <a:fontRef idx="minor">
+            <a:schemeClr val="lt1"/>
+          </a:fontRef>
+        </p:style>
+        <p:txBody>
+          <a:bodyPr rtlCol="0" anchor="ctr"/>
+          <a:lstStyle/>
+          <a:p>
+            <a:pPr algn="ctr"/>
+            <a:endParaRPr lang="en-ID"/>
+          </a:p>
+        </p:txBody>
+      </p:sp>
+      <p:sp>
+        <p:nvSpPr>
+          <p:cNvPr id="240" name="Oval 239">
+            <a:extLst>
+              <a:ext uri="{FF2B5EF4-FFF2-40B4-BE49-F238E27FC236}">
+                <a16:creationId xmlns:a16="http://schemas.microsoft.com/office/drawing/2014/main" id="{1F6294C5-C647-44F4-F8B2-953010849867}"/>
+              </a:ext>
+            </a:extLst>
+          </p:cNvPr>
+          <p:cNvSpPr/>
+          <p:nvPr/>
+        </p:nvSpPr>
+        <p:spPr>
+          <a:xfrm>
+            <a:off x="4612786" y="4923862"/>
+            <a:ext cx="72000" cy="72000"/>
+          </a:xfrm>
+          <a:prstGeom prst="ellipse">
+            <a:avLst/>
+          </a:prstGeom>
+          <a:solidFill>
+            <a:srgbClr val="FF0000"/>
+          </a:solidFill>
+          <a:ln w="0">
+            <a:solidFill>
+              <a:schemeClr val="tx1"/>
+            </a:solidFill>
+            <a:headEnd w="sm" len="sm"/>
+            <a:tailEnd type="triangle" w="sm" len="sm"/>
+          </a:ln>
+        </p:spPr>
+        <p:style>
+          <a:lnRef idx="2">
+            <a:schemeClr val="accent1">
+              <a:shade val="15000"/>
+            </a:schemeClr>
+          </a:lnRef>
+          <a:fillRef idx="1">
+            <a:schemeClr val="accent1"/>
+          </a:fillRef>
+          <a:effectRef idx="0">
+            <a:schemeClr val="accent1"/>
+          </a:effectRef>
+          <a:fontRef idx="minor">
+            <a:schemeClr val="lt1"/>
+          </a:fontRef>
+        </p:style>
+        <p:txBody>
+          <a:bodyPr rtlCol="0" anchor="ctr"/>
+          <a:lstStyle/>
+          <a:p>
+            <a:pPr algn="ctr"/>
+            <a:endParaRPr lang="en-ID"/>
+          </a:p>
+        </p:txBody>
+      </p:sp>
+      <p:sp>
+        <p:nvSpPr>
+          <p:cNvPr id="241" name="Oval 240">
+            <a:extLst>
+              <a:ext uri="{FF2B5EF4-FFF2-40B4-BE49-F238E27FC236}">
+                <a16:creationId xmlns:a16="http://schemas.microsoft.com/office/drawing/2014/main" id="{9FB55BD2-8CCD-EC30-7BFD-A54EECCFA29C}"/>
+              </a:ext>
+            </a:extLst>
+          </p:cNvPr>
+          <p:cNvSpPr/>
+          <p:nvPr/>
+        </p:nvSpPr>
+        <p:spPr>
+          <a:xfrm>
+            <a:off x="4911452" y="4729077"/>
+            <a:ext cx="72000" cy="72000"/>
+          </a:xfrm>
+          <a:prstGeom prst="ellipse">
+            <a:avLst/>
+          </a:prstGeom>
+          <a:solidFill>
+            <a:srgbClr val="FF0000"/>
+          </a:solidFill>
+          <a:ln w="0">
+            <a:solidFill>
+              <a:schemeClr val="tx1"/>
+            </a:solidFill>
+            <a:headEnd w="sm" len="sm"/>
+            <a:tailEnd type="triangle" w="sm" len="sm"/>
+          </a:ln>
+        </p:spPr>
+        <p:style>
+          <a:lnRef idx="2">
+            <a:schemeClr val="accent1">
+              <a:shade val="15000"/>
+            </a:schemeClr>
+          </a:lnRef>
+          <a:fillRef idx="1">
+            <a:schemeClr val="accent1"/>
+          </a:fillRef>
+          <a:effectRef idx="0">
+            <a:schemeClr val="accent1"/>
+          </a:effectRef>
+          <a:fontRef idx="minor">
+            <a:schemeClr val="lt1"/>
+          </a:fontRef>
+        </p:style>
+        <p:txBody>
+          <a:bodyPr rtlCol="0" anchor="ctr"/>
+          <a:lstStyle/>
+          <a:p>
+            <a:pPr algn="ctr"/>
+            <a:endParaRPr lang="en-ID"/>
+          </a:p>
+        </p:txBody>
+      </p:sp>
+      <p:sp>
+        <p:nvSpPr>
+          <p:cNvPr id="242" name="Oval 241">
+            <a:extLst>
+              <a:ext uri="{FF2B5EF4-FFF2-40B4-BE49-F238E27FC236}">
+                <a16:creationId xmlns:a16="http://schemas.microsoft.com/office/drawing/2014/main" id="{36E12DFA-228E-E4C1-E7F3-AA09D72BC94E}"/>
+              </a:ext>
+            </a:extLst>
+          </p:cNvPr>
+          <p:cNvSpPr/>
+          <p:nvPr/>
+        </p:nvSpPr>
+        <p:spPr>
+          <a:xfrm>
+            <a:off x="4696407" y="5152716"/>
+            <a:ext cx="72000" cy="72000"/>
+          </a:xfrm>
+          <a:prstGeom prst="ellipse">
+            <a:avLst/>
+          </a:prstGeom>
+          <a:solidFill>
+            <a:srgbClr val="FF0000"/>
+          </a:solidFill>
+          <a:ln w="0">
+            <a:solidFill>
+              <a:schemeClr val="tx1"/>
+            </a:solidFill>
+            <a:headEnd w="sm" len="sm"/>
+            <a:tailEnd type="triangle" w="sm" len="sm"/>
+          </a:ln>
+        </p:spPr>
+        <p:style>
+          <a:lnRef idx="2">
+            <a:schemeClr val="accent1">
+              <a:shade val="15000"/>
+            </a:schemeClr>
+          </a:lnRef>
+          <a:fillRef idx="1">
+            <a:schemeClr val="accent1"/>
+          </a:fillRef>
+          <a:effectRef idx="0">
+            <a:schemeClr val="accent1"/>
+          </a:effectRef>
+          <a:fontRef idx="minor">
+            <a:schemeClr val="lt1"/>
+          </a:fontRef>
+        </p:style>
+        <p:txBody>
+          <a:bodyPr rtlCol="0" anchor="ctr"/>
+          <a:lstStyle/>
+          <a:p>
+            <a:pPr algn="ctr"/>
+            <a:endParaRPr lang="en-ID"/>
+          </a:p>
+        </p:txBody>
+      </p:sp>
+      <p:sp>
+        <p:nvSpPr>
+          <p:cNvPr id="243" name="Oval 242">
+            <a:extLst>
+              <a:ext uri="{FF2B5EF4-FFF2-40B4-BE49-F238E27FC236}">
+                <a16:creationId xmlns:a16="http://schemas.microsoft.com/office/drawing/2014/main" id="{6CC0FF3D-3BDA-A267-BF3B-4D7B0B722728}"/>
+              </a:ext>
+            </a:extLst>
+          </p:cNvPr>
+          <p:cNvSpPr/>
+          <p:nvPr/>
+        </p:nvSpPr>
+        <p:spPr>
+          <a:xfrm>
+            <a:off x="4983504" y="4927528"/>
+            <a:ext cx="72000" cy="72000"/>
+          </a:xfrm>
+          <a:prstGeom prst="ellipse">
+            <a:avLst/>
+          </a:prstGeom>
+          <a:solidFill>
+            <a:srgbClr val="00B050"/>
+          </a:solidFill>
+          <a:ln w="0">
+            <a:solidFill>
+              <a:schemeClr val="tx1"/>
+            </a:solidFill>
+            <a:headEnd w="sm" len="sm"/>
+            <a:tailEnd type="triangle" w="sm" len="sm"/>
+          </a:ln>
+        </p:spPr>
+        <p:style>
+          <a:lnRef idx="2">
+            <a:schemeClr val="accent1">
+              <a:shade val="15000"/>
+            </a:schemeClr>
+          </a:lnRef>
+          <a:fillRef idx="1">
+            <a:schemeClr val="accent1"/>
+          </a:fillRef>
+          <a:effectRef idx="0">
+            <a:schemeClr val="accent1"/>
+          </a:effectRef>
+          <a:fontRef idx="minor">
+            <a:schemeClr val="lt1"/>
+          </a:fontRef>
+        </p:style>
+        <p:txBody>
+          <a:bodyPr rtlCol="0" anchor="ctr"/>
+          <a:lstStyle/>
+          <a:p>
+            <a:pPr algn="ctr"/>
+            <a:endParaRPr lang="en-ID"/>
+          </a:p>
+        </p:txBody>
+      </p:sp>
+      <p:sp>
+        <p:nvSpPr>
+          <p:cNvPr id="244" name="Oval 243">
+            <a:extLst>
+              <a:ext uri="{FF2B5EF4-FFF2-40B4-BE49-F238E27FC236}">
+                <a16:creationId xmlns:a16="http://schemas.microsoft.com/office/drawing/2014/main" id="{112CB2DD-761C-CE83-3C9F-70FEBC5F3F34}"/>
+              </a:ext>
+            </a:extLst>
+          </p:cNvPr>
+          <p:cNvSpPr/>
+          <p:nvPr/>
+        </p:nvSpPr>
+        <p:spPr>
+          <a:xfrm>
+            <a:off x="4438616" y="4729077"/>
+            <a:ext cx="72000" cy="72000"/>
+          </a:xfrm>
+          <a:prstGeom prst="ellipse">
+            <a:avLst/>
+          </a:prstGeom>
+          <a:solidFill>
+            <a:srgbClr val="FF0000"/>
+          </a:solidFill>
+          <a:ln w="0">
+            <a:solidFill>
+              <a:schemeClr val="tx1"/>
+            </a:solidFill>
+            <a:headEnd w="sm" len="sm"/>
+            <a:tailEnd type="triangle" w="sm" len="sm"/>
+          </a:ln>
+        </p:spPr>
+        <p:style>
+          <a:lnRef idx="2">
+            <a:schemeClr val="accent1">
+              <a:shade val="15000"/>
+            </a:schemeClr>
+          </a:lnRef>
+          <a:fillRef idx="1">
+            <a:schemeClr val="accent1"/>
+          </a:fillRef>
+          <a:effectRef idx="0">
+            <a:schemeClr val="accent1"/>
+          </a:effectRef>
+          <a:fontRef idx="minor">
+            <a:schemeClr val="lt1"/>
+          </a:fontRef>
+        </p:style>
+        <p:txBody>
+          <a:bodyPr rtlCol="0" anchor="ctr"/>
+          <a:lstStyle/>
+          <a:p>
+            <a:pPr algn="ctr"/>
+            <a:endParaRPr lang="en-ID"/>
+          </a:p>
+        </p:txBody>
+      </p:sp>
+      <p:sp>
+        <p:nvSpPr>
+          <p:cNvPr id="245" name="Oval 244">
+            <a:extLst>
+              <a:ext uri="{FF2B5EF4-FFF2-40B4-BE49-F238E27FC236}">
+                <a16:creationId xmlns:a16="http://schemas.microsoft.com/office/drawing/2014/main" id="{8E8297D9-4DAC-02C0-BFEC-28546A3AE55E}"/>
+              </a:ext>
+            </a:extLst>
+          </p:cNvPr>
+          <p:cNvSpPr/>
+          <p:nvPr/>
+        </p:nvSpPr>
+        <p:spPr>
+          <a:xfrm>
+            <a:off x="5351584" y="5202534"/>
+            <a:ext cx="72000" cy="72000"/>
+          </a:xfrm>
+          <a:prstGeom prst="ellipse">
+            <a:avLst/>
+          </a:prstGeom>
+          <a:solidFill>
+            <a:srgbClr val="FF0000"/>
+          </a:solidFill>
+          <a:ln w="0">
+            <a:solidFill>
+              <a:schemeClr val="tx1"/>
+            </a:solidFill>
+            <a:headEnd w="sm" len="sm"/>
+            <a:tailEnd type="triangle" w="sm" len="sm"/>
+          </a:ln>
+        </p:spPr>
+        <p:style>
+          <a:lnRef idx="2">
+            <a:schemeClr val="accent1">
+              <a:shade val="15000"/>
+            </a:schemeClr>
+          </a:lnRef>
+          <a:fillRef idx="1">
+            <a:schemeClr val="accent1"/>
+          </a:fillRef>
+          <a:effectRef idx="0">
+            <a:schemeClr val="accent1"/>
+          </a:effectRef>
+          <a:fontRef idx="minor">
+            <a:schemeClr val="lt1"/>
+          </a:fontRef>
+        </p:style>
+        <p:txBody>
+          <a:bodyPr rtlCol="0" anchor="ctr"/>
+          <a:lstStyle/>
+          <a:p>
+            <a:pPr algn="ctr"/>
+            <a:endParaRPr lang="en-ID"/>
+          </a:p>
+        </p:txBody>
+      </p:sp>
+      <p:sp>
+        <p:nvSpPr>
+          <p:cNvPr id="246" name="Oval 245">
+            <a:extLst>
+              <a:ext uri="{FF2B5EF4-FFF2-40B4-BE49-F238E27FC236}">
+                <a16:creationId xmlns:a16="http://schemas.microsoft.com/office/drawing/2014/main" id="{847E7D5C-CA37-1BD5-F20C-E16DC4A63E8C}"/>
+              </a:ext>
+            </a:extLst>
+          </p:cNvPr>
+          <p:cNvSpPr/>
+          <p:nvPr/>
+        </p:nvSpPr>
+        <p:spPr>
+          <a:xfrm>
+            <a:off x="5753916" y="4927528"/>
+            <a:ext cx="72000" cy="72000"/>
+          </a:xfrm>
+          <a:prstGeom prst="ellipse">
+            <a:avLst/>
+          </a:prstGeom>
+          <a:solidFill>
+            <a:srgbClr val="FF0000"/>
+          </a:solidFill>
+          <a:ln w="0">
+            <a:solidFill>
+              <a:schemeClr val="tx1"/>
+            </a:solidFill>
+            <a:headEnd w="sm" len="sm"/>
+            <a:tailEnd type="triangle" w="sm" len="sm"/>
+          </a:ln>
+        </p:spPr>
+        <p:style>
+          <a:lnRef idx="2">
+            <a:schemeClr val="accent1">
+              <a:shade val="15000"/>
+            </a:schemeClr>
+          </a:lnRef>
+          <a:fillRef idx="1">
+            <a:schemeClr val="accent1"/>
+          </a:fillRef>
+          <a:effectRef idx="0">
+            <a:schemeClr val="accent1"/>
+          </a:effectRef>
+          <a:fontRef idx="minor">
+            <a:schemeClr val="lt1"/>
+          </a:fontRef>
+        </p:style>
+        <p:txBody>
+          <a:bodyPr rtlCol="0" anchor="ctr"/>
+          <a:lstStyle/>
+          <a:p>
+            <a:pPr algn="ctr"/>
+            <a:endParaRPr lang="en-ID"/>
+          </a:p>
+        </p:txBody>
+      </p:sp>
+      <p:sp>
+        <p:nvSpPr>
+          <p:cNvPr id="247" name="Oval 246">
+            <a:extLst>
+              <a:ext uri="{FF2B5EF4-FFF2-40B4-BE49-F238E27FC236}">
+                <a16:creationId xmlns:a16="http://schemas.microsoft.com/office/drawing/2014/main" id="{1ABEC652-EEFD-0F6A-56B4-FC051284606E}"/>
+              </a:ext>
+            </a:extLst>
+          </p:cNvPr>
+          <p:cNvSpPr/>
+          <p:nvPr/>
+        </p:nvSpPr>
+        <p:spPr>
+          <a:xfrm>
+            <a:off x="6052582" y="4732743"/>
+            <a:ext cx="72000" cy="72000"/>
+          </a:xfrm>
+          <a:prstGeom prst="ellipse">
+            <a:avLst/>
+          </a:prstGeom>
+          <a:solidFill>
+            <a:srgbClr val="FF0000"/>
+          </a:solidFill>
+          <a:ln w="0">
+            <a:solidFill>
+              <a:schemeClr val="tx1"/>
+            </a:solidFill>
+            <a:headEnd w="sm" len="sm"/>
+            <a:tailEnd type="triangle" w="sm" len="sm"/>
+          </a:ln>
+        </p:spPr>
+        <p:style>
+          <a:lnRef idx="2">
+            <a:schemeClr val="accent1">
+              <a:shade val="15000"/>
+            </a:schemeClr>
+          </a:lnRef>
+          <a:fillRef idx="1">
+            <a:schemeClr val="accent1"/>
+          </a:fillRef>
+          <a:effectRef idx="0">
+            <a:schemeClr val="accent1"/>
+          </a:effectRef>
+          <a:fontRef idx="minor">
+            <a:schemeClr val="lt1"/>
+          </a:fontRef>
+        </p:style>
+        <p:txBody>
+          <a:bodyPr rtlCol="0" anchor="ctr"/>
+          <a:lstStyle/>
+          <a:p>
+            <a:pPr algn="ctr"/>
+            <a:endParaRPr lang="en-ID"/>
+          </a:p>
+        </p:txBody>
+      </p:sp>
+      <p:sp>
+        <p:nvSpPr>
+          <p:cNvPr id="248" name="Oval 247">
+            <a:extLst>
+              <a:ext uri="{FF2B5EF4-FFF2-40B4-BE49-F238E27FC236}">
+                <a16:creationId xmlns:a16="http://schemas.microsoft.com/office/drawing/2014/main" id="{50D4883C-8D9A-13D5-9F56-EFB651E27BAD}"/>
+              </a:ext>
+            </a:extLst>
+          </p:cNvPr>
+          <p:cNvSpPr/>
+          <p:nvPr/>
+        </p:nvSpPr>
+        <p:spPr>
+          <a:xfrm>
+            <a:off x="5837537" y="5156382"/>
+            <a:ext cx="72000" cy="72000"/>
+          </a:xfrm>
+          <a:prstGeom prst="ellipse">
+            <a:avLst/>
+          </a:prstGeom>
+          <a:solidFill>
+            <a:srgbClr val="00B050"/>
+          </a:solidFill>
+          <a:ln w="0">
+            <a:solidFill>
+              <a:schemeClr val="tx1"/>
+            </a:solidFill>
+            <a:headEnd w="sm" len="sm"/>
+            <a:tailEnd type="triangle" w="sm" len="sm"/>
+          </a:ln>
+        </p:spPr>
+        <p:style>
+          <a:lnRef idx="2">
+            <a:schemeClr val="accent1">
+              <a:shade val="15000"/>
+            </a:schemeClr>
+          </a:lnRef>
+          <a:fillRef idx="1">
+            <a:schemeClr val="accent1"/>
+          </a:fillRef>
+          <a:effectRef idx="0">
+            <a:schemeClr val="accent1"/>
+          </a:effectRef>
+          <a:fontRef idx="minor">
+            <a:schemeClr val="lt1"/>
+          </a:fontRef>
+        </p:style>
+        <p:txBody>
+          <a:bodyPr rtlCol="0" anchor="ctr"/>
+          <a:lstStyle/>
+          <a:p>
+            <a:pPr algn="ctr"/>
+            <a:endParaRPr lang="en-ID"/>
+          </a:p>
+        </p:txBody>
+      </p:sp>
+      <p:sp>
+        <p:nvSpPr>
+          <p:cNvPr id="249" name="Oval 248">
+            <a:extLst>
+              <a:ext uri="{FF2B5EF4-FFF2-40B4-BE49-F238E27FC236}">
+                <a16:creationId xmlns:a16="http://schemas.microsoft.com/office/drawing/2014/main" id="{C5C7D9A9-3378-798C-C95B-F10C8D3F2E63}"/>
+              </a:ext>
+            </a:extLst>
+          </p:cNvPr>
+          <p:cNvSpPr/>
+          <p:nvPr/>
+        </p:nvSpPr>
+        <p:spPr>
+          <a:xfrm>
+            <a:off x="6141634" y="4931194"/>
+            <a:ext cx="72000" cy="72000"/>
+          </a:xfrm>
+          <a:prstGeom prst="ellipse">
+            <a:avLst/>
+          </a:prstGeom>
+          <a:solidFill>
+            <a:srgbClr val="FF0000"/>
+          </a:solidFill>
+          <a:ln w="0">
+            <a:solidFill>
+              <a:schemeClr val="tx1"/>
+            </a:solidFill>
+            <a:headEnd w="sm" len="sm"/>
+            <a:tailEnd type="triangle" w="sm" len="sm"/>
+          </a:ln>
+        </p:spPr>
+        <p:style>
+          <a:lnRef idx="2">
+            <a:schemeClr val="accent1">
+              <a:shade val="15000"/>
+            </a:schemeClr>
+          </a:lnRef>
+          <a:fillRef idx="1">
+            <a:schemeClr val="accent1"/>
+          </a:fillRef>
+          <a:effectRef idx="0">
+            <a:schemeClr val="accent1"/>
+          </a:effectRef>
+          <a:fontRef idx="minor">
+            <a:schemeClr val="lt1"/>
+          </a:fontRef>
+        </p:style>
+        <p:txBody>
+          <a:bodyPr rtlCol="0" anchor="ctr"/>
+          <a:lstStyle/>
+          <a:p>
+            <a:pPr algn="ctr"/>
+            <a:endParaRPr lang="en-ID"/>
+          </a:p>
+        </p:txBody>
+      </p:sp>
+      <p:sp>
+        <p:nvSpPr>
+          <p:cNvPr id="250" name="Oval 249">
+            <a:extLst>
+              <a:ext uri="{FF2B5EF4-FFF2-40B4-BE49-F238E27FC236}">
+                <a16:creationId xmlns:a16="http://schemas.microsoft.com/office/drawing/2014/main" id="{12A00884-D40A-7476-A357-A51785947955}"/>
+              </a:ext>
+            </a:extLst>
+          </p:cNvPr>
+          <p:cNvSpPr/>
+          <p:nvPr/>
+        </p:nvSpPr>
+        <p:spPr>
+          <a:xfrm>
+            <a:off x="6225255" y="5198868"/>
+            <a:ext cx="72000" cy="72000"/>
+          </a:xfrm>
+          <a:prstGeom prst="ellipse">
+            <a:avLst/>
+          </a:prstGeom>
+          <a:solidFill>
+            <a:srgbClr val="FF0000"/>
+          </a:solidFill>
+          <a:ln w="0">
+            <a:solidFill>
+              <a:schemeClr val="tx1"/>
+            </a:solidFill>
+            <a:headEnd w="sm" len="sm"/>
+            <a:tailEnd type="triangle" w="sm" len="sm"/>
+          </a:ln>
+        </p:spPr>
+        <p:style>
+          <a:lnRef idx="2">
+            <a:schemeClr val="accent1">
+              <a:shade val="15000"/>
+            </a:schemeClr>
+          </a:lnRef>
+          <a:fillRef idx="1">
+            <a:schemeClr val="accent1"/>
+          </a:fillRef>
+          <a:effectRef idx="0">
+            <a:schemeClr val="accent1"/>
+          </a:effectRef>
+          <a:fontRef idx="minor">
+            <a:schemeClr val="lt1"/>
+          </a:fontRef>
+        </p:style>
+        <p:txBody>
+          <a:bodyPr rtlCol="0" anchor="ctr"/>
+          <a:lstStyle/>
+          <a:p>
+            <a:pPr algn="ctr"/>
+            <a:endParaRPr lang="en-ID"/>
+          </a:p>
+        </p:txBody>
+      </p:sp>
+      <p:sp>
+        <p:nvSpPr>
+          <p:cNvPr id="251" name="Oval 250">
+            <a:extLst>
+              <a:ext uri="{FF2B5EF4-FFF2-40B4-BE49-F238E27FC236}">
+                <a16:creationId xmlns:a16="http://schemas.microsoft.com/office/drawing/2014/main" id="{41A976FB-FC38-2656-CCDC-758C0967A553}"/>
+              </a:ext>
+            </a:extLst>
+          </p:cNvPr>
+          <p:cNvSpPr/>
+          <p:nvPr/>
+        </p:nvSpPr>
+        <p:spPr>
+          <a:xfrm>
+            <a:off x="6627587" y="4923862"/>
+            <a:ext cx="72000" cy="72000"/>
+          </a:xfrm>
+          <a:prstGeom prst="ellipse">
+            <a:avLst/>
+          </a:prstGeom>
+          <a:solidFill>
+            <a:srgbClr val="00B050"/>
+          </a:solidFill>
+          <a:ln w="0">
+            <a:solidFill>
+              <a:schemeClr val="tx1"/>
+            </a:solidFill>
+            <a:headEnd w="sm" len="sm"/>
+            <a:tailEnd type="triangle" w="sm" len="sm"/>
+          </a:ln>
+        </p:spPr>
+        <p:style>
+          <a:lnRef idx="2">
+            <a:schemeClr val="accent1">
+              <a:shade val="15000"/>
+            </a:schemeClr>
+          </a:lnRef>
+          <a:fillRef idx="1">
+            <a:schemeClr val="accent1"/>
+          </a:fillRef>
+          <a:effectRef idx="0">
+            <a:schemeClr val="accent1"/>
+          </a:effectRef>
+          <a:fontRef idx="minor">
+            <a:schemeClr val="lt1"/>
+          </a:fontRef>
+        </p:style>
+        <p:txBody>
+          <a:bodyPr rtlCol="0" anchor="ctr"/>
+          <a:lstStyle/>
+          <a:p>
+            <a:pPr algn="ctr"/>
+            <a:endParaRPr lang="en-ID"/>
+          </a:p>
+        </p:txBody>
+      </p:sp>
+      <p:sp>
+        <p:nvSpPr>
+          <p:cNvPr id="252" name="Oval 251">
+            <a:extLst>
+              <a:ext uri="{FF2B5EF4-FFF2-40B4-BE49-F238E27FC236}">
+                <a16:creationId xmlns:a16="http://schemas.microsoft.com/office/drawing/2014/main" id="{D71BFB5A-DA58-6B74-0D08-13D96D2D5893}"/>
+              </a:ext>
+            </a:extLst>
+          </p:cNvPr>
+          <p:cNvSpPr/>
+          <p:nvPr/>
+        </p:nvSpPr>
+        <p:spPr>
+          <a:xfrm>
+            <a:off x="6926253" y="4729077"/>
+            <a:ext cx="72000" cy="72000"/>
+          </a:xfrm>
+          <a:prstGeom prst="ellipse">
+            <a:avLst/>
+          </a:prstGeom>
+          <a:solidFill>
+            <a:srgbClr val="FF0000"/>
+          </a:solidFill>
+          <a:ln w="0">
+            <a:solidFill>
+              <a:schemeClr val="tx1"/>
+            </a:solidFill>
+            <a:headEnd w="sm" len="sm"/>
+            <a:tailEnd type="triangle" w="sm" len="sm"/>
+          </a:ln>
+        </p:spPr>
+        <p:style>
+          <a:lnRef idx="2">
+            <a:schemeClr val="accent1">
+              <a:shade val="15000"/>
+            </a:schemeClr>
+          </a:lnRef>
+          <a:fillRef idx="1">
+            <a:schemeClr val="accent1"/>
+          </a:fillRef>
+          <a:effectRef idx="0">
+            <a:schemeClr val="accent1"/>
+          </a:effectRef>
+          <a:fontRef idx="minor">
+            <a:schemeClr val="lt1"/>
+          </a:fontRef>
+        </p:style>
+        <p:txBody>
+          <a:bodyPr rtlCol="0" anchor="ctr"/>
+          <a:lstStyle/>
+          <a:p>
+            <a:pPr algn="ctr"/>
+            <a:endParaRPr lang="en-ID"/>
+          </a:p>
+        </p:txBody>
+      </p:sp>
+      <p:sp>
+        <p:nvSpPr>
+          <p:cNvPr id="253" name="Oval 252">
+            <a:extLst>
+              <a:ext uri="{FF2B5EF4-FFF2-40B4-BE49-F238E27FC236}">
+                <a16:creationId xmlns:a16="http://schemas.microsoft.com/office/drawing/2014/main" id="{FEF1BB1A-E88E-E383-EB65-4877CE28E2DB}"/>
+              </a:ext>
+            </a:extLst>
+          </p:cNvPr>
+          <p:cNvSpPr/>
+          <p:nvPr/>
+        </p:nvSpPr>
+        <p:spPr>
+          <a:xfrm>
+            <a:off x="6711208" y="5152716"/>
+            <a:ext cx="72000" cy="72000"/>
+          </a:xfrm>
+          <a:prstGeom prst="ellipse">
+            <a:avLst/>
+          </a:prstGeom>
+          <a:solidFill>
+            <a:srgbClr val="FF0000"/>
+          </a:solidFill>
+          <a:ln w="0">
+            <a:solidFill>
+              <a:schemeClr val="tx1"/>
+            </a:solidFill>
+            <a:headEnd w="sm" len="sm"/>
+            <a:tailEnd type="triangle" w="sm" len="sm"/>
+          </a:ln>
+        </p:spPr>
+        <p:style>
+          <a:lnRef idx="2">
+            <a:schemeClr val="accent1">
+              <a:shade val="15000"/>
+            </a:schemeClr>
+          </a:lnRef>
+          <a:fillRef idx="1">
+            <a:schemeClr val="accent1"/>
+          </a:fillRef>
+          <a:effectRef idx="0">
+            <a:schemeClr val="accent1"/>
+          </a:effectRef>
+          <a:fontRef idx="minor">
+            <a:schemeClr val="lt1"/>
+          </a:fontRef>
+        </p:style>
+        <p:txBody>
+          <a:bodyPr rtlCol="0" anchor="ctr"/>
+          <a:lstStyle/>
+          <a:p>
+            <a:pPr algn="ctr"/>
+            <a:endParaRPr lang="en-ID"/>
+          </a:p>
+        </p:txBody>
+      </p:sp>
+      <p:sp>
+        <p:nvSpPr>
+          <p:cNvPr id="254" name="Oval 253">
+            <a:extLst>
+              <a:ext uri="{FF2B5EF4-FFF2-40B4-BE49-F238E27FC236}">
+                <a16:creationId xmlns:a16="http://schemas.microsoft.com/office/drawing/2014/main" id="{0067E286-6099-C55B-3DA1-626351D48F31}"/>
+              </a:ext>
+            </a:extLst>
+          </p:cNvPr>
+          <p:cNvSpPr/>
+          <p:nvPr/>
+        </p:nvSpPr>
+        <p:spPr>
+          <a:xfrm>
+            <a:off x="7015305" y="4927528"/>
+            <a:ext cx="72000" cy="72000"/>
+          </a:xfrm>
+          <a:prstGeom prst="ellipse">
+            <a:avLst/>
+          </a:prstGeom>
+          <a:solidFill>
+            <a:srgbClr val="FF0000"/>
+          </a:solidFill>
+          <a:ln w="0">
+            <a:solidFill>
+              <a:schemeClr val="tx1"/>
+            </a:solidFill>
+            <a:headEnd w="sm" len="sm"/>
+            <a:tailEnd type="triangle" w="sm" len="sm"/>
+          </a:ln>
+        </p:spPr>
+        <p:style>
+          <a:lnRef idx="2">
+            <a:schemeClr val="accent1">
+              <a:shade val="15000"/>
+            </a:schemeClr>
+          </a:lnRef>
+          <a:fillRef idx="1">
+            <a:schemeClr val="accent1"/>
+          </a:fillRef>
+          <a:effectRef idx="0">
+            <a:schemeClr val="accent1"/>
+          </a:effectRef>
+          <a:fontRef idx="minor">
+            <a:schemeClr val="lt1"/>
+          </a:fontRef>
+        </p:style>
+        <p:txBody>
+          <a:bodyPr rtlCol="0" anchor="ctr"/>
+          <a:lstStyle/>
+          <a:p>
+            <a:pPr algn="ctr"/>
+            <a:endParaRPr lang="en-ID"/>
+          </a:p>
+        </p:txBody>
+      </p:sp>
+      <p:sp>
+        <p:nvSpPr>
+          <p:cNvPr id="255" name="Oval 254">
+            <a:extLst>
+              <a:ext uri="{FF2B5EF4-FFF2-40B4-BE49-F238E27FC236}">
+                <a16:creationId xmlns:a16="http://schemas.microsoft.com/office/drawing/2014/main" id="{C25C526E-5110-3D5C-BCB0-7501B495E9B1}"/>
+              </a:ext>
+            </a:extLst>
+          </p:cNvPr>
+          <p:cNvSpPr/>
+          <p:nvPr/>
+        </p:nvSpPr>
+        <p:spPr>
+          <a:xfrm>
+            <a:off x="6453417" y="4729077"/>
+            <a:ext cx="72000" cy="72000"/>
+          </a:xfrm>
+          <a:prstGeom prst="ellipse">
+            <a:avLst/>
+          </a:prstGeom>
+          <a:solidFill>
+            <a:srgbClr val="FF0000"/>
+          </a:solidFill>
+          <a:ln w="0">
+            <a:solidFill>
+              <a:schemeClr val="tx1"/>
+            </a:solidFill>
+            <a:headEnd w="sm" len="sm"/>
+            <a:tailEnd type="triangle" w="sm" len="sm"/>
+          </a:ln>
+        </p:spPr>
+        <p:style>
+          <a:lnRef idx="2">
+            <a:schemeClr val="accent1">
+              <a:shade val="15000"/>
+            </a:schemeClr>
+          </a:lnRef>
+          <a:fillRef idx="1">
+            <a:schemeClr val="accent1"/>
+          </a:fillRef>
+          <a:effectRef idx="0">
+            <a:schemeClr val="accent1"/>
+          </a:effectRef>
+          <a:fontRef idx="minor">
+            <a:schemeClr val="lt1"/>
+          </a:fontRef>
+        </p:style>
+        <p:txBody>
+          <a:bodyPr rtlCol="0" anchor="ctr"/>
+          <a:lstStyle/>
+          <a:p>
+            <a:pPr algn="ctr"/>
+            <a:endParaRPr lang="en-ID"/>
+          </a:p>
+        </p:txBody>
+      </p:sp>
+      <p:cxnSp>
+        <p:nvCxnSpPr>
+          <p:cNvPr id="256" name="Straight Arrow Connector 255">
+            <a:extLst>
+              <a:ext uri="{FF2B5EF4-FFF2-40B4-BE49-F238E27FC236}">
+                <a16:creationId xmlns:a16="http://schemas.microsoft.com/office/drawing/2014/main" id="{3AC3B3DA-60F4-BE51-2902-E440996CA52A}"/>
+              </a:ext>
+            </a:extLst>
+          </p:cNvPr>
+          <p:cNvCxnSpPr>
+            <a:stCxn id="234" idx="7"/>
+            <a:endCxn id="235" idx="3"/>
+          </p:cNvCxnSpPr>
+          <p:nvPr/>
+        </p:nvCxnSpPr>
+        <p:spPr>
+          <a:xfrm flipV="1">
+            <a:off x="3398239" y="4988984"/>
+            <a:ext cx="351420" cy="224094"/>
+          </a:xfrm>
+          <a:prstGeom prst="straightConnector1">
+            <a:avLst/>
+          </a:prstGeom>
+          <a:ln w="0">
+            <a:solidFill>
+              <a:schemeClr val="tx1"/>
+            </a:solidFill>
+            <a:headEnd type="triangle" w="sm" len="sm"/>
+            <a:tailEnd type="triangle" w="sm" len="sm"/>
+          </a:ln>
+        </p:spPr>
+        <p:style>
+          <a:lnRef idx="1">
+            <a:schemeClr val="accent1"/>
+          </a:lnRef>
+          <a:fillRef idx="0">
+            <a:schemeClr val="accent1"/>
+          </a:fillRef>
+          <a:effectRef idx="0">
+            <a:schemeClr val="accent1"/>
+          </a:effectRef>
+          <a:fontRef idx="minor">
+            <a:schemeClr val="tx1"/>
+          </a:fontRef>
+        </p:style>
+      </p:cxnSp>
+      <p:cxnSp>
+        <p:nvCxnSpPr>
+          <p:cNvPr id="257" name="Straight Arrow Connector 256">
+            <a:extLst>
+              <a:ext uri="{FF2B5EF4-FFF2-40B4-BE49-F238E27FC236}">
+                <a16:creationId xmlns:a16="http://schemas.microsoft.com/office/drawing/2014/main" id="{66873654-FA12-C8B7-6E86-14DBFAF3A0C6}"/>
+              </a:ext>
+            </a:extLst>
+          </p:cNvPr>
+          <p:cNvCxnSpPr>
+            <a:stCxn id="235" idx="7"/>
+            <a:endCxn id="236" idx="3"/>
+          </p:cNvCxnSpPr>
+          <p:nvPr/>
+        </p:nvCxnSpPr>
+        <p:spPr>
+          <a:xfrm flipV="1">
+            <a:off x="3800571" y="4794199"/>
+            <a:ext cx="247754" cy="143873"/>
+          </a:xfrm>
+          <a:prstGeom prst="straightConnector1">
+            <a:avLst/>
+          </a:prstGeom>
+          <a:ln w="0">
+            <a:solidFill>
+              <a:schemeClr val="tx1"/>
+            </a:solidFill>
+            <a:headEnd type="triangle" w="sm" len="sm"/>
+            <a:tailEnd type="triangle" w="sm" len="sm"/>
+          </a:ln>
+        </p:spPr>
+        <p:style>
+          <a:lnRef idx="1">
+            <a:schemeClr val="accent1"/>
+          </a:lnRef>
+          <a:fillRef idx="0">
+            <a:schemeClr val="accent1"/>
+          </a:fillRef>
+          <a:effectRef idx="0">
+            <a:schemeClr val="accent1"/>
+          </a:effectRef>
+          <a:fontRef idx="minor">
+            <a:schemeClr val="tx1"/>
+          </a:fontRef>
+        </p:style>
+      </p:cxnSp>
+      <p:cxnSp>
+        <p:nvCxnSpPr>
+          <p:cNvPr id="258" name="Straight Arrow Connector 257">
+            <a:extLst>
+              <a:ext uri="{FF2B5EF4-FFF2-40B4-BE49-F238E27FC236}">
+                <a16:creationId xmlns:a16="http://schemas.microsoft.com/office/drawing/2014/main" id="{919FDBCB-7DD0-8D1D-504F-D3BB112E1555}"/>
+              </a:ext>
+            </a:extLst>
+          </p:cNvPr>
+          <p:cNvCxnSpPr>
+            <a:cxnSpLocks/>
+            <a:stCxn id="235" idx="5"/>
+            <a:endCxn id="237" idx="0"/>
+          </p:cNvCxnSpPr>
+          <p:nvPr/>
+        </p:nvCxnSpPr>
+        <p:spPr>
+          <a:xfrm>
+            <a:off x="3800571" y="4988984"/>
+            <a:ext cx="58165" cy="167398"/>
+          </a:xfrm>
+          <a:prstGeom prst="straightConnector1">
+            <a:avLst/>
+          </a:prstGeom>
+          <a:ln w="0">
+            <a:solidFill>
+              <a:schemeClr val="tx1"/>
+            </a:solidFill>
+            <a:headEnd type="triangle" w="sm" len="sm"/>
+            <a:tailEnd type="triangle" w="sm" len="sm"/>
+          </a:ln>
+        </p:spPr>
+        <p:style>
+          <a:lnRef idx="1">
+            <a:schemeClr val="accent1"/>
+          </a:lnRef>
+          <a:fillRef idx="0">
+            <a:schemeClr val="accent1"/>
+          </a:fillRef>
+          <a:effectRef idx="0">
+            <a:schemeClr val="accent1"/>
+          </a:effectRef>
+          <a:fontRef idx="minor">
+            <a:schemeClr val="tx1"/>
+          </a:fontRef>
+        </p:style>
+      </p:cxnSp>
+      <p:cxnSp>
+        <p:nvCxnSpPr>
+          <p:cNvPr id="259" name="Straight Arrow Connector 258">
+            <a:extLst>
+              <a:ext uri="{FF2B5EF4-FFF2-40B4-BE49-F238E27FC236}">
+                <a16:creationId xmlns:a16="http://schemas.microsoft.com/office/drawing/2014/main" id="{0BC87766-9FB4-78D2-9933-2C2CA7A25EC3}"/>
+              </a:ext>
+            </a:extLst>
+          </p:cNvPr>
+          <p:cNvCxnSpPr>
+            <a:cxnSpLocks/>
+            <a:endCxn id="239" idx="0"/>
+          </p:cNvCxnSpPr>
+          <p:nvPr/>
+        </p:nvCxnSpPr>
+        <p:spPr>
+          <a:xfrm>
+            <a:off x="4171785" y="4995862"/>
+            <a:ext cx="74669" cy="203006"/>
+          </a:xfrm>
+          <a:prstGeom prst="straightConnector1">
+            <a:avLst/>
+          </a:prstGeom>
+          <a:ln w="0">
+            <a:solidFill>
+              <a:schemeClr val="tx1"/>
+            </a:solidFill>
+            <a:headEnd type="triangle" w="sm" len="sm"/>
+            <a:tailEnd type="triangle" w="sm" len="sm"/>
+          </a:ln>
+        </p:spPr>
+        <p:style>
+          <a:lnRef idx="1">
+            <a:schemeClr val="accent1"/>
+          </a:lnRef>
+          <a:fillRef idx="0">
+            <a:schemeClr val="accent1"/>
+          </a:fillRef>
+          <a:effectRef idx="0">
+            <a:schemeClr val="accent1"/>
+          </a:effectRef>
+          <a:fontRef idx="minor">
+            <a:schemeClr val="tx1"/>
+          </a:fontRef>
+        </p:style>
+      </p:cxnSp>
+      <p:cxnSp>
+        <p:nvCxnSpPr>
+          <p:cNvPr id="260" name="Straight Arrow Connector 259">
+            <a:extLst>
+              <a:ext uri="{FF2B5EF4-FFF2-40B4-BE49-F238E27FC236}">
+                <a16:creationId xmlns:a16="http://schemas.microsoft.com/office/drawing/2014/main" id="{3F9A8AD8-E7E2-25C8-547B-03F809E8D8AD}"/>
+              </a:ext>
+            </a:extLst>
+          </p:cNvPr>
+          <p:cNvCxnSpPr>
+            <a:cxnSpLocks/>
+            <a:endCxn id="238" idx="1"/>
+          </p:cNvCxnSpPr>
+          <p:nvPr/>
+        </p:nvCxnSpPr>
+        <p:spPr>
+          <a:xfrm>
+            <a:off x="4091502" y="4789833"/>
+            <a:ext cx="45875" cy="151905"/>
+          </a:xfrm>
+          <a:prstGeom prst="straightConnector1">
+            <a:avLst/>
+          </a:prstGeom>
+          <a:ln w="0">
+            <a:solidFill>
+              <a:schemeClr val="tx1"/>
+            </a:solidFill>
+            <a:headEnd type="triangle" w="sm" len="sm"/>
+            <a:tailEnd type="triangle" w="sm" len="sm"/>
+          </a:ln>
+        </p:spPr>
+        <p:style>
+          <a:lnRef idx="1">
+            <a:schemeClr val="accent1"/>
+          </a:lnRef>
+          <a:fillRef idx="0">
+            <a:schemeClr val="accent1"/>
+          </a:fillRef>
+          <a:effectRef idx="0">
+            <a:schemeClr val="accent1"/>
+          </a:effectRef>
+          <a:fontRef idx="minor">
+            <a:schemeClr val="tx1"/>
+          </a:fontRef>
+        </p:style>
+      </p:cxnSp>
+      <p:cxnSp>
+        <p:nvCxnSpPr>
+          <p:cNvPr id="261" name="Straight Arrow Connector 260">
+            <a:extLst>
+              <a:ext uri="{FF2B5EF4-FFF2-40B4-BE49-F238E27FC236}">
+                <a16:creationId xmlns:a16="http://schemas.microsoft.com/office/drawing/2014/main" id="{821D314E-0166-03A6-11C1-35B3577FFB76}"/>
+              </a:ext>
+            </a:extLst>
+          </p:cNvPr>
+          <p:cNvCxnSpPr>
+            <a:cxnSpLocks/>
+            <a:stCxn id="236" idx="6"/>
+            <a:endCxn id="244" idx="2"/>
+          </p:cNvCxnSpPr>
+          <p:nvPr/>
+        </p:nvCxnSpPr>
+        <p:spPr>
+          <a:xfrm flipV="1">
+            <a:off x="4109781" y="4765077"/>
+            <a:ext cx="328835" cy="3666"/>
+          </a:xfrm>
+          <a:prstGeom prst="straightConnector1">
+            <a:avLst/>
+          </a:prstGeom>
+          <a:ln w="0">
+            <a:solidFill>
+              <a:schemeClr val="tx1"/>
+            </a:solidFill>
+            <a:headEnd type="triangle" w="sm" len="sm"/>
+            <a:tailEnd type="triangle" w="sm" len="sm"/>
+          </a:ln>
+        </p:spPr>
+        <p:style>
+          <a:lnRef idx="1">
+            <a:schemeClr val="accent1"/>
+          </a:lnRef>
+          <a:fillRef idx="0">
+            <a:schemeClr val="accent1"/>
+          </a:fillRef>
+          <a:effectRef idx="0">
+            <a:schemeClr val="accent1"/>
+          </a:effectRef>
+          <a:fontRef idx="minor">
+            <a:schemeClr val="tx1"/>
+          </a:fontRef>
+        </p:style>
+      </p:cxnSp>
+      <p:cxnSp>
+        <p:nvCxnSpPr>
+          <p:cNvPr id="262" name="Straight Arrow Connector 261">
+            <a:extLst>
+              <a:ext uri="{FF2B5EF4-FFF2-40B4-BE49-F238E27FC236}">
+                <a16:creationId xmlns:a16="http://schemas.microsoft.com/office/drawing/2014/main" id="{4A658766-FBF1-8AEB-3287-6B8776C3C7FE}"/>
+              </a:ext>
+            </a:extLst>
+          </p:cNvPr>
+          <p:cNvCxnSpPr>
+            <a:cxnSpLocks/>
+            <a:endCxn id="240" idx="2"/>
+          </p:cNvCxnSpPr>
+          <p:nvPr/>
+        </p:nvCxnSpPr>
+        <p:spPr>
+          <a:xfrm>
+            <a:off x="4198833" y="4959862"/>
+            <a:ext cx="413953" cy="0"/>
+          </a:xfrm>
+          <a:prstGeom prst="straightConnector1">
+            <a:avLst/>
+          </a:prstGeom>
+          <a:ln w="0">
+            <a:solidFill>
+              <a:schemeClr val="tx1"/>
+            </a:solidFill>
+            <a:headEnd type="triangle" w="sm" len="sm"/>
+            <a:tailEnd type="triangle" w="sm" len="sm"/>
+          </a:ln>
+        </p:spPr>
+        <p:style>
+          <a:lnRef idx="1">
+            <a:schemeClr val="accent1"/>
+          </a:lnRef>
+          <a:fillRef idx="0">
+            <a:schemeClr val="accent1"/>
+          </a:fillRef>
+          <a:effectRef idx="0">
+            <a:schemeClr val="accent1"/>
+          </a:effectRef>
+          <a:fontRef idx="minor">
+            <a:schemeClr val="tx1"/>
+          </a:fontRef>
+        </p:style>
+      </p:cxnSp>
+      <p:cxnSp>
+        <p:nvCxnSpPr>
+          <p:cNvPr id="263" name="Straight Arrow Connector 262">
+            <a:extLst>
+              <a:ext uri="{FF2B5EF4-FFF2-40B4-BE49-F238E27FC236}">
+                <a16:creationId xmlns:a16="http://schemas.microsoft.com/office/drawing/2014/main" id="{4C943D04-2119-EDDB-2436-590B42B1B099}"/>
+              </a:ext>
+            </a:extLst>
+          </p:cNvPr>
+          <p:cNvCxnSpPr>
+            <a:cxnSpLocks/>
+            <a:stCxn id="239" idx="6"/>
+            <a:endCxn id="242" idx="2"/>
+          </p:cNvCxnSpPr>
+          <p:nvPr/>
+        </p:nvCxnSpPr>
+        <p:spPr>
+          <a:xfrm flipV="1">
+            <a:off x="4282454" y="5188716"/>
+            <a:ext cx="413953" cy="46152"/>
+          </a:xfrm>
+          <a:prstGeom prst="straightConnector1">
+            <a:avLst/>
+          </a:prstGeom>
+          <a:ln w="0">
+            <a:solidFill>
+              <a:schemeClr val="tx1"/>
+            </a:solidFill>
+            <a:headEnd type="triangle" w="sm" len="sm"/>
+            <a:tailEnd type="triangle" w="sm" len="sm"/>
+          </a:ln>
+        </p:spPr>
+        <p:style>
+          <a:lnRef idx="1">
+            <a:schemeClr val="accent1"/>
+          </a:lnRef>
+          <a:fillRef idx="0">
+            <a:schemeClr val="accent1"/>
+          </a:fillRef>
+          <a:effectRef idx="0">
+            <a:schemeClr val="accent1"/>
+          </a:effectRef>
+          <a:fontRef idx="minor">
+            <a:schemeClr val="tx1"/>
+          </a:fontRef>
+        </p:style>
+      </p:cxnSp>
+      <p:cxnSp>
+        <p:nvCxnSpPr>
+          <p:cNvPr id="264" name="Straight Arrow Connector 263">
+            <a:extLst>
+              <a:ext uri="{FF2B5EF4-FFF2-40B4-BE49-F238E27FC236}">
+                <a16:creationId xmlns:a16="http://schemas.microsoft.com/office/drawing/2014/main" id="{A719E61C-D34C-8EAA-AB11-F3A633D6633A}"/>
+              </a:ext>
+            </a:extLst>
+          </p:cNvPr>
+          <p:cNvCxnSpPr>
+            <a:cxnSpLocks/>
+            <a:stCxn id="240" idx="4"/>
+            <a:endCxn id="242" idx="0"/>
+          </p:cNvCxnSpPr>
+          <p:nvPr/>
+        </p:nvCxnSpPr>
+        <p:spPr>
+          <a:xfrm>
+            <a:off x="4648786" y="4995862"/>
+            <a:ext cx="83621" cy="156854"/>
+          </a:xfrm>
+          <a:prstGeom prst="straightConnector1">
+            <a:avLst/>
+          </a:prstGeom>
+          <a:ln w="0">
+            <a:solidFill>
+              <a:schemeClr val="tx1"/>
+            </a:solidFill>
+            <a:headEnd type="triangle" w="sm" len="sm"/>
+            <a:tailEnd type="triangle" w="sm" len="sm"/>
+          </a:ln>
+        </p:spPr>
+        <p:style>
+          <a:lnRef idx="1">
+            <a:schemeClr val="accent1"/>
+          </a:lnRef>
+          <a:fillRef idx="0">
+            <a:schemeClr val="accent1"/>
+          </a:fillRef>
+          <a:effectRef idx="0">
+            <a:schemeClr val="accent1"/>
+          </a:effectRef>
+          <a:fontRef idx="minor">
+            <a:schemeClr val="tx1"/>
+          </a:fontRef>
+        </p:style>
+      </p:cxnSp>
+      <p:cxnSp>
+        <p:nvCxnSpPr>
+          <p:cNvPr id="265" name="Straight Arrow Connector 264">
+            <a:extLst>
+              <a:ext uri="{FF2B5EF4-FFF2-40B4-BE49-F238E27FC236}">
+                <a16:creationId xmlns:a16="http://schemas.microsoft.com/office/drawing/2014/main" id="{D6636668-C688-0C41-6CC8-5F00E6ED1679}"/>
+              </a:ext>
+            </a:extLst>
+          </p:cNvPr>
+          <p:cNvCxnSpPr>
+            <a:cxnSpLocks/>
+            <a:stCxn id="244" idx="5"/>
+            <a:endCxn id="240" idx="1"/>
+          </p:cNvCxnSpPr>
+          <p:nvPr/>
+        </p:nvCxnSpPr>
+        <p:spPr>
+          <a:xfrm>
+            <a:off x="4500072" y="4790533"/>
+            <a:ext cx="123258" cy="143873"/>
+          </a:xfrm>
+          <a:prstGeom prst="straightConnector1">
+            <a:avLst/>
+          </a:prstGeom>
+          <a:ln w="0">
+            <a:solidFill>
+              <a:schemeClr val="tx1"/>
+            </a:solidFill>
+            <a:headEnd type="triangle" w="sm" len="sm"/>
+            <a:tailEnd type="triangle" w="sm" len="sm"/>
+          </a:ln>
+        </p:spPr>
+        <p:style>
+          <a:lnRef idx="1">
+            <a:schemeClr val="accent1"/>
+          </a:lnRef>
+          <a:fillRef idx="0">
+            <a:schemeClr val="accent1"/>
+          </a:fillRef>
+          <a:effectRef idx="0">
+            <a:schemeClr val="accent1"/>
+          </a:effectRef>
+          <a:fontRef idx="minor">
+            <a:schemeClr val="tx1"/>
+          </a:fontRef>
+        </p:style>
+      </p:cxnSp>
+      <p:cxnSp>
+        <p:nvCxnSpPr>
+          <p:cNvPr id="266" name="Straight Arrow Connector 265">
+            <a:extLst>
+              <a:ext uri="{FF2B5EF4-FFF2-40B4-BE49-F238E27FC236}">
+                <a16:creationId xmlns:a16="http://schemas.microsoft.com/office/drawing/2014/main" id="{A61B2932-2517-B7FF-5C0A-7E06EBF18AD8}"/>
+              </a:ext>
+            </a:extLst>
+          </p:cNvPr>
+          <p:cNvCxnSpPr>
+            <a:cxnSpLocks/>
+            <a:stCxn id="244" idx="6"/>
+            <a:endCxn id="241" idx="2"/>
+          </p:cNvCxnSpPr>
+          <p:nvPr/>
+        </p:nvCxnSpPr>
+        <p:spPr>
+          <a:xfrm>
+            <a:off x="4510616" y="4765077"/>
+            <a:ext cx="400836" cy="0"/>
+          </a:xfrm>
+          <a:prstGeom prst="straightConnector1">
+            <a:avLst/>
+          </a:prstGeom>
+          <a:ln w="0">
+            <a:solidFill>
+              <a:schemeClr val="tx1"/>
+            </a:solidFill>
+            <a:headEnd type="triangle" w="sm" len="sm"/>
+            <a:tailEnd type="triangle" w="sm" len="sm"/>
+          </a:ln>
+        </p:spPr>
+        <p:style>
+          <a:lnRef idx="1">
+            <a:schemeClr val="accent1"/>
+          </a:lnRef>
+          <a:fillRef idx="0">
+            <a:schemeClr val="accent1"/>
+          </a:fillRef>
+          <a:effectRef idx="0">
+            <a:schemeClr val="accent1"/>
+          </a:effectRef>
+          <a:fontRef idx="minor">
+            <a:schemeClr val="tx1"/>
+          </a:fontRef>
+        </p:style>
+      </p:cxnSp>
+      <p:cxnSp>
+        <p:nvCxnSpPr>
+          <p:cNvPr id="267" name="Straight Arrow Connector 266">
+            <a:extLst>
+              <a:ext uri="{FF2B5EF4-FFF2-40B4-BE49-F238E27FC236}">
+                <a16:creationId xmlns:a16="http://schemas.microsoft.com/office/drawing/2014/main" id="{5FD60B5A-058F-06BA-8575-DD87A4E58A98}"/>
+              </a:ext>
+            </a:extLst>
+          </p:cNvPr>
+          <p:cNvCxnSpPr>
+            <a:cxnSpLocks/>
+            <a:stCxn id="242" idx="6"/>
+            <a:endCxn id="245" idx="2"/>
+          </p:cNvCxnSpPr>
+          <p:nvPr/>
+        </p:nvCxnSpPr>
+        <p:spPr>
+          <a:xfrm>
+            <a:off x="4768407" y="5188716"/>
+            <a:ext cx="583177" cy="49818"/>
+          </a:xfrm>
+          <a:prstGeom prst="straightConnector1">
+            <a:avLst/>
+          </a:prstGeom>
+          <a:ln w="0">
+            <a:solidFill>
+              <a:schemeClr val="tx1"/>
+            </a:solidFill>
+            <a:headEnd type="triangle" w="sm" len="sm"/>
+            <a:tailEnd type="triangle" w="sm" len="sm"/>
+          </a:ln>
+        </p:spPr>
+        <p:style>
+          <a:lnRef idx="1">
+            <a:schemeClr val="accent1"/>
+          </a:lnRef>
+          <a:fillRef idx="0">
+            <a:schemeClr val="accent1"/>
+          </a:fillRef>
+          <a:effectRef idx="0">
+            <a:schemeClr val="accent1"/>
+          </a:effectRef>
+          <a:fontRef idx="minor">
+            <a:schemeClr val="tx1"/>
+          </a:fontRef>
+        </p:style>
+      </p:cxnSp>
+      <p:cxnSp>
+        <p:nvCxnSpPr>
+          <p:cNvPr id="268" name="Straight Arrow Connector 267">
+            <a:extLst>
+              <a:ext uri="{FF2B5EF4-FFF2-40B4-BE49-F238E27FC236}">
+                <a16:creationId xmlns:a16="http://schemas.microsoft.com/office/drawing/2014/main" id="{82DCA21D-7F45-96FC-3A2C-3DB11E038BE5}"/>
+              </a:ext>
+            </a:extLst>
+          </p:cNvPr>
+          <p:cNvCxnSpPr>
+            <a:cxnSpLocks/>
+            <a:stCxn id="243" idx="5"/>
+            <a:endCxn id="245" idx="0"/>
+          </p:cNvCxnSpPr>
+          <p:nvPr/>
+        </p:nvCxnSpPr>
+        <p:spPr>
+          <a:xfrm>
+            <a:off x="5044960" y="4988984"/>
+            <a:ext cx="342624" cy="213550"/>
+          </a:xfrm>
+          <a:prstGeom prst="straightConnector1">
+            <a:avLst/>
+          </a:prstGeom>
+          <a:ln w="0">
+            <a:solidFill>
+              <a:schemeClr val="tx1"/>
+            </a:solidFill>
+            <a:headEnd type="triangle" w="sm" len="sm"/>
+            <a:tailEnd type="triangle" w="sm" len="sm"/>
+          </a:ln>
+        </p:spPr>
+        <p:style>
+          <a:lnRef idx="1">
+            <a:schemeClr val="accent1"/>
+          </a:lnRef>
+          <a:fillRef idx="0">
+            <a:schemeClr val="accent1"/>
+          </a:fillRef>
+          <a:effectRef idx="0">
+            <a:schemeClr val="accent1"/>
+          </a:effectRef>
+          <a:fontRef idx="minor">
+            <a:schemeClr val="tx1"/>
+          </a:fontRef>
+        </p:style>
+      </p:cxnSp>
+      <p:cxnSp>
+        <p:nvCxnSpPr>
+          <p:cNvPr id="269" name="Straight Arrow Connector 268">
+            <a:extLst>
+              <a:ext uri="{FF2B5EF4-FFF2-40B4-BE49-F238E27FC236}">
+                <a16:creationId xmlns:a16="http://schemas.microsoft.com/office/drawing/2014/main" id="{831CF890-6266-714B-16D8-B0D9F87CC7EE}"/>
+              </a:ext>
+            </a:extLst>
+          </p:cNvPr>
+          <p:cNvCxnSpPr>
+            <a:cxnSpLocks/>
+            <a:stCxn id="243" idx="3"/>
+            <a:endCxn id="242" idx="7"/>
+          </p:cNvCxnSpPr>
+          <p:nvPr/>
+        </p:nvCxnSpPr>
+        <p:spPr>
+          <a:xfrm flipH="1">
+            <a:off x="4757863" y="4988984"/>
+            <a:ext cx="236185" cy="174276"/>
+          </a:xfrm>
+          <a:prstGeom prst="straightConnector1">
+            <a:avLst/>
+          </a:prstGeom>
+          <a:ln w="0">
+            <a:solidFill>
+              <a:schemeClr val="tx1"/>
+            </a:solidFill>
+            <a:headEnd type="triangle" w="sm" len="sm"/>
+            <a:tailEnd type="triangle" w="sm" len="sm"/>
+          </a:ln>
+        </p:spPr>
+        <p:style>
+          <a:lnRef idx="1">
+            <a:schemeClr val="accent1"/>
+          </a:lnRef>
+          <a:fillRef idx="0">
+            <a:schemeClr val="accent1"/>
+          </a:fillRef>
+          <a:effectRef idx="0">
+            <a:schemeClr val="accent1"/>
+          </a:effectRef>
+          <a:fontRef idx="minor">
+            <a:schemeClr val="tx1"/>
+          </a:fontRef>
+        </p:style>
+      </p:cxnSp>
+      <p:cxnSp>
+        <p:nvCxnSpPr>
+          <p:cNvPr id="270" name="Straight Arrow Connector 269">
+            <a:extLst>
+              <a:ext uri="{FF2B5EF4-FFF2-40B4-BE49-F238E27FC236}">
+                <a16:creationId xmlns:a16="http://schemas.microsoft.com/office/drawing/2014/main" id="{0CC79FEE-0F88-B306-7CE9-53B064F71876}"/>
+              </a:ext>
+            </a:extLst>
+          </p:cNvPr>
+          <p:cNvCxnSpPr>
+            <a:cxnSpLocks/>
+            <a:stCxn id="243" idx="1"/>
+            <a:endCxn id="241" idx="4"/>
+          </p:cNvCxnSpPr>
+          <p:nvPr/>
+        </p:nvCxnSpPr>
+        <p:spPr>
+          <a:xfrm flipH="1" flipV="1">
+            <a:off x="4947452" y="4801077"/>
+            <a:ext cx="46596" cy="136995"/>
+          </a:xfrm>
+          <a:prstGeom prst="straightConnector1">
+            <a:avLst/>
+          </a:prstGeom>
+          <a:ln w="0">
+            <a:solidFill>
+              <a:schemeClr val="tx1"/>
+            </a:solidFill>
+            <a:headEnd type="triangle" w="sm" len="sm"/>
+            <a:tailEnd type="triangle" w="sm" len="sm"/>
+          </a:ln>
+        </p:spPr>
+        <p:style>
+          <a:lnRef idx="1">
+            <a:schemeClr val="accent1"/>
+          </a:lnRef>
+          <a:fillRef idx="0">
+            <a:schemeClr val="accent1"/>
+          </a:fillRef>
+          <a:effectRef idx="0">
+            <a:schemeClr val="accent1"/>
+          </a:effectRef>
+          <a:fontRef idx="minor">
+            <a:schemeClr val="tx1"/>
+          </a:fontRef>
+        </p:style>
+      </p:cxnSp>
+      <p:cxnSp>
+        <p:nvCxnSpPr>
+          <p:cNvPr id="271" name="Straight Arrow Connector 270">
+            <a:extLst>
+              <a:ext uri="{FF2B5EF4-FFF2-40B4-BE49-F238E27FC236}">
+                <a16:creationId xmlns:a16="http://schemas.microsoft.com/office/drawing/2014/main" id="{D07F7152-1B15-9F83-08F2-6FC43FFF403C}"/>
+              </a:ext>
+            </a:extLst>
+          </p:cNvPr>
+          <p:cNvCxnSpPr>
+            <a:cxnSpLocks/>
+            <a:stCxn id="247" idx="2"/>
+            <a:endCxn id="241" idx="6"/>
+          </p:cNvCxnSpPr>
+          <p:nvPr/>
+        </p:nvCxnSpPr>
+        <p:spPr>
+          <a:xfrm flipH="1" flipV="1">
+            <a:off x="4983452" y="4765077"/>
+            <a:ext cx="1069130" cy="3666"/>
+          </a:xfrm>
+          <a:prstGeom prst="straightConnector1">
+            <a:avLst/>
+          </a:prstGeom>
+          <a:ln w="0">
+            <a:solidFill>
+              <a:schemeClr val="tx1"/>
+            </a:solidFill>
+            <a:headEnd type="triangle" w="sm" len="sm"/>
+            <a:tailEnd type="triangle" w="sm" len="sm"/>
+          </a:ln>
+        </p:spPr>
+        <p:style>
+          <a:lnRef idx="1">
+            <a:schemeClr val="accent1"/>
+          </a:lnRef>
+          <a:fillRef idx="0">
+            <a:schemeClr val="accent1"/>
+          </a:fillRef>
+          <a:effectRef idx="0">
+            <a:schemeClr val="accent1"/>
+          </a:effectRef>
+          <a:fontRef idx="minor">
+            <a:schemeClr val="tx1"/>
+          </a:fontRef>
+        </p:style>
+      </p:cxnSp>
+      <p:cxnSp>
+        <p:nvCxnSpPr>
+          <p:cNvPr id="272" name="Straight Arrow Connector 271">
+            <a:extLst>
+              <a:ext uri="{FF2B5EF4-FFF2-40B4-BE49-F238E27FC236}">
+                <a16:creationId xmlns:a16="http://schemas.microsoft.com/office/drawing/2014/main" id="{4E3ADCE1-E618-F75E-701A-D7D59B3550BC}"/>
+              </a:ext>
+            </a:extLst>
+          </p:cNvPr>
+          <p:cNvCxnSpPr>
+            <a:cxnSpLocks/>
+            <a:stCxn id="247" idx="3"/>
+            <a:endCxn id="246" idx="7"/>
+          </p:cNvCxnSpPr>
+          <p:nvPr/>
+        </p:nvCxnSpPr>
+        <p:spPr>
+          <a:xfrm flipH="1">
+            <a:off x="5815372" y="4794199"/>
+            <a:ext cx="247754" cy="143873"/>
+          </a:xfrm>
+          <a:prstGeom prst="straightConnector1">
+            <a:avLst/>
+          </a:prstGeom>
+          <a:ln w="0">
+            <a:solidFill>
+              <a:schemeClr val="tx1"/>
+            </a:solidFill>
+            <a:headEnd type="triangle" w="sm" len="sm"/>
+            <a:tailEnd type="triangle" w="sm" len="sm"/>
+          </a:ln>
+        </p:spPr>
+        <p:style>
+          <a:lnRef idx="1">
+            <a:schemeClr val="accent1"/>
+          </a:lnRef>
+          <a:fillRef idx="0">
+            <a:schemeClr val="accent1"/>
+          </a:fillRef>
+          <a:effectRef idx="0">
+            <a:schemeClr val="accent1"/>
+          </a:effectRef>
+          <a:fontRef idx="minor">
+            <a:schemeClr val="tx1"/>
+          </a:fontRef>
+        </p:style>
+      </p:cxnSp>
+      <p:cxnSp>
+        <p:nvCxnSpPr>
+          <p:cNvPr id="273" name="Straight Arrow Connector 272">
+            <a:extLst>
+              <a:ext uri="{FF2B5EF4-FFF2-40B4-BE49-F238E27FC236}">
+                <a16:creationId xmlns:a16="http://schemas.microsoft.com/office/drawing/2014/main" id="{71BB03BD-2C2D-BACA-A7BD-6237342EA54C}"/>
+              </a:ext>
+            </a:extLst>
+          </p:cNvPr>
+          <p:cNvCxnSpPr>
+            <a:cxnSpLocks/>
+            <a:stCxn id="247" idx="3"/>
+            <a:endCxn id="248" idx="7"/>
+          </p:cNvCxnSpPr>
+          <p:nvPr/>
+        </p:nvCxnSpPr>
+        <p:spPr>
+          <a:xfrm flipH="1">
+            <a:off x="5898993" y="4794199"/>
+            <a:ext cx="164133" cy="372727"/>
+          </a:xfrm>
+          <a:prstGeom prst="straightConnector1">
+            <a:avLst/>
+          </a:prstGeom>
+          <a:ln w="0">
+            <a:solidFill>
+              <a:schemeClr val="tx1"/>
+            </a:solidFill>
+            <a:headEnd type="triangle" w="sm" len="sm"/>
+            <a:tailEnd type="triangle" w="sm" len="sm"/>
+          </a:ln>
+        </p:spPr>
+        <p:style>
+          <a:lnRef idx="1">
+            <a:schemeClr val="accent1"/>
+          </a:lnRef>
+          <a:fillRef idx="0">
+            <a:schemeClr val="accent1"/>
+          </a:fillRef>
+          <a:effectRef idx="0">
+            <a:schemeClr val="accent1"/>
+          </a:effectRef>
+          <a:fontRef idx="minor">
+            <a:schemeClr val="tx1"/>
+          </a:fontRef>
+        </p:style>
+      </p:cxnSp>
+      <p:cxnSp>
+        <p:nvCxnSpPr>
+          <p:cNvPr id="274" name="Straight Arrow Connector 273">
+            <a:extLst>
+              <a:ext uri="{FF2B5EF4-FFF2-40B4-BE49-F238E27FC236}">
+                <a16:creationId xmlns:a16="http://schemas.microsoft.com/office/drawing/2014/main" id="{090DCB45-BB84-1E2D-A588-9DC9C77535A0}"/>
+              </a:ext>
+            </a:extLst>
+          </p:cNvPr>
+          <p:cNvCxnSpPr>
+            <a:cxnSpLocks/>
+            <a:stCxn id="249" idx="4"/>
+            <a:endCxn id="250" idx="0"/>
+          </p:cNvCxnSpPr>
+          <p:nvPr/>
+        </p:nvCxnSpPr>
+        <p:spPr>
+          <a:xfrm>
+            <a:off x="6177634" y="5003194"/>
+            <a:ext cx="83621" cy="195674"/>
+          </a:xfrm>
+          <a:prstGeom prst="straightConnector1">
+            <a:avLst/>
+          </a:prstGeom>
+          <a:ln w="0">
+            <a:solidFill>
+              <a:schemeClr val="tx1"/>
+            </a:solidFill>
+            <a:headEnd type="triangle" w="sm" len="sm"/>
+            <a:tailEnd type="triangle" w="sm" len="sm"/>
+          </a:ln>
+        </p:spPr>
+        <p:style>
+          <a:lnRef idx="1">
+            <a:schemeClr val="accent1"/>
+          </a:lnRef>
+          <a:fillRef idx="0">
+            <a:schemeClr val="accent1"/>
+          </a:fillRef>
+          <a:effectRef idx="0">
+            <a:schemeClr val="accent1"/>
+          </a:effectRef>
+          <a:fontRef idx="minor">
+            <a:schemeClr val="tx1"/>
+          </a:fontRef>
+        </p:style>
+      </p:cxnSp>
+      <p:cxnSp>
+        <p:nvCxnSpPr>
+          <p:cNvPr id="275" name="Straight Arrow Connector 274">
+            <a:extLst>
+              <a:ext uri="{FF2B5EF4-FFF2-40B4-BE49-F238E27FC236}">
+                <a16:creationId xmlns:a16="http://schemas.microsoft.com/office/drawing/2014/main" id="{C5C7C639-282E-C059-06D9-55292D2DF72C}"/>
+              </a:ext>
+            </a:extLst>
+          </p:cNvPr>
+          <p:cNvCxnSpPr>
+            <a:cxnSpLocks/>
+            <a:stCxn id="248" idx="6"/>
+            <a:endCxn id="250" idx="2"/>
+          </p:cNvCxnSpPr>
+          <p:nvPr/>
+        </p:nvCxnSpPr>
+        <p:spPr>
+          <a:xfrm>
+            <a:off x="5909537" y="5192382"/>
+            <a:ext cx="315718" cy="42486"/>
+          </a:xfrm>
+          <a:prstGeom prst="straightConnector1">
+            <a:avLst/>
+          </a:prstGeom>
+          <a:ln w="0">
+            <a:solidFill>
+              <a:schemeClr val="tx1"/>
+            </a:solidFill>
+            <a:headEnd type="triangle" w="sm" len="sm"/>
+            <a:tailEnd type="triangle" w="sm" len="sm"/>
+          </a:ln>
+        </p:spPr>
+        <p:style>
+          <a:lnRef idx="1">
+            <a:schemeClr val="accent1"/>
+          </a:lnRef>
+          <a:fillRef idx="0">
+            <a:schemeClr val="accent1"/>
+          </a:fillRef>
+          <a:effectRef idx="0">
+            <a:schemeClr val="accent1"/>
+          </a:effectRef>
+          <a:fontRef idx="minor">
+            <a:schemeClr val="tx1"/>
+          </a:fontRef>
+        </p:style>
+      </p:cxnSp>
+      <p:cxnSp>
+        <p:nvCxnSpPr>
+          <p:cNvPr id="276" name="Straight Arrow Connector 275">
+            <a:extLst>
+              <a:ext uri="{FF2B5EF4-FFF2-40B4-BE49-F238E27FC236}">
+                <a16:creationId xmlns:a16="http://schemas.microsoft.com/office/drawing/2014/main" id="{4FC490A2-B2E5-7CFE-82AD-2636774607CF}"/>
+              </a:ext>
+            </a:extLst>
+          </p:cNvPr>
+          <p:cNvCxnSpPr>
+            <a:cxnSpLocks/>
+            <a:stCxn id="250" idx="6"/>
+            <a:endCxn id="253" idx="2"/>
+          </p:cNvCxnSpPr>
+          <p:nvPr/>
+        </p:nvCxnSpPr>
+        <p:spPr>
+          <a:xfrm flipV="1">
+            <a:off x="6297255" y="5188716"/>
+            <a:ext cx="413953" cy="46152"/>
+          </a:xfrm>
+          <a:prstGeom prst="straightConnector1">
+            <a:avLst/>
+          </a:prstGeom>
+          <a:ln w="0">
+            <a:solidFill>
+              <a:schemeClr val="tx1"/>
+            </a:solidFill>
+            <a:headEnd type="triangle" w="sm" len="sm"/>
+            <a:tailEnd type="triangle" w="sm" len="sm"/>
+          </a:ln>
+        </p:spPr>
+        <p:style>
+          <a:lnRef idx="1">
+            <a:schemeClr val="accent1"/>
+          </a:lnRef>
+          <a:fillRef idx="0">
+            <a:schemeClr val="accent1"/>
+          </a:fillRef>
+          <a:effectRef idx="0">
+            <a:schemeClr val="accent1"/>
+          </a:effectRef>
+          <a:fontRef idx="minor">
+            <a:schemeClr val="tx1"/>
+          </a:fontRef>
+        </p:style>
+      </p:cxnSp>
+      <p:cxnSp>
+        <p:nvCxnSpPr>
+          <p:cNvPr id="277" name="Straight Arrow Connector 276">
+            <a:extLst>
+              <a:ext uri="{FF2B5EF4-FFF2-40B4-BE49-F238E27FC236}">
+                <a16:creationId xmlns:a16="http://schemas.microsoft.com/office/drawing/2014/main" id="{98994BAA-E425-4B79-E962-0A175FF76ED6}"/>
+              </a:ext>
+            </a:extLst>
+          </p:cNvPr>
+          <p:cNvCxnSpPr>
+            <a:cxnSpLocks/>
+            <a:stCxn id="253" idx="6"/>
+            <a:endCxn id="254" idx="3"/>
+          </p:cNvCxnSpPr>
+          <p:nvPr/>
+        </p:nvCxnSpPr>
+        <p:spPr>
+          <a:xfrm flipV="1">
+            <a:off x="6783208" y="4988984"/>
+            <a:ext cx="242641" cy="199732"/>
+          </a:xfrm>
+          <a:prstGeom prst="straightConnector1">
+            <a:avLst/>
+          </a:prstGeom>
+          <a:ln w="0">
+            <a:solidFill>
+              <a:schemeClr val="tx1"/>
+            </a:solidFill>
+            <a:headEnd type="triangle" w="sm" len="sm"/>
+            <a:tailEnd type="triangle" w="sm" len="sm"/>
+          </a:ln>
+        </p:spPr>
+        <p:style>
+          <a:lnRef idx="1">
+            <a:schemeClr val="accent1"/>
+          </a:lnRef>
+          <a:fillRef idx="0">
+            <a:schemeClr val="accent1"/>
+          </a:fillRef>
+          <a:effectRef idx="0">
+            <a:schemeClr val="accent1"/>
+          </a:effectRef>
+          <a:fontRef idx="minor">
+            <a:schemeClr val="tx1"/>
+          </a:fontRef>
+        </p:style>
+      </p:cxnSp>
+      <p:cxnSp>
+        <p:nvCxnSpPr>
+          <p:cNvPr id="278" name="Straight Arrow Connector 277">
+            <a:extLst>
+              <a:ext uri="{FF2B5EF4-FFF2-40B4-BE49-F238E27FC236}">
+                <a16:creationId xmlns:a16="http://schemas.microsoft.com/office/drawing/2014/main" id="{D694AAC4-51E3-DD3D-35F2-E2A014DCFA07}"/>
+              </a:ext>
+            </a:extLst>
+          </p:cNvPr>
+          <p:cNvCxnSpPr>
+            <a:cxnSpLocks/>
+            <a:stCxn id="254" idx="1"/>
+            <a:endCxn id="252" idx="4"/>
+          </p:cNvCxnSpPr>
+          <p:nvPr/>
+        </p:nvCxnSpPr>
+        <p:spPr>
+          <a:xfrm flipH="1" flipV="1">
+            <a:off x="6962253" y="4801077"/>
+            <a:ext cx="63596" cy="136995"/>
+          </a:xfrm>
+          <a:prstGeom prst="straightConnector1">
+            <a:avLst/>
+          </a:prstGeom>
+          <a:ln w="0">
+            <a:solidFill>
+              <a:schemeClr val="tx1"/>
+            </a:solidFill>
+            <a:headEnd type="triangle" w="sm" len="sm"/>
+            <a:tailEnd type="triangle" w="sm" len="sm"/>
+          </a:ln>
+        </p:spPr>
+        <p:style>
+          <a:lnRef idx="1">
+            <a:schemeClr val="accent1"/>
+          </a:lnRef>
+          <a:fillRef idx="0">
+            <a:schemeClr val="accent1"/>
+          </a:fillRef>
+          <a:effectRef idx="0">
+            <a:schemeClr val="accent1"/>
+          </a:effectRef>
+          <a:fontRef idx="minor">
+            <a:schemeClr val="tx1"/>
+          </a:fontRef>
+        </p:style>
+      </p:cxnSp>
+      <p:cxnSp>
+        <p:nvCxnSpPr>
+          <p:cNvPr id="279" name="Straight Arrow Connector 278">
+            <a:extLst>
+              <a:ext uri="{FF2B5EF4-FFF2-40B4-BE49-F238E27FC236}">
+                <a16:creationId xmlns:a16="http://schemas.microsoft.com/office/drawing/2014/main" id="{0611E2B3-74DD-B530-E70E-B1521DCF4A24}"/>
+              </a:ext>
+            </a:extLst>
+          </p:cNvPr>
+          <p:cNvCxnSpPr>
+            <a:cxnSpLocks/>
+            <a:stCxn id="254" idx="2"/>
+            <a:endCxn id="251" idx="6"/>
+          </p:cNvCxnSpPr>
+          <p:nvPr/>
+        </p:nvCxnSpPr>
+        <p:spPr>
+          <a:xfrm flipH="1" flipV="1">
+            <a:off x="6699587" y="4959862"/>
+            <a:ext cx="315718" cy="3666"/>
+          </a:xfrm>
+          <a:prstGeom prst="straightConnector1">
+            <a:avLst/>
+          </a:prstGeom>
+          <a:ln w="0">
+            <a:solidFill>
+              <a:schemeClr val="tx1"/>
+            </a:solidFill>
+            <a:headEnd type="triangle" w="sm" len="sm"/>
+            <a:tailEnd type="triangle" w="sm" len="sm"/>
+          </a:ln>
+        </p:spPr>
+        <p:style>
+          <a:lnRef idx="1">
+            <a:schemeClr val="accent1"/>
+          </a:lnRef>
+          <a:fillRef idx="0">
+            <a:schemeClr val="accent1"/>
+          </a:fillRef>
+          <a:effectRef idx="0">
+            <a:schemeClr val="accent1"/>
+          </a:effectRef>
+          <a:fontRef idx="minor">
+            <a:schemeClr val="tx1"/>
+          </a:fontRef>
+        </p:style>
+      </p:cxnSp>
+      <p:cxnSp>
+        <p:nvCxnSpPr>
+          <p:cNvPr id="280" name="Straight Arrow Connector 279">
+            <a:extLst>
+              <a:ext uri="{FF2B5EF4-FFF2-40B4-BE49-F238E27FC236}">
+                <a16:creationId xmlns:a16="http://schemas.microsoft.com/office/drawing/2014/main" id="{2EE10AE9-9E0B-966A-97EB-53B645398583}"/>
+              </a:ext>
+            </a:extLst>
+          </p:cNvPr>
+          <p:cNvCxnSpPr>
+            <a:cxnSpLocks/>
+            <a:stCxn id="251" idx="1"/>
+            <a:endCxn id="255" idx="6"/>
+          </p:cNvCxnSpPr>
+          <p:nvPr/>
+        </p:nvCxnSpPr>
+        <p:spPr>
+          <a:xfrm flipH="1" flipV="1">
+            <a:off x="6525417" y="4765077"/>
+            <a:ext cx="112714" cy="169329"/>
+          </a:xfrm>
+          <a:prstGeom prst="straightConnector1">
+            <a:avLst/>
+          </a:prstGeom>
+          <a:ln w="0">
+            <a:solidFill>
+              <a:schemeClr val="tx1"/>
+            </a:solidFill>
+            <a:headEnd type="triangle" w="sm" len="sm"/>
+            <a:tailEnd type="triangle" w="sm" len="sm"/>
+          </a:ln>
+        </p:spPr>
+        <p:style>
+          <a:lnRef idx="1">
+            <a:schemeClr val="accent1"/>
+          </a:lnRef>
+          <a:fillRef idx="0">
+            <a:schemeClr val="accent1"/>
+          </a:fillRef>
+          <a:effectRef idx="0">
+            <a:schemeClr val="accent1"/>
+          </a:effectRef>
+          <a:fontRef idx="minor">
+            <a:schemeClr val="tx1"/>
+          </a:fontRef>
+        </p:style>
+      </p:cxnSp>
+      <p:cxnSp>
+        <p:nvCxnSpPr>
+          <p:cNvPr id="281" name="Straight Arrow Connector 280">
+            <a:extLst>
+              <a:ext uri="{FF2B5EF4-FFF2-40B4-BE49-F238E27FC236}">
+                <a16:creationId xmlns:a16="http://schemas.microsoft.com/office/drawing/2014/main" id="{7ACEBEA4-465E-779B-04C4-959F7CA001B2}"/>
+              </a:ext>
+            </a:extLst>
+          </p:cNvPr>
+          <p:cNvCxnSpPr>
+            <a:cxnSpLocks/>
+            <a:stCxn id="255" idx="6"/>
+            <a:endCxn id="252" idx="2"/>
+          </p:cNvCxnSpPr>
+          <p:nvPr/>
+        </p:nvCxnSpPr>
+        <p:spPr>
+          <a:xfrm>
+            <a:off x="6525417" y="4765077"/>
+            <a:ext cx="400836" cy="0"/>
+          </a:xfrm>
+          <a:prstGeom prst="straightConnector1">
+            <a:avLst/>
+          </a:prstGeom>
+          <a:ln w="0">
+            <a:solidFill>
+              <a:schemeClr val="tx1"/>
+            </a:solidFill>
+            <a:headEnd type="triangle" w="sm" len="sm"/>
+            <a:tailEnd type="triangle" w="sm" len="sm"/>
+          </a:ln>
+        </p:spPr>
+        <p:style>
+          <a:lnRef idx="1">
+            <a:schemeClr val="accent1"/>
+          </a:lnRef>
+          <a:fillRef idx="0">
+            <a:schemeClr val="accent1"/>
+          </a:fillRef>
+          <a:effectRef idx="0">
+            <a:schemeClr val="accent1"/>
+          </a:effectRef>
+          <a:fontRef idx="minor">
+            <a:schemeClr val="tx1"/>
+          </a:fontRef>
+        </p:style>
+      </p:cxnSp>
+      <p:cxnSp>
+        <p:nvCxnSpPr>
+          <p:cNvPr id="282" name="Straight Arrow Connector 281">
+            <a:extLst>
+              <a:ext uri="{FF2B5EF4-FFF2-40B4-BE49-F238E27FC236}">
+                <a16:creationId xmlns:a16="http://schemas.microsoft.com/office/drawing/2014/main" id="{E6C7B05F-7E9C-F18C-37A9-13C98E4B7F18}"/>
+              </a:ext>
+            </a:extLst>
+          </p:cNvPr>
+          <p:cNvCxnSpPr>
+            <a:cxnSpLocks/>
+            <a:endCxn id="255" idx="2"/>
+          </p:cNvCxnSpPr>
+          <p:nvPr/>
+        </p:nvCxnSpPr>
+        <p:spPr>
+          <a:xfrm>
+            <a:off x="6141634" y="4765077"/>
+            <a:ext cx="311783" cy="0"/>
+          </a:xfrm>
+          <a:prstGeom prst="straightConnector1">
+            <a:avLst/>
+          </a:prstGeom>
+          <a:ln w="0">
+            <a:solidFill>
+              <a:schemeClr val="tx1"/>
+            </a:solidFill>
+            <a:headEnd type="triangle" w="sm" len="sm"/>
+            <a:tailEnd type="triangle" w="sm" len="sm"/>
+          </a:ln>
+        </p:spPr>
+        <p:style>
+          <a:lnRef idx="1">
+            <a:schemeClr val="accent1"/>
+          </a:lnRef>
+          <a:fillRef idx="0">
+            <a:schemeClr val="accent1"/>
+          </a:fillRef>
+          <a:effectRef idx="0">
+            <a:schemeClr val="accent1"/>
+          </a:effectRef>
+          <a:fontRef idx="minor">
+            <a:schemeClr val="tx1"/>
+          </a:fontRef>
+        </p:style>
+      </p:cxnSp>
+      <p:cxnSp>
+        <p:nvCxnSpPr>
+          <p:cNvPr id="283" name="Straight Arrow Connector 282">
+            <a:extLst>
+              <a:ext uri="{FF2B5EF4-FFF2-40B4-BE49-F238E27FC236}">
+                <a16:creationId xmlns:a16="http://schemas.microsoft.com/office/drawing/2014/main" id="{52F102A0-05E7-ED93-5518-F204CB60B9CD}"/>
+              </a:ext>
+            </a:extLst>
+          </p:cNvPr>
+          <p:cNvCxnSpPr>
+            <a:cxnSpLocks/>
+            <a:stCxn id="247" idx="4"/>
+            <a:endCxn id="249" idx="1"/>
+          </p:cNvCxnSpPr>
+          <p:nvPr/>
+        </p:nvCxnSpPr>
+        <p:spPr>
+          <a:xfrm>
+            <a:off x="6088582" y="4804743"/>
+            <a:ext cx="63596" cy="136995"/>
+          </a:xfrm>
+          <a:prstGeom prst="straightConnector1">
+            <a:avLst/>
+          </a:prstGeom>
+          <a:ln w="0">
+            <a:solidFill>
+              <a:schemeClr val="tx1"/>
+            </a:solidFill>
+            <a:headEnd type="triangle" w="sm" len="sm"/>
+            <a:tailEnd type="triangle" w="sm" len="sm"/>
+          </a:ln>
+        </p:spPr>
+        <p:style>
+          <a:lnRef idx="1">
+            <a:schemeClr val="accent1"/>
+          </a:lnRef>
+          <a:fillRef idx="0">
+            <a:schemeClr val="accent1"/>
+          </a:fillRef>
+          <a:effectRef idx="0">
+            <a:schemeClr val="accent1"/>
+          </a:effectRef>
+          <a:fontRef idx="minor">
+            <a:schemeClr val="tx1"/>
+          </a:fontRef>
+        </p:style>
+      </p:cxnSp>
+      <p:cxnSp>
+        <p:nvCxnSpPr>
+          <p:cNvPr id="284" name="Straight Arrow Connector 283">
+            <a:extLst>
+              <a:ext uri="{FF2B5EF4-FFF2-40B4-BE49-F238E27FC236}">
+                <a16:creationId xmlns:a16="http://schemas.microsoft.com/office/drawing/2014/main" id="{2BCC23E7-91DF-D88D-E279-954BF88125D4}"/>
+              </a:ext>
+            </a:extLst>
+          </p:cNvPr>
+          <p:cNvCxnSpPr>
+            <a:cxnSpLocks/>
+            <a:stCxn id="249" idx="6"/>
+            <a:endCxn id="251" idx="2"/>
+          </p:cNvCxnSpPr>
+          <p:nvPr/>
+        </p:nvCxnSpPr>
+        <p:spPr>
+          <a:xfrm flipV="1">
+            <a:off x="6213634" y="4959862"/>
+            <a:ext cx="413953" cy="7332"/>
+          </a:xfrm>
+          <a:prstGeom prst="straightConnector1">
+            <a:avLst/>
+          </a:prstGeom>
+          <a:ln w="0">
+            <a:solidFill>
+              <a:schemeClr val="tx1"/>
+            </a:solidFill>
+            <a:headEnd type="triangle" w="sm" len="sm"/>
+            <a:tailEnd type="triangle" w="sm" len="sm"/>
+          </a:ln>
+        </p:spPr>
+        <p:style>
+          <a:lnRef idx="1">
+            <a:schemeClr val="accent1"/>
+          </a:lnRef>
+          <a:fillRef idx="0">
+            <a:schemeClr val="accent1"/>
+          </a:fillRef>
+          <a:effectRef idx="0">
+            <a:schemeClr val="accent1"/>
+          </a:effectRef>
+          <a:fontRef idx="minor">
+            <a:schemeClr val="tx1"/>
+          </a:fontRef>
+        </p:style>
+      </p:cxnSp>
+      <p:cxnSp>
+        <p:nvCxnSpPr>
+          <p:cNvPr id="285" name="Straight Arrow Connector 284">
+            <a:extLst>
+              <a:ext uri="{FF2B5EF4-FFF2-40B4-BE49-F238E27FC236}">
+                <a16:creationId xmlns:a16="http://schemas.microsoft.com/office/drawing/2014/main" id="{5F0BE8C8-FC5B-5AA1-AF8B-FF659E63C5A7}"/>
+              </a:ext>
+            </a:extLst>
+          </p:cNvPr>
+          <p:cNvCxnSpPr>
+            <a:cxnSpLocks/>
+            <a:endCxn id="255" idx="4"/>
+          </p:cNvCxnSpPr>
+          <p:nvPr/>
+        </p:nvCxnSpPr>
+        <p:spPr>
+          <a:xfrm flipV="1">
+            <a:off x="6209991" y="4801077"/>
+            <a:ext cx="279426" cy="156780"/>
+          </a:xfrm>
+          <a:prstGeom prst="straightConnector1">
+            <a:avLst/>
+          </a:prstGeom>
+          <a:ln w="0">
+            <a:solidFill>
+              <a:schemeClr val="tx1"/>
+            </a:solidFill>
+            <a:headEnd type="triangle" w="sm" len="sm"/>
+            <a:tailEnd type="triangle" w="sm" len="sm"/>
+          </a:ln>
+        </p:spPr>
+        <p:style>
+          <a:lnRef idx="1">
+            <a:schemeClr val="accent1"/>
+          </a:lnRef>
+          <a:fillRef idx="0">
+            <a:schemeClr val="accent1"/>
+          </a:fillRef>
+          <a:effectRef idx="0">
+            <a:schemeClr val="accent1"/>
+          </a:effectRef>
+          <a:fontRef idx="minor">
+            <a:schemeClr val="tx1"/>
+          </a:fontRef>
+        </p:style>
+      </p:cxnSp>
+      <p:cxnSp>
+        <p:nvCxnSpPr>
+          <p:cNvPr id="286" name="Straight Arrow Connector 285">
+            <a:extLst>
+              <a:ext uri="{FF2B5EF4-FFF2-40B4-BE49-F238E27FC236}">
+                <a16:creationId xmlns:a16="http://schemas.microsoft.com/office/drawing/2014/main" id="{DA4C8FC3-DF2D-8837-D777-21B4B1B5CB00}"/>
+              </a:ext>
+            </a:extLst>
+          </p:cNvPr>
+          <p:cNvCxnSpPr>
+            <a:cxnSpLocks/>
+            <a:stCxn id="246" idx="2"/>
+            <a:endCxn id="243" idx="6"/>
+          </p:cNvCxnSpPr>
+          <p:nvPr/>
+        </p:nvCxnSpPr>
+        <p:spPr>
+          <a:xfrm flipH="1">
+            <a:off x="5055504" y="4963528"/>
+            <a:ext cx="698412" cy="0"/>
+          </a:xfrm>
+          <a:prstGeom prst="straightConnector1">
+            <a:avLst/>
+          </a:prstGeom>
+          <a:ln w="0">
+            <a:solidFill>
+              <a:schemeClr val="tx1"/>
+            </a:solidFill>
+            <a:headEnd type="triangle" w="sm" len="sm"/>
+            <a:tailEnd type="triangle" w="sm" len="sm"/>
+          </a:ln>
+        </p:spPr>
+        <p:style>
+          <a:lnRef idx="1">
+            <a:schemeClr val="accent1"/>
+          </a:lnRef>
+          <a:fillRef idx="0">
+            <a:schemeClr val="accent1"/>
+          </a:fillRef>
+          <a:effectRef idx="0">
+            <a:schemeClr val="accent1"/>
+          </a:effectRef>
+          <a:fontRef idx="minor">
+            <a:schemeClr val="tx1"/>
+          </a:fontRef>
+        </p:style>
+      </p:cxnSp>
+      <p:cxnSp>
+        <p:nvCxnSpPr>
+          <p:cNvPr id="287" name="Straight Arrow Connector 286">
+            <a:extLst>
+              <a:ext uri="{FF2B5EF4-FFF2-40B4-BE49-F238E27FC236}">
+                <a16:creationId xmlns:a16="http://schemas.microsoft.com/office/drawing/2014/main" id="{8052136A-147A-B416-BC95-8C80A4140790}"/>
+              </a:ext>
+            </a:extLst>
+          </p:cNvPr>
+          <p:cNvCxnSpPr>
+            <a:cxnSpLocks/>
+            <a:stCxn id="246" idx="3"/>
+            <a:endCxn id="245" idx="7"/>
+          </p:cNvCxnSpPr>
+          <p:nvPr/>
+        </p:nvCxnSpPr>
+        <p:spPr>
+          <a:xfrm flipH="1">
+            <a:off x="5413040" y="4988984"/>
+            <a:ext cx="351420" cy="224094"/>
+          </a:xfrm>
+          <a:prstGeom prst="straightConnector1">
+            <a:avLst/>
+          </a:prstGeom>
+          <a:ln w="0">
+            <a:solidFill>
+              <a:schemeClr val="tx1"/>
+            </a:solidFill>
+            <a:headEnd type="triangle" w="sm" len="sm"/>
+            <a:tailEnd type="triangle" w="sm" len="sm"/>
+          </a:ln>
+        </p:spPr>
+        <p:style>
+          <a:lnRef idx="1">
+            <a:schemeClr val="accent1"/>
+          </a:lnRef>
+          <a:fillRef idx="0">
+            <a:schemeClr val="accent1"/>
+          </a:fillRef>
+          <a:effectRef idx="0">
+            <a:schemeClr val="accent1"/>
+          </a:effectRef>
+          <a:fontRef idx="minor">
+            <a:schemeClr val="tx1"/>
+          </a:fontRef>
+        </p:style>
+      </p:cxnSp>
+      <p:cxnSp>
+        <p:nvCxnSpPr>
+          <p:cNvPr id="288" name="Straight Arrow Connector 287">
+            <a:extLst>
+              <a:ext uri="{FF2B5EF4-FFF2-40B4-BE49-F238E27FC236}">
+                <a16:creationId xmlns:a16="http://schemas.microsoft.com/office/drawing/2014/main" id="{3DABB44C-94F9-AA62-CF3A-DE43D01CB0A9}"/>
+              </a:ext>
+            </a:extLst>
+          </p:cNvPr>
+          <p:cNvCxnSpPr>
+            <a:cxnSpLocks/>
+            <a:stCxn id="246" idx="4"/>
+            <a:endCxn id="248" idx="1"/>
+          </p:cNvCxnSpPr>
+          <p:nvPr/>
+        </p:nvCxnSpPr>
+        <p:spPr>
+          <a:xfrm>
+            <a:off x="5789916" y="4999528"/>
+            <a:ext cx="58165" cy="167398"/>
+          </a:xfrm>
+          <a:prstGeom prst="straightConnector1">
+            <a:avLst/>
+          </a:prstGeom>
+          <a:ln w="0">
+            <a:solidFill>
+              <a:schemeClr val="tx1"/>
+            </a:solidFill>
+            <a:headEnd type="triangle" w="sm" len="sm"/>
+            <a:tailEnd type="triangle" w="sm" len="sm"/>
+          </a:ln>
+        </p:spPr>
+        <p:style>
+          <a:lnRef idx="1">
+            <a:schemeClr val="accent1"/>
+          </a:lnRef>
+          <a:fillRef idx="0">
+            <a:schemeClr val="accent1"/>
+          </a:fillRef>
+          <a:effectRef idx="0">
+            <a:schemeClr val="accent1"/>
+          </a:effectRef>
+          <a:fontRef idx="minor">
+            <a:schemeClr val="tx1"/>
+          </a:fontRef>
+        </p:style>
+      </p:cxnSp>
+      <p:cxnSp>
+        <p:nvCxnSpPr>
+          <p:cNvPr id="289" name="Straight Arrow Connector 288">
+            <a:extLst>
+              <a:ext uri="{FF2B5EF4-FFF2-40B4-BE49-F238E27FC236}">
+                <a16:creationId xmlns:a16="http://schemas.microsoft.com/office/drawing/2014/main" id="{F7E52C4A-50CF-9BA8-EA3A-22F29A652B10}"/>
+              </a:ext>
+            </a:extLst>
+          </p:cNvPr>
+          <p:cNvCxnSpPr>
+            <a:cxnSpLocks/>
+            <a:stCxn id="241" idx="4"/>
+            <a:endCxn id="246" idx="1"/>
+          </p:cNvCxnSpPr>
+          <p:nvPr/>
+        </p:nvCxnSpPr>
+        <p:spPr>
+          <a:xfrm>
+            <a:off x="4947452" y="4801077"/>
+            <a:ext cx="817008" cy="136995"/>
+          </a:xfrm>
+          <a:prstGeom prst="straightConnector1">
+            <a:avLst/>
+          </a:prstGeom>
+          <a:ln w="0">
+            <a:solidFill>
+              <a:schemeClr val="tx1"/>
+            </a:solidFill>
+            <a:headEnd type="triangle" w="sm" len="sm"/>
+            <a:tailEnd type="triangle" w="sm" len="sm"/>
+          </a:ln>
+        </p:spPr>
+        <p:style>
+          <a:lnRef idx="1">
+            <a:schemeClr val="accent1"/>
+          </a:lnRef>
+          <a:fillRef idx="0">
+            <a:schemeClr val="accent1"/>
+          </a:fillRef>
+          <a:effectRef idx="0">
+            <a:schemeClr val="accent1"/>
+          </a:effectRef>
+          <a:fontRef idx="minor">
+            <a:schemeClr val="tx1"/>
+          </a:fontRef>
+        </p:style>
+      </p:cxnSp>
+      <p:cxnSp>
+        <p:nvCxnSpPr>
+          <p:cNvPr id="290" name="Straight Arrow Connector 289">
+            <a:extLst>
+              <a:ext uri="{FF2B5EF4-FFF2-40B4-BE49-F238E27FC236}">
+                <a16:creationId xmlns:a16="http://schemas.microsoft.com/office/drawing/2014/main" id="{85B028E5-1C08-9302-3D33-B13C0EA95FDC}"/>
+              </a:ext>
+            </a:extLst>
+          </p:cNvPr>
+          <p:cNvCxnSpPr>
+            <a:cxnSpLocks/>
+            <a:stCxn id="240" idx="6"/>
+            <a:endCxn id="243" idx="2"/>
+          </p:cNvCxnSpPr>
+          <p:nvPr/>
+        </p:nvCxnSpPr>
+        <p:spPr>
+          <a:xfrm>
+            <a:off x="4684786" y="4959862"/>
+            <a:ext cx="298718" cy="3666"/>
+          </a:xfrm>
+          <a:prstGeom prst="straightConnector1">
+            <a:avLst/>
+          </a:prstGeom>
+          <a:ln w="0">
+            <a:solidFill>
+              <a:schemeClr val="tx1"/>
+            </a:solidFill>
+            <a:headEnd type="triangle" w="sm" len="sm"/>
+            <a:tailEnd type="triangle" w="sm" len="sm"/>
+          </a:ln>
+        </p:spPr>
+        <p:style>
+          <a:lnRef idx="1">
+            <a:schemeClr val="accent1"/>
+          </a:lnRef>
+          <a:fillRef idx="0">
+            <a:schemeClr val="accent1"/>
+          </a:fillRef>
+          <a:effectRef idx="0">
+            <a:schemeClr val="accent1"/>
+          </a:effectRef>
+          <a:fontRef idx="minor">
+            <a:schemeClr val="tx1"/>
+          </a:fontRef>
+        </p:style>
+      </p:cxnSp>
+      <p:cxnSp>
+        <p:nvCxnSpPr>
+          <p:cNvPr id="291" name="Straight Arrow Connector 290">
+            <a:extLst>
+              <a:ext uri="{FF2B5EF4-FFF2-40B4-BE49-F238E27FC236}">
+                <a16:creationId xmlns:a16="http://schemas.microsoft.com/office/drawing/2014/main" id="{CAFE9EAE-52B5-A411-0D0B-B26F577B0F82}"/>
+              </a:ext>
+            </a:extLst>
+          </p:cNvPr>
+          <p:cNvCxnSpPr>
+            <a:cxnSpLocks/>
+            <a:stCxn id="240" idx="7"/>
+            <a:endCxn id="241" idx="3"/>
+          </p:cNvCxnSpPr>
+          <p:nvPr/>
+        </p:nvCxnSpPr>
+        <p:spPr>
+          <a:xfrm flipV="1">
+            <a:off x="4674242" y="4790533"/>
+            <a:ext cx="247754" cy="143873"/>
+          </a:xfrm>
+          <a:prstGeom prst="straightConnector1">
+            <a:avLst/>
+          </a:prstGeom>
+          <a:ln w="0">
+            <a:solidFill>
+              <a:schemeClr val="tx1"/>
+            </a:solidFill>
+            <a:headEnd type="triangle" w="sm" len="sm"/>
+            <a:tailEnd type="triangle" w="sm" len="sm"/>
+          </a:ln>
+        </p:spPr>
+        <p:style>
+          <a:lnRef idx="1">
+            <a:schemeClr val="accent1"/>
+          </a:lnRef>
+          <a:fillRef idx="0">
+            <a:schemeClr val="accent1"/>
+          </a:fillRef>
+          <a:effectRef idx="0">
+            <a:schemeClr val="accent1"/>
+          </a:effectRef>
+          <a:fontRef idx="minor">
+            <a:schemeClr val="tx1"/>
+          </a:fontRef>
+        </p:style>
+      </p:cxnSp>
+      <p:cxnSp>
+        <p:nvCxnSpPr>
+          <p:cNvPr id="292" name="Straight Arrow Connector 291">
+            <a:extLst>
+              <a:ext uri="{FF2B5EF4-FFF2-40B4-BE49-F238E27FC236}">
+                <a16:creationId xmlns:a16="http://schemas.microsoft.com/office/drawing/2014/main" id="{1CE3341D-2D5D-E6DC-5915-61A96928A9F4}"/>
+              </a:ext>
+            </a:extLst>
+          </p:cNvPr>
+          <p:cNvCxnSpPr>
+            <a:cxnSpLocks/>
+            <a:stCxn id="237" idx="6"/>
+            <a:endCxn id="239" idx="2"/>
+          </p:cNvCxnSpPr>
+          <p:nvPr/>
+        </p:nvCxnSpPr>
+        <p:spPr>
+          <a:xfrm>
+            <a:off x="3894736" y="5192382"/>
+            <a:ext cx="315718" cy="42486"/>
+          </a:xfrm>
+          <a:prstGeom prst="straightConnector1">
+            <a:avLst/>
+          </a:prstGeom>
+          <a:ln w="0">
+            <a:solidFill>
+              <a:schemeClr val="tx1"/>
+            </a:solidFill>
+            <a:headEnd type="triangle" w="sm" len="sm"/>
+            <a:tailEnd type="triangle" w="sm" len="sm"/>
+          </a:ln>
+        </p:spPr>
+        <p:style>
+          <a:lnRef idx="1">
+            <a:schemeClr val="accent1"/>
+          </a:lnRef>
+          <a:fillRef idx="0">
+            <a:schemeClr val="accent1"/>
+          </a:fillRef>
+          <a:effectRef idx="0">
+            <a:schemeClr val="accent1"/>
+          </a:effectRef>
+          <a:fontRef idx="minor">
+            <a:schemeClr val="tx1"/>
+          </a:fontRef>
+        </p:style>
+      </p:cxnSp>
+      <p:cxnSp>
+        <p:nvCxnSpPr>
+          <p:cNvPr id="293" name="Straight Arrow Connector 292">
+            <a:extLst>
+              <a:ext uri="{FF2B5EF4-FFF2-40B4-BE49-F238E27FC236}">
+                <a16:creationId xmlns:a16="http://schemas.microsoft.com/office/drawing/2014/main" id="{208FB6D3-111C-3E25-CF80-722FD4349C94}"/>
+              </a:ext>
+            </a:extLst>
+          </p:cNvPr>
+          <p:cNvCxnSpPr>
+            <a:cxnSpLocks/>
+            <a:stCxn id="234" idx="6"/>
+            <a:endCxn id="237" idx="2"/>
+          </p:cNvCxnSpPr>
+          <p:nvPr/>
+        </p:nvCxnSpPr>
+        <p:spPr>
+          <a:xfrm flipV="1">
+            <a:off x="3408783" y="5192382"/>
+            <a:ext cx="413953" cy="46152"/>
+          </a:xfrm>
+          <a:prstGeom prst="straightConnector1">
+            <a:avLst/>
+          </a:prstGeom>
+          <a:ln w="0">
+            <a:solidFill>
+              <a:schemeClr val="tx1"/>
+            </a:solidFill>
+            <a:headEnd type="triangle" w="sm" len="sm"/>
+            <a:tailEnd type="triangle" w="sm" len="sm"/>
+          </a:ln>
+        </p:spPr>
+        <p:style>
+          <a:lnRef idx="1">
+            <a:schemeClr val="accent1"/>
+          </a:lnRef>
+          <a:fillRef idx="0">
+            <a:schemeClr val="accent1"/>
+          </a:fillRef>
+          <a:effectRef idx="0">
+            <a:schemeClr val="accent1"/>
+          </a:effectRef>
+          <a:fontRef idx="minor">
+            <a:schemeClr val="tx1"/>
+          </a:fontRef>
+        </p:style>
+      </p:cxnSp>
+      <p:cxnSp>
+        <p:nvCxnSpPr>
+          <p:cNvPr id="294" name="Straight Arrow Connector 293">
+            <a:extLst>
+              <a:ext uri="{FF2B5EF4-FFF2-40B4-BE49-F238E27FC236}">
+                <a16:creationId xmlns:a16="http://schemas.microsoft.com/office/drawing/2014/main" id="{995AD55B-34CB-D41F-7ABF-3725C9FFB7CE}"/>
+              </a:ext>
+            </a:extLst>
+          </p:cNvPr>
+          <p:cNvCxnSpPr>
+            <a:cxnSpLocks/>
+            <a:stCxn id="237" idx="0"/>
+            <a:endCxn id="238" idx="3"/>
+          </p:cNvCxnSpPr>
+          <p:nvPr/>
+        </p:nvCxnSpPr>
+        <p:spPr>
+          <a:xfrm flipV="1">
+            <a:off x="3858736" y="4992650"/>
+            <a:ext cx="278641" cy="163732"/>
+          </a:xfrm>
+          <a:prstGeom prst="straightConnector1">
+            <a:avLst/>
+          </a:prstGeom>
+          <a:ln w="0">
+            <a:solidFill>
+              <a:schemeClr val="tx1"/>
+            </a:solidFill>
+            <a:headEnd type="triangle" w="sm" len="sm"/>
+            <a:tailEnd type="triangle" w="sm" len="sm"/>
+          </a:ln>
+        </p:spPr>
+        <p:style>
+          <a:lnRef idx="1">
+            <a:schemeClr val="accent1"/>
+          </a:lnRef>
+          <a:fillRef idx="0">
+            <a:schemeClr val="accent1"/>
+          </a:fillRef>
+          <a:effectRef idx="0">
+            <a:schemeClr val="accent1"/>
+          </a:effectRef>
+          <a:fontRef idx="minor">
+            <a:schemeClr val="tx1"/>
+          </a:fontRef>
+        </p:style>
+      </p:cxnSp>
+      <p:cxnSp>
+        <p:nvCxnSpPr>
+          <p:cNvPr id="295" name="Straight Arrow Connector 294">
+            <a:extLst>
+              <a:ext uri="{FF2B5EF4-FFF2-40B4-BE49-F238E27FC236}">
+                <a16:creationId xmlns:a16="http://schemas.microsoft.com/office/drawing/2014/main" id="{B10547B4-C75C-C468-ED1C-2C2AA848D997}"/>
+              </a:ext>
+            </a:extLst>
+          </p:cNvPr>
+          <p:cNvCxnSpPr>
+            <a:cxnSpLocks/>
+            <a:stCxn id="238" idx="7"/>
+            <a:endCxn id="244" idx="3"/>
+          </p:cNvCxnSpPr>
+          <p:nvPr/>
+        </p:nvCxnSpPr>
+        <p:spPr>
+          <a:xfrm flipV="1">
+            <a:off x="4188289" y="4790533"/>
+            <a:ext cx="260871" cy="151205"/>
+          </a:xfrm>
+          <a:prstGeom prst="straightConnector1">
+            <a:avLst/>
+          </a:prstGeom>
+          <a:ln w="0">
+            <a:solidFill>
+              <a:schemeClr val="tx1"/>
+            </a:solidFill>
+            <a:headEnd type="triangle" w="sm" len="sm"/>
+            <a:tailEnd type="triangle" w="sm" len="sm"/>
+          </a:ln>
+        </p:spPr>
+        <p:style>
+          <a:lnRef idx="1">
+            <a:schemeClr val="accent1"/>
+          </a:lnRef>
+          <a:fillRef idx="0">
+            <a:schemeClr val="accent1"/>
+          </a:fillRef>
+          <a:effectRef idx="0">
+            <a:schemeClr val="accent1"/>
+          </a:effectRef>
+          <a:fontRef idx="minor">
+            <a:schemeClr val="tx1"/>
+          </a:fontRef>
+        </p:style>
+      </p:cxnSp>
+      <p:cxnSp>
+        <p:nvCxnSpPr>
+          <p:cNvPr id="297" name="Straight Connector 296">
+            <a:extLst>
+              <a:ext uri="{FF2B5EF4-FFF2-40B4-BE49-F238E27FC236}">
+                <a16:creationId xmlns:a16="http://schemas.microsoft.com/office/drawing/2014/main" id="{B5905981-063E-A705-56AA-9428AD9CD2A1}"/>
+              </a:ext>
+            </a:extLst>
+          </p:cNvPr>
+          <p:cNvCxnSpPr/>
+          <p:nvPr/>
+        </p:nvCxnSpPr>
+        <p:spPr>
+          <a:xfrm>
+            <a:off x="2904064" y="5333931"/>
+            <a:ext cx="0" cy="769469"/>
+          </a:xfrm>
+          <a:prstGeom prst="line">
+            <a:avLst/>
+          </a:prstGeom>
+          <a:ln>
+            <a:solidFill>
+              <a:schemeClr val="tx1"/>
+            </a:solidFill>
+            <a:prstDash val="dash"/>
+          </a:ln>
+        </p:spPr>
+        <p:style>
+          <a:lnRef idx="1">
+            <a:schemeClr val="accent1"/>
+          </a:lnRef>
+          <a:fillRef idx="0">
+            <a:schemeClr val="accent1"/>
+          </a:fillRef>
+          <a:effectRef idx="0">
+            <a:schemeClr val="accent1"/>
+          </a:effectRef>
+          <a:fontRef idx="minor">
+            <a:schemeClr val="tx1"/>
+          </a:fontRef>
+        </p:style>
+      </p:cxnSp>
+      <p:cxnSp>
+        <p:nvCxnSpPr>
+          <p:cNvPr id="298" name="Straight Connector 297">
+            <a:extLst>
+              <a:ext uri="{FF2B5EF4-FFF2-40B4-BE49-F238E27FC236}">
+                <a16:creationId xmlns:a16="http://schemas.microsoft.com/office/drawing/2014/main" id="{5F214C10-38E5-D63E-0FCB-DE0C8C851092}"/>
+              </a:ext>
+            </a:extLst>
+          </p:cNvPr>
+          <p:cNvCxnSpPr>
+            <a:cxnSpLocks/>
+          </p:cNvCxnSpPr>
+          <p:nvPr/>
+        </p:nvCxnSpPr>
+        <p:spPr>
+          <a:xfrm>
+            <a:off x="2904063" y="3818132"/>
+            <a:ext cx="0" cy="1524459"/>
+          </a:xfrm>
+          <a:prstGeom prst="line">
+            <a:avLst/>
+          </a:prstGeom>
+          <a:ln>
+            <a:solidFill>
+              <a:schemeClr val="tx1"/>
+            </a:solidFill>
+            <a:prstDash val="dash"/>
+          </a:ln>
+        </p:spPr>
+        <p:style>
+          <a:lnRef idx="1">
+            <a:schemeClr val="accent1"/>
+          </a:lnRef>
+          <a:fillRef idx="0">
+            <a:schemeClr val="accent1"/>
+          </a:fillRef>
+          <a:effectRef idx="0">
+            <a:schemeClr val="accent1"/>
+          </a:effectRef>
+          <a:fontRef idx="minor">
+            <a:schemeClr val="tx1"/>
+          </a:fontRef>
+        </p:style>
+      </p:cxnSp>
+      <p:cxnSp>
+        <p:nvCxnSpPr>
+          <p:cNvPr id="299" name="Straight Connector 298">
+            <a:extLst>
+              <a:ext uri="{FF2B5EF4-FFF2-40B4-BE49-F238E27FC236}">
+                <a16:creationId xmlns:a16="http://schemas.microsoft.com/office/drawing/2014/main" id="{EE890CE2-DFF2-1EBF-D984-CAE3D0E6695D}"/>
+              </a:ext>
+            </a:extLst>
+          </p:cNvPr>
+          <p:cNvCxnSpPr>
+            <a:cxnSpLocks/>
+          </p:cNvCxnSpPr>
+          <p:nvPr/>
+        </p:nvCxnSpPr>
+        <p:spPr>
+          <a:xfrm>
+            <a:off x="7035330" y="3818132"/>
+            <a:ext cx="1686" cy="1514933"/>
+          </a:xfrm>
+          <a:prstGeom prst="line">
+            <a:avLst/>
+          </a:prstGeom>
+          <a:ln>
+            <a:solidFill>
+              <a:schemeClr val="tx1"/>
+            </a:solidFill>
+            <a:prstDash val="dash"/>
+          </a:ln>
+        </p:spPr>
+        <p:style>
+          <a:lnRef idx="1">
+            <a:schemeClr val="accent1"/>
+          </a:lnRef>
+          <a:fillRef idx="0">
+            <a:schemeClr val="accent1"/>
+          </a:fillRef>
+          <a:effectRef idx="0">
+            <a:schemeClr val="accent1"/>
+          </a:effectRef>
+          <a:fontRef idx="minor">
+            <a:schemeClr val="tx1"/>
+          </a:fontRef>
+        </p:style>
+      </p:cxnSp>
+      <p:cxnSp>
+        <p:nvCxnSpPr>
+          <p:cNvPr id="300" name="Straight Connector 299">
+            <a:extLst>
+              <a:ext uri="{FF2B5EF4-FFF2-40B4-BE49-F238E27FC236}">
+                <a16:creationId xmlns:a16="http://schemas.microsoft.com/office/drawing/2014/main" id="{43305DAF-75BF-B3ED-7EBB-1A6C3612DBB1}"/>
+              </a:ext>
+            </a:extLst>
+          </p:cNvPr>
+          <p:cNvCxnSpPr/>
+          <p:nvPr/>
+        </p:nvCxnSpPr>
+        <p:spPr>
+          <a:xfrm>
+            <a:off x="7032253" y="5318122"/>
+            <a:ext cx="0" cy="769469"/>
+          </a:xfrm>
+          <a:prstGeom prst="line">
+            <a:avLst/>
+          </a:prstGeom>
+          <a:ln>
+            <a:solidFill>
+              <a:schemeClr val="tx1"/>
+            </a:solidFill>
+            <a:prstDash val="dash"/>
+          </a:ln>
+        </p:spPr>
+        <p:style>
+          <a:lnRef idx="1">
+            <a:schemeClr val="accent1"/>
+          </a:lnRef>
+          <a:fillRef idx="0">
+            <a:schemeClr val="accent1"/>
+          </a:fillRef>
+          <a:effectRef idx="0">
+            <a:schemeClr val="accent1"/>
+          </a:effectRef>
+          <a:fontRef idx="minor">
+            <a:schemeClr val="tx1"/>
+          </a:fontRef>
+        </p:style>
+      </p:cxnSp>
+      <p:cxnSp>
+        <p:nvCxnSpPr>
+          <p:cNvPr id="301" name="Straight Connector 300">
+            <a:extLst>
+              <a:ext uri="{FF2B5EF4-FFF2-40B4-BE49-F238E27FC236}">
+                <a16:creationId xmlns:a16="http://schemas.microsoft.com/office/drawing/2014/main" id="{3674E937-30C2-E129-DFA7-7C8D52133EE7}"/>
+              </a:ext>
+            </a:extLst>
+          </p:cNvPr>
+          <p:cNvCxnSpPr/>
+          <p:nvPr/>
+        </p:nvCxnSpPr>
+        <p:spPr>
+          <a:xfrm>
+            <a:off x="8068730" y="4673073"/>
+            <a:ext cx="0" cy="769469"/>
+          </a:xfrm>
+          <a:prstGeom prst="line">
+            <a:avLst/>
+          </a:prstGeom>
+          <a:ln>
+            <a:solidFill>
+              <a:schemeClr val="tx1"/>
+            </a:solidFill>
+            <a:prstDash val="dash"/>
+          </a:ln>
+        </p:spPr>
+        <p:style>
+          <a:lnRef idx="1">
+            <a:schemeClr val="accent1"/>
+          </a:lnRef>
+          <a:fillRef idx="0">
+            <a:schemeClr val="accent1"/>
+          </a:fillRef>
+          <a:effectRef idx="0">
+            <a:schemeClr val="accent1"/>
+          </a:effectRef>
+          <a:fontRef idx="minor">
+            <a:schemeClr val="tx1"/>
+          </a:fontRef>
+        </p:style>
+      </p:cxnSp>
+      <p:cxnSp>
+        <p:nvCxnSpPr>
+          <p:cNvPr id="302" name="Straight Connector 301">
+            <a:extLst>
+              <a:ext uri="{FF2B5EF4-FFF2-40B4-BE49-F238E27FC236}">
+                <a16:creationId xmlns:a16="http://schemas.microsoft.com/office/drawing/2014/main" id="{47BE3E80-B237-F313-65E8-BADCD8E45713}"/>
+              </a:ext>
+            </a:extLst>
+          </p:cNvPr>
+          <p:cNvCxnSpPr>
+            <a:cxnSpLocks/>
+          </p:cNvCxnSpPr>
+          <p:nvPr/>
+        </p:nvCxnSpPr>
+        <p:spPr>
+          <a:xfrm>
+            <a:off x="8068730" y="3157732"/>
+            <a:ext cx="0" cy="1515341"/>
+          </a:xfrm>
+          <a:prstGeom prst="line">
+            <a:avLst/>
+          </a:prstGeom>
+          <a:ln>
+            <a:solidFill>
+              <a:schemeClr val="tx1"/>
+            </a:solidFill>
+            <a:prstDash val="dash"/>
+          </a:ln>
+        </p:spPr>
+        <p:style>
+          <a:lnRef idx="1">
+            <a:schemeClr val="accent1"/>
+          </a:lnRef>
+          <a:fillRef idx="0">
+            <a:schemeClr val="accent1"/>
+          </a:fillRef>
+          <a:effectRef idx="0">
+            <a:schemeClr val="accent1"/>
+          </a:effectRef>
+          <a:fontRef idx="minor">
+            <a:schemeClr val="tx1"/>
+          </a:fontRef>
+        </p:style>
+      </p:cxnSp>
+      <p:sp>
+        <p:nvSpPr>
+          <p:cNvPr id="234" name="Oval 233">
+            <a:extLst>
+              <a:ext uri="{FF2B5EF4-FFF2-40B4-BE49-F238E27FC236}">
+                <a16:creationId xmlns:a16="http://schemas.microsoft.com/office/drawing/2014/main" id="{FFB7B94D-F889-0D3E-1EF9-F20DF1ACE7FC}"/>
+              </a:ext>
+            </a:extLst>
+          </p:cNvPr>
+          <p:cNvSpPr/>
+          <p:nvPr/>
+        </p:nvSpPr>
+        <p:spPr>
+          <a:xfrm>
+            <a:off x="3336783" y="5202534"/>
+            <a:ext cx="72000" cy="72000"/>
+          </a:xfrm>
+          <a:prstGeom prst="ellipse">
+            <a:avLst/>
+          </a:prstGeom>
+          <a:solidFill>
+            <a:srgbClr val="FF0000"/>
+          </a:solidFill>
+          <a:ln w="0">
+            <a:solidFill>
+              <a:schemeClr val="tx1"/>
+            </a:solidFill>
+            <a:headEnd w="sm" len="sm"/>
+            <a:tailEnd type="triangle" w="sm" len="sm"/>
+          </a:ln>
+        </p:spPr>
+        <p:style>
+          <a:lnRef idx="2">
+            <a:schemeClr val="accent1">
+              <a:shade val="15000"/>
+            </a:schemeClr>
+          </a:lnRef>
+          <a:fillRef idx="1">
+            <a:schemeClr val="accent1"/>
+          </a:fillRef>
+          <a:effectRef idx="0">
+            <a:schemeClr val="accent1"/>
+          </a:effectRef>
+          <a:fontRef idx="minor">
+            <a:schemeClr val="lt1"/>
+          </a:fontRef>
+        </p:style>
+        <p:txBody>
+          <a:bodyPr rtlCol="0" anchor="ctr"/>
+          <a:lstStyle/>
+          <a:p>
+            <a:pPr algn="ctr"/>
+            <a:endParaRPr lang="en-ID"/>
+          </a:p>
+        </p:txBody>
+      </p:sp>
+      <p:sp>
+        <p:nvSpPr>
+          <p:cNvPr id="21" name="Oval 20">
+            <a:extLst>
+              <a:ext uri="{FF2B5EF4-FFF2-40B4-BE49-F238E27FC236}">
+                <a16:creationId xmlns:a16="http://schemas.microsoft.com/office/drawing/2014/main" id="{BE5D8681-431B-995E-7DFE-C2DF19700F11}"/>
+              </a:ext>
+            </a:extLst>
+          </p:cNvPr>
+          <p:cNvSpPr/>
+          <p:nvPr/>
+        </p:nvSpPr>
+        <p:spPr>
+          <a:xfrm>
+            <a:off x="3336783" y="5972003"/>
+            <a:ext cx="72000" cy="72000"/>
+          </a:xfrm>
+          <a:prstGeom prst="ellipse">
+            <a:avLst/>
+          </a:prstGeom>
+          <a:solidFill>
+            <a:srgbClr val="FF0000"/>
+          </a:solidFill>
+          <a:ln w="0">
+            <a:solidFill>
+              <a:schemeClr val="tx1"/>
+            </a:solidFill>
+            <a:headEnd w="sm" len="sm"/>
+            <a:tailEnd type="triangle" w="sm" len="sm"/>
+          </a:ln>
+        </p:spPr>
+        <p:style>
+          <a:lnRef idx="2">
+            <a:schemeClr val="accent1">
+              <a:shade val="15000"/>
+            </a:schemeClr>
+          </a:lnRef>
+          <a:fillRef idx="1">
+            <a:schemeClr val="accent1"/>
+          </a:fillRef>
+          <a:effectRef idx="0">
+            <a:schemeClr val="accent1"/>
+          </a:effectRef>
+          <a:fontRef idx="minor">
+            <a:schemeClr val="lt1"/>
+          </a:fontRef>
+        </p:style>
+        <p:txBody>
+          <a:bodyPr rtlCol="0" anchor="ctr"/>
+          <a:lstStyle/>
+          <a:p>
+            <a:pPr algn="ctr"/>
+            <a:endParaRPr lang="en-ID"/>
+          </a:p>
+        </p:txBody>
+      </p:sp>
+      <p:cxnSp>
+        <p:nvCxnSpPr>
+          <p:cNvPr id="339" name="Straight Arrow Connector 338">
+            <a:extLst>
+              <a:ext uri="{FF2B5EF4-FFF2-40B4-BE49-F238E27FC236}">
+                <a16:creationId xmlns:a16="http://schemas.microsoft.com/office/drawing/2014/main" id="{48CBF8EA-0E81-994A-F67B-1EAD4FCFB634}"/>
+              </a:ext>
+            </a:extLst>
+          </p:cNvPr>
+          <p:cNvCxnSpPr>
+            <a:cxnSpLocks/>
+            <a:stCxn id="239" idx="4"/>
+            <a:endCxn id="25" idx="7"/>
+          </p:cNvCxnSpPr>
+          <p:nvPr/>
+        </p:nvCxnSpPr>
+        <p:spPr>
+          <a:xfrm flipH="1">
+            <a:off x="4099237" y="5270868"/>
+            <a:ext cx="147217" cy="241888"/>
+          </a:xfrm>
+          <a:prstGeom prst="straightConnector1">
+            <a:avLst/>
+          </a:prstGeom>
+          <a:ln w="6350">
+            <a:solidFill>
+              <a:schemeClr val="tx1"/>
+            </a:solidFill>
+            <a:prstDash val="lgDashDot"/>
+            <a:headEnd type="triangle" w="sm" len="sm"/>
+            <a:tailEnd type="triangle" w="sm" len="sm"/>
+          </a:ln>
+        </p:spPr>
+        <p:style>
+          <a:lnRef idx="1">
+            <a:schemeClr val="accent1"/>
+          </a:lnRef>
+          <a:fillRef idx="0">
+            <a:schemeClr val="accent1"/>
+          </a:fillRef>
+          <a:effectRef idx="0">
+            <a:schemeClr val="accent1"/>
+          </a:effectRef>
+          <a:fontRef idx="minor">
+            <a:schemeClr val="tx1"/>
+          </a:fontRef>
+        </p:style>
+      </p:cxnSp>
+      <p:cxnSp>
+        <p:nvCxnSpPr>
+          <p:cNvPr id="342" name="Straight Arrow Connector 341">
+            <a:extLst>
+              <a:ext uri="{FF2B5EF4-FFF2-40B4-BE49-F238E27FC236}">
+                <a16:creationId xmlns:a16="http://schemas.microsoft.com/office/drawing/2014/main" id="{D3F1C214-9BFB-93BB-D0B9-C1057A96D739}"/>
+              </a:ext>
+            </a:extLst>
+          </p:cNvPr>
+          <p:cNvCxnSpPr>
+            <a:cxnSpLocks/>
+            <a:stCxn id="239" idx="5"/>
+            <a:endCxn id="83" idx="1"/>
+          </p:cNvCxnSpPr>
+          <p:nvPr/>
+        </p:nvCxnSpPr>
+        <p:spPr>
+          <a:xfrm>
+            <a:off x="4271910" y="5260324"/>
+            <a:ext cx="351420" cy="443551"/>
+          </a:xfrm>
+          <a:prstGeom prst="straightConnector1">
+            <a:avLst/>
+          </a:prstGeom>
+          <a:ln w="6350">
+            <a:solidFill>
+              <a:schemeClr val="tx1"/>
+            </a:solidFill>
+            <a:prstDash val="lgDashDot"/>
+            <a:headEnd type="triangle" w="sm" len="sm"/>
+            <a:tailEnd type="triangle" w="sm" len="sm"/>
+          </a:ln>
+        </p:spPr>
+        <p:style>
+          <a:lnRef idx="1">
+            <a:schemeClr val="accent1"/>
+          </a:lnRef>
+          <a:fillRef idx="0">
+            <a:schemeClr val="accent1"/>
+          </a:fillRef>
+          <a:effectRef idx="0">
+            <a:schemeClr val="accent1"/>
+          </a:effectRef>
+          <a:fontRef idx="minor">
+            <a:schemeClr val="tx1"/>
+          </a:fontRef>
+        </p:style>
+      </p:cxnSp>
+      <p:cxnSp>
+        <p:nvCxnSpPr>
+          <p:cNvPr id="345" name="Straight Arrow Connector 344">
+            <a:extLst>
+              <a:ext uri="{FF2B5EF4-FFF2-40B4-BE49-F238E27FC236}">
+                <a16:creationId xmlns:a16="http://schemas.microsoft.com/office/drawing/2014/main" id="{77205785-A7BF-8BF4-CE34-BC9B81B0C368}"/>
+              </a:ext>
+            </a:extLst>
+          </p:cNvPr>
+          <p:cNvCxnSpPr>
+            <a:cxnSpLocks/>
+            <a:stCxn id="248" idx="5"/>
+            <a:endCxn id="108" idx="1"/>
+          </p:cNvCxnSpPr>
+          <p:nvPr/>
+        </p:nvCxnSpPr>
+        <p:spPr>
+          <a:xfrm>
+            <a:off x="5898993" y="5217838"/>
+            <a:ext cx="164133" cy="294918"/>
+          </a:xfrm>
+          <a:prstGeom prst="straightConnector1">
+            <a:avLst/>
+          </a:prstGeom>
+          <a:ln w="6350">
+            <a:solidFill>
+              <a:schemeClr val="tx1"/>
+            </a:solidFill>
+            <a:prstDash val="lgDashDot"/>
+            <a:headEnd type="triangle" w="sm" len="sm"/>
+            <a:tailEnd type="triangle" w="sm" len="sm"/>
+          </a:ln>
+        </p:spPr>
+        <p:style>
+          <a:lnRef idx="1">
+            <a:schemeClr val="accent1"/>
+          </a:lnRef>
+          <a:fillRef idx="0">
+            <a:schemeClr val="accent1"/>
+          </a:fillRef>
+          <a:effectRef idx="0">
+            <a:schemeClr val="accent1"/>
+          </a:effectRef>
+          <a:fontRef idx="minor">
+            <a:schemeClr val="tx1"/>
+          </a:fontRef>
+        </p:style>
+      </p:cxnSp>
+      <p:cxnSp>
+        <p:nvCxnSpPr>
+          <p:cNvPr id="349" name="Straight Arrow Connector 348">
+            <a:extLst>
+              <a:ext uri="{FF2B5EF4-FFF2-40B4-BE49-F238E27FC236}">
+                <a16:creationId xmlns:a16="http://schemas.microsoft.com/office/drawing/2014/main" id="{586530E0-7C5C-9AED-A0D5-660E9EAE528E}"/>
+              </a:ext>
+            </a:extLst>
+          </p:cNvPr>
+          <p:cNvCxnSpPr>
+            <a:cxnSpLocks/>
+            <a:stCxn id="108" idx="7"/>
+            <a:endCxn id="251" idx="3"/>
+          </p:cNvCxnSpPr>
+          <p:nvPr/>
+        </p:nvCxnSpPr>
+        <p:spPr>
+          <a:xfrm flipV="1">
+            <a:off x="6114038" y="4985318"/>
+            <a:ext cx="524093" cy="527438"/>
+          </a:xfrm>
+          <a:prstGeom prst="straightConnector1">
+            <a:avLst/>
+          </a:prstGeom>
+          <a:ln w="6350">
+            <a:solidFill>
+              <a:schemeClr val="tx1"/>
+            </a:solidFill>
+            <a:prstDash val="lgDashDot"/>
+            <a:headEnd type="triangle" w="sm" len="sm"/>
+            <a:tailEnd type="triangle" w="sm" len="sm"/>
+          </a:ln>
+        </p:spPr>
+        <p:style>
+          <a:lnRef idx="1">
+            <a:schemeClr val="accent1"/>
+          </a:lnRef>
+          <a:fillRef idx="0">
+            <a:schemeClr val="accent1"/>
+          </a:fillRef>
+          <a:effectRef idx="0">
+            <a:schemeClr val="accent1"/>
+          </a:effectRef>
+          <a:fontRef idx="minor">
+            <a:schemeClr val="tx1"/>
+          </a:fontRef>
+        </p:style>
+      </p:cxnSp>
+      <p:cxnSp>
+        <p:nvCxnSpPr>
+          <p:cNvPr id="352" name="Straight Arrow Connector 351">
+            <a:extLst>
+              <a:ext uri="{FF2B5EF4-FFF2-40B4-BE49-F238E27FC236}">
+                <a16:creationId xmlns:a16="http://schemas.microsoft.com/office/drawing/2014/main" id="{912E84DA-021C-53AC-EE8A-465B5755FBE7}"/>
+              </a:ext>
+            </a:extLst>
+          </p:cNvPr>
+          <p:cNvCxnSpPr>
+            <a:cxnSpLocks/>
+            <a:stCxn id="114" idx="0"/>
+            <a:endCxn id="251" idx="4"/>
+          </p:cNvCxnSpPr>
+          <p:nvPr/>
+        </p:nvCxnSpPr>
+        <p:spPr>
+          <a:xfrm flipH="1" flipV="1">
+            <a:off x="6663587" y="4995862"/>
+            <a:ext cx="83621" cy="926323"/>
+          </a:xfrm>
+          <a:prstGeom prst="straightConnector1">
+            <a:avLst/>
+          </a:prstGeom>
+          <a:ln w="6350">
+            <a:solidFill>
+              <a:schemeClr val="tx1"/>
+            </a:solidFill>
+            <a:prstDash val="lgDashDot"/>
+            <a:headEnd type="triangle" w="sm" len="sm"/>
+            <a:tailEnd type="triangle" w="sm" len="sm"/>
+          </a:ln>
+        </p:spPr>
+        <p:style>
+          <a:lnRef idx="1">
+            <a:schemeClr val="accent1"/>
+          </a:lnRef>
+          <a:fillRef idx="0">
+            <a:schemeClr val="accent1"/>
+          </a:fillRef>
+          <a:effectRef idx="0">
+            <a:schemeClr val="accent1"/>
+          </a:effectRef>
+          <a:fontRef idx="minor">
+            <a:schemeClr val="tx1"/>
+          </a:fontRef>
+        </p:style>
+      </p:cxnSp>
+      <p:cxnSp>
+        <p:nvCxnSpPr>
+          <p:cNvPr id="355" name="Straight Arrow Connector 354">
+            <a:extLst>
+              <a:ext uri="{FF2B5EF4-FFF2-40B4-BE49-F238E27FC236}">
+                <a16:creationId xmlns:a16="http://schemas.microsoft.com/office/drawing/2014/main" id="{74897092-6DFC-2EDB-B982-99CA85451DF6}"/>
+              </a:ext>
+            </a:extLst>
+          </p:cNvPr>
+          <p:cNvCxnSpPr>
+            <a:cxnSpLocks/>
+            <a:stCxn id="243" idx="4"/>
+          </p:cNvCxnSpPr>
+          <p:nvPr/>
+        </p:nvCxnSpPr>
+        <p:spPr>
+          <a:xfrm flipH="1">
+            <a:off x="4654994" y="4999528"/>
+            <a:ext cx="364510" cy="693803"/>
+          </a:xfrm>
+          <a:prstGeom prst="straightConnector1">
+            <a:avLst/>
+          </a:prstGeom>
+          <a:ln w="6350">
+            <a:solidFill>
+              <a:schemeClr val="tx1"/>
+            </a:solidFill>
+            <a:prstDash val="lgDashDot"/>
+            <a:headEnd type="triangle" w="sm" len="sm"/>
+            <a:tailEnd type="triangle" w="sm" len="sm"/>
+          </a:ln>
+        </p:spPr>
+        <p:style>
+          <a:lnRef idx="1">
+            <a:schemeClr val="accent1"/>
+          </a:lnRef>
+          <a:fillRef idx="0">
+            <a:schemeClr val="accent1"/>
+          </a:fillRef>
+          <a:effectRef idx="0">
+            <a:schemeClr val="accent1"/>
+          </a:effectRef>
+          <a:fontRef idx="minor">
+            <a:schemeClr val="tx1"/>
+          </a:fontRef>
+        </p:style>
+      </p:cxnSp>
+      <p:cxnSp>
+        <p:nvCxnSpPr>
+          <p:cNvPr id="358" name="Straight Arrow Connector 357">
+            <a:extLst>
+              <a:ext uri="{FF2B5EF4-FFF2-40B4-BE49-F238E27FC236}">
+                <a16:creationId xmlns:a16="http://schemas.microsoft.com/office/drawing/2014/main" id="{8645F350-567F-0E5E-DD08-24DA21F510CD}"/>
+              </a:ext>
+            </a:extLst>
+          </p:cNvPr>
+          <p:cNvCxnSpPr>
+            <a:cxnSpLocks/>
+            <a:stCxn id="235" idx="5"/>
+            <a:endCxn id="25" idx="1"/>
+          </p:cNvCxnSpPr>
+          <p:nvPr/>
+        </p:nvCxnSpPr>
+        <p:spPr>
+          <a:xfrm>
+            <a:off x="3800571" y="4988984"/>
+            <a:ext cx="247754" cy="523772"/>
+          </a:xfrm>
+          <a:prstGeom prst="straightConnector1">
+            <a:avLst/>
+          </a:prstGeom>
+          <a:ln w="6350">
+            <a:solidFill>
+              <a:schemeClr val="tx1"/>
+            </a:solidFill>
+            <a:prstDash val="lgDashDot"/>
+            <a:headEnd type="triangle" w="sm" len="sm"/>
+            <a:tailEnd type="triangle" w="sm" len="sm"/>
+          </a:ln>
+        </p:spPr>
+        <p:style>
+          <a:lnRef idx="1">
+            <a:schemeClr val="accent1"/>
+          </a:lnRef>
+          <a:fillRef idx="0">
+            <a:schemeClr val="accent1"/>
+          </a:fillRef>
+          <a:effectRef idx="0">
+            <a:schemeClr val="accent1"/>
+          </a:effectRef>
+          <a:fontRef idx="minor">
+            <a:schemeClr val="tx1"/>
+          </a:fontRef>
+        </p:style>
+      </p:cxnSp>
+      <p:cxnSp>
+        <p:nvCxnSpPr>
+          <p:cNvPr id="370" name="Straight Connector 369">
+            <a:extLst>
+              <a:ext uri="{FF2B5EF4-FFF2-40B4-BE49-F238E27FC236}">
+                <a16:creationId xmlns:a16="http://schemas.microsoft.com/office/drawing/2014/main" id="{9E5DDF87-8972-8201-AD17-0CFE11DE6964}"/>
+              </a:ext>
+            </a:extLst>
+          </p:cNvPr>
+          <p:cNvCxnSpPr>
+            <a:cxnSpLocks/>
+          </p:cNvCxnSpPr>
+          <p:nvPr/>
+        </p:nvCxnSpPr>
+        <p:spPr>
+          <a:xfrm>
+            <a:off x="3942867" y="3169734"/>
+            <a:ext cx="1686" cy="1514933"/>
+          </a:xfrm>
+          <a:prstGeom prst="line">
+            <a:avLst/>
+          </a:prstGeom>
+          <a:ln>
+            <a:solidFill>
+              <a:schemeClr val="tx1"/>
+            </a:solidFill>
+            <a:prstDash val="dash"/>
+          </a:ln>
+        </p:spPr>
+        <p:style>
+          <a:lnRef idx="1">
+            <a:schemeClr val="accent1"/>
+          </a:lnRef>
+          <a:fillRef idx="0">
+            <a:schemeClr val="accent1"/>
+          </a:fillRef>
+          <a:effectRef idx="0">
+            <a:schemeClr val="accent1"/>
+          </a:effectRef>
+          <a:fontRef idx="minor">
+            <a:schemeClr val="tx1"/>
+          </a:fontRef>
+        </p:style>
+      </p:cxnSp>
+      <p:cxnSp>
+        <p:nvCxnSpPr>
+          <p:cNvPr id="375" name="Straight Arrow Connector 374">
+            <a:extLst>
+              <a:ext uri="{FF2B5EF4-FFF2-40B4-BE49-F238E27FC236}">
+                <a16:creationId xmlns:a16="http://schemas.microsoft.com/office/drawing/2014/main" id="{80FF4D8F-7634-FC50-3251-30959DEC2912}"/>
+              </a:ext>
+            </a:extLst>
+          </p:cNvPr>
+          <p:cNvCxnSpPr>
+            <a:cxnSpLocks/>
+            <a:stCxn id="243" idx="0"/>
+          </p:cNvCxnSpPr>
+          <p:nvPr/>
+        </p:nvCxnSpPr>
+        <p:spPr>
+          <a:xfrm flipH="1" flipV="1">
+            <a:off x="4061138" y="4509799"/>
+            <a:ext cx="958366" cy="417729"/>
+          </a:xfrm>
+          <a:prstGeom prst="straightConnector1">
+            <a:avLst/>
+          </a:prstGeom>
+          <a:ln w="0">
+            <a:solidFill>
+              <a:schemeClr val="tx1"/>
+            </a:solidFill>
+            <a:headEnd type="triangle" w="sm" len="sm"/>
+            <a:tailEnd type="triangle" w="sm" len="sm"/>
+          </a:ln>
+        </p:spPr>
+        <p:style>
+          <a:lnRef idx="1">
+            <a:schemeClr val="accent1"/>
+          </a:lnRef>
+          <a:fillRef idx="0">
+            <a:schemeClr val="accent1"/>
+          </a:fillRef>
+          <a:effectRef idx="0">
+            <a:schemeClr val="accent1"/>
+          </a:effectRef>
+          <a:fontRef idx="minor">
+            <a:schemeClr val="tx1"/>
+          </a:fontRef>
+        </p:style>
+      </p:cxnSp>
+      <p:pic>
+        <p:nvPicPr>
+          <p:cNvPr id="379" name="Picture 378" descr="A yellow submarine with black text&#10;&#10;Description automatically generated">
+            <a:extLst>
+              <a:ext uri="{FF2B5EF4-FFF2-40B4-BE49-F238E27FC236}">
+                <a16:creationId xmlns:a16="http://schemas.microsoft.com/office/drawing/2014/main" id="{D6E1B431-28CA-D844-4D63-E585C25EC06D}"/>
+              </a:ext>
+            </a:extLst>
+          </p:cNvPr>
+          <p:cNvPicPr>
+            <a:picLocks noChangeAspect="1"/>
+          </p:cNvPicPr>
+          <p:nvPr/>
+        </p:nvPicPr>
+        <p:blipFill>
+          <a:blip r:embed="rId2">
+            <a:extLst>
+              <a:ext uri="{28A0092B-C50C-407E-A947-70E740481C1C}">
+                <a14:useLocalDpi xmlns:a14="http://schemas.microsoft.com/office/drawing/2010/main" val="0"/>
+              </a:ext>
+            </a:extLst>
+          </a:blip>
+          <a:stretch>
+            <a:fillRect/>
+          </a:stretch>
+        </p:blipFill>
+        <p:spPr>
+          <a:xfrm>
+            <a:off x="3481425" y="4071585"/>
+            <a:ext cx="1130316" cy="636745"/>
+          </a:xfrm>
+          <a:prstGeom prst="rect">
+            <a:avLst/>
+          </a:prstGeom>
+        </p:spPr>
+      </p:pic>
+      <p:pic>
+        <p:nvPicPr>
+          <p:cNvPr id="380" name="Picture 379" descr="A yellow submarine with black text&#10;&#10;Description automatically generated">
+            <a:extLst>
+              <a:ext uri="{FF2B5EF4-FFF2-40B4-BE49-F238E27FC236}">
+                <a16:creationId xmlns:a16="http://schemas.microsoft.com/office/drawing/2014/main" id="{2F89B37C-FDBA-5075-4846-CB764C6250FF}"/>
+              </a:ext>
+            </a:extLst>
+          </p:cNvPr>
+          <p:cNvPicPr>
+            <a:picLocks noChangeAspect="1"/>
+          </p:cNvPicPr>
+          <p:nvPr/>
+        </p:nvPicPr>
+        <p:blipFill>
+          <a:blip r:embed="rId2">
+            <a:extLst>
+              <a:ext uri="{28A0092B-C50C-407E-A947-70E740481C1C}">
+                <a14:useLocalDpi xmlns:a14="http://schemas.microsoft.com/office/drawing/2010/main" val="0"/>
+              </a:ext>
+            </a:extLst>
+          </a:blip>
+          <a:stretch>
+            <a:fillRect/>
+          </a:stretch>
+        </p:blipFill>
+        <p:spPr>
+          <a:xfrm>
+            <a:off x="5691454" y="3849979"/>
+            <a:ext cx="1130316" cy="636745"/>
+          </a:xfrm>
+          <a:prstGeom prst="rect">
+            <a:avLst/>
+          </a:prstGeom>
+        </p:spPr>
+      </p:pic>
+      <p:cxnSp>
+        <p:nvCxnSpPr>
+          <p:cNvPr id="382" name="Straight Arrow Connector 381">
+            <a:extLst>
+              <a:ext uri="{FF2B5EF4-FFF2-40B4-BE49-F238E27FC236}">
+                <a16:creationId xmlns:a16="http://schemas.microsoft.com/office/drawing/2014/main" id="{93D42647-5299-7E79-012B-D233B180C83D}"/>
+              </a:ext>
+            </a:extLst>
+          </p:cNvPr>
+          <p:cNvCxnSpPr>
+            <a:cxnSpLocks/>
+            <a:endCxn id="235" idx="0"/>
+          </p:cNvCxnSpPr>
+          <p:nvPr/>
+        </p:nvCxnSpPr>
+        <p:spPr>
+          <a:xfrm flipH="1">
+            <a:off x="3775115" y="4479560"/>
+            <a:ext cx="279002" cy="447968"/>
+          </a:xfrm>
+          <a:prstGeom prst="straightConnector1">
+            <a:avLst/>
+          </a:prstGeom>
+          <a:ln w="0">
+            <a:solidFill>
+              <a:schemeClr val="tx1"/>
+            </a:solidFill>
+            <a:headEnd type="triangle" w="sm" len="sm"/>
+            <a:tailEnd type="triangle" w="sm" len="sm"/>
+          </a:ln>
+        </p:spPr>
+        <p:style>
+          <a:lnRef idx="1">
+            <a:schemeClr val="accent1"/>
+          </a:lnRef>
+          <a:fillRef idx="0">
+            <a:schemeClr val="accent1"/>
+          </a:fillRef>
+          <a:effectRef idx="0">
+            <a:schemeClr val="accent1"/>
+          </a:effectRef>
+          <a:fontRef idx="minor">
+            <a:schemeClr val="tx1"/>
+          </a:fontRef>
+        </p:style>
+      </p:cxnSp>
+      <p:cxnSp>
+        <p:nvCxnSpPr>
+          <p:cNvPr id="387" name="Straight Arrow Connector 386">
+            <a:extLst>
+              <a:ext uri="{FF2B5EF4-FFF2-40B4-BE49-F238E27FC236}">
+                <a16:creationId xmlns:a16="http://schemas.microsoft.com/office/drawing/2014/main" id="{ACD07188-5BCE-6C28-B58D-090F723CCA36}"/>
+              </a:ext>
+            </a:extLst>
+          </p:cNvPr>
+          <p:cNvCxnSpPr>
+            <a:cxnSpLocks/>
+            <a:stCxn id="243" idx="0"/>
+          </p:cNvCxnSpPr>
+          <p:nvPr/>
+        </p:nvCxnSpPr>
+        <p:spPr>
+          <a:xfrm flipV="1">
+            <a:off x="5019504" y="3831950"/>
+            <a:ext cx="291810" cy="1095578"/>
+          </a:xfrm>
+          <a:prstGeom prst="straightConnector1">
+            <a:avLst/>
+          </a:prstGeom>
+          <a:ln w="0">
+            <a:solidFill>
+              <a:schemeClr val="tx1"/>
+            </a:solidFill>
+            <a:headEnd type="none" w="sm" len="sm"/>
+            <a:tailEnd type="triangle" w="sm" len="sm"/>
+          </a:ln>
+        </p:spPr>
+        <p:style>
+          <a:lnRef idx="1">
+            <a:schemeClr val="accent1"/>
+          </a:lnRef>
+          <a:fillRef idx="0">
+            <a:schemeClr val="accent1"/>
+          </a:fillRef>
+          <a:effectRef idx="0">
+            <a:schemeClr val="accent1"/>
+          </a:effectRef>
+          <a:fontRef idx="minor">
+            <a:schemeClr val="tx1"/>
+          </a:fontRef>
+        </p:style>
+      </p:cxnSp>
+      <p:cxnSp>
+        <p:nvCxnSpPr>
+          <p:cNvPr id="390" name="Straight Arrow Connector 389">
+            <a:extLst>
+              <a:ext uri="{FF2B5EF4-FFF2-40B4-BE49-F238E27FC236}">
+                <a16:creationId xmlns:a16="http://schemas.microsoft.com/office/drawing/2014/main" id="{396AF6C8-5A98-9DD5-EFD7-FED69F83C3BD}"/>
+              </a:ext>
+            </a:extLst>
+          </p:cNvPr>
+          <p:cNvCxnSpPr>
+            <a:cxnSpLocks/>
+            <a:endCxn id="14" idx="3"/>
+          </p:cNvCxnSpPr>
+          <p:nvPr/>
+        </p:nvCxnSpPr>
+        <p:spPr>
+          <a:xfrm flipV="1">
+            <a:off x="4054117" y="3818132"/>
+            <a:ext cx="882311" cy="556661"/>
+          </a:xfrm>
+          <a:prstGeom prst="straightConnector1">
+            <a:avLst/>
+          </a:prstGeom>
+          <a:ln w="0">
+            <a:solidFill>
+              <a:schemeClr val="tx1"/>
+            </a:solidFill>
+            <a:headEnd type="none" w="sm" len="sm"/>
+            <a:tailEnd type="triangle" w="sm" len="sm"/>
+          </a:ln>
+        </p:spPr>
+        <p:style>
+          <a:lnRef idx="1">
+            <a:schemeClr val="accent1"/>
+          </a:lnRef>
+          <a:fillRef idx="0">
+            <a:schemeClr val="accent1"/>
+          </a:fillRef>
+          <a:effectRef idx="0">
+            <a:schemeClr val="accent1"/>
+          </a:effectRef>
+          <a:fontRef idx="minor">
+            <a:schemeClr val="tx1"/>
+          </a:fontRef>
+        </p:style>
+      </p:cxnSp>
+      <p:cxnSp>
+        <p:nvCxnSpPr>
+          <p:cNvPr id="393" name="Straight Arrow Connector 392">
+            <a:extLst>
+              <a:ext uri="{FF2B5EF4-FFF2-40B4-BE49-F238E27FC236}">
+                <a16:creationId xmlns:a16="http://schemas.microsoft.com/office/drawing/2014/main" id="{BE49A69E-5F3B-8DFC-1B7C-A78CCDD0F719}"/>
+              </a:ext>
+            </a:extLst>
+          </p:cNvPr>
+          <p:cNvCxnSpPr>
+            <a:cxnSpLocks/>
+            <a:stCxn id="248" idx="7"/>
+          </p:cNvCxnSpPr>
+          <p:nvPr/>
+        </p:nvCxnSpPr>
+        <p:spPr>
+          <a:xfrm flipV="1">
+            <a:off x="5898993" y="4235932"/>
+            <a:ext cx="358998" cy="930994"/>
+          </a:xfrm>
+          <a:prstGeom prst="straightConnector1">
+            <a:avLst/>
+          </a:prstGeom>
+          <a:ln w="0">
+            <a:solidFill>
+              <a:schemeClr val="tx1"/>
+            </a:solidFill>
+            <a:headEnd type="triangle" w="sm" len="sm"/>
+            <a:tailEnd type="triangle" w="sm" len="sm"/>
+          </a:ln>
+        </p:spPr>
+        <p:style>
+          <a:lnRef idx="1">
+            <a:schemeClr val="accent1"/>
+          </a:lnRef>
+          <a:fillRef idx="0">
+            <a:schemeClr val="accent1"/>
+          </a:fillRef>
+          <a:effectRef idx="0">
+            <a:schemeClr val="accent1"/>
+          </a:effectRef>
+          <a:fontRef idx="minor">
+            <a:schemeClr val="tx1"/>
+          </a:fontRef>
+        </p:style>
+      </p:cxnSp>
+      <p:cxnSp>
+        <p:nvCxnSpPr>
+          <p:cNvPr id="397" name="Straight Arrow Connector 396">
+            <a:extLst>
+              <a:ext uri="{FF2B5EF4-FFF2-40B4-BE49-F238E27FC236}">
+                <a16:creationId xmlns:a16="http://schemas.microsoft.com/office/drawing/2014/main" id="{6E3040AF-D983-B8AF-8B89-98A7A854EEB5}"/>
+              </a:ext>
+            </a:extLst>
+          </p:cNvPr>
+          <p:cNvCxnSpPr>
+            <a:cxnSpLocks/>
+            <a:stCxn id="251" idx="6"/>
+          </p:cNvCxnSpPr>
+          <p:nvPr/>
+        </p:nvCxnSpPr>
+        <p:spPr>
+          <a:xfrm flipH="1" flipV="1">
+            <a:off x="6288471" y="4245217"/>
+            <a:ext cx="411116" cy="714645"/>
+          </a:xfrm>
+          <a:prstGeom prst="straightConnector1">
+            <a:avLst/>
+          </a:prstGeom>
+          <a:ln w="0">
+            <a:solidFill>
+              <a:schemeClr val="tx1"/>
+            </a:solidFill>
+            <a:headEnd type="triangle" w="sm" len="sm"/>
+            <a:tailEnd type="triangle" w="sm" len="sm"/>
+          </a:ln>
+        </p:spPr>
+        <p:style>
+          <a:lnRef idx="1">
+            <a:schemeClr val="accent1"/>
+          </a:lnRef>
+          <a:fillRef idx="0">
+            <a:schemeClr val="accent1"/>
+          </a:fillRef>
+          <a:effectRef idx="0">
+            <a:schemeClr val="accent1"/>
+          </a:effectRef>
+          <a:fontRef idx="minor">
+            <a:schemeClr val="tx1"/>
+          </a:fontRef>
+        </p:style>
+      </p:cxnSp>
+      <p:cxnSp>
+        <p:nvCxnSpPr>
+          <p:cNvPr id="400" name="Straight Arrow Connector 399">
+            <a:extLst>
+              <a:ext uri="{FF2B5EF4-FFF2-40B4-BE49-F238E27FC236}">
+                <a16:creationId xmlns:a16="http://schemas.microsoft.com/office/drawing/2014/main" id="{6904D52C-ED43-DC21-75AB-FCADEBAC7DA9}"/>
+              </a:ext>
+            </a:extLst>
+          </p:cNvPr>
+          <p:cNvCxnSpPr>
+            <a:cxnSpLocks/>
+          </p:cNvCxnSpPr>
+          <p:nvPr/>
+        </p:nvCxnSpPr>
+        <p:spPr>
+          <a:xfrm flipH="1" flipV="1">
+            <a:off x="5878697" y="3842464"/>
+            <a:ext cx="358534" cy="274406"/>
+          </a:xfrm>
+          <a:prstGeom prst="straightConnector1">
+            <a:avLst/>
+          </a:prstGeom>
+          <a:ln w="0">
+            <a:solidFill>
+              <a:schemeClr val="tx1"/>
+            </a:solidFill>
+            <a:headEnd type="none" w="sm" len="sm"/>
+            <a:tailEnd type="triangle" w="sm" len="sm"/>
+          </a:ln>
+        </p:spPr>
+        <p:style>
+          <a:lnRef idx="1">
+            <a:schemeClr val="accent1"/>
+          </a:lnRef>
+          <a:fillRef idx="0">
+            <a:schemeClr val="accent1"/>
+          </a:fillRef>
+          <a:effectRef idx="0">
+            <a:schemeClr val="accent1"/>
+          </a:effectRef>
+          <a:fontRef idx="minor">
+            <a:schemeClr val="tx1"/>
+          </a:fontRef>
+        </p:style>
+      </p:cxnSp>
+      <p:sp>
+        <p:nvSpPr>
+          <p:cNvPr id="14" name="Flowchart: Data 13">
+            <a:extLst>
+              <a:ext uri="{FF2B5EF4-FFF2-40B4-BE49-F238E27FC236}">
+                <a16:creationId xmlns:a16="http://schemas.microsoft.com/office/drawing/2014/main" id="{6EF9EC98-EC23-BB44-FE74-034EB2A7078E}"/>
+              </a:ext>
+            </a:extLst>
+          </p:cNvPr>
+          <p:cNvSpPr/>
+          <p:nvPr/>
+        </p:nvSpPr>
+        <p:spPr>
+          <a:xfrm>
+            <a:off x="2904061" y="3157732"/>
+            <a:ext cx="5080917" cy="660400"/>
+          </a:xfrm>
+          <a:prstGeom prst="flowChartInputOutput">
+            <a:avLst/>
+          </a:prstGeom>
+          <a:pattFill prst="pct75">
+            <a:fgClr>
+              <a:schemeClr val="accent1">
+                <a:lumMod val="60000"/>
+                <a:lumOff val="40000"/>
+              </a:schemeClr>
+            </a:fgClr>
+            <a:bgClr>
+              <a:schemeClr val="bg1"/>
+            </a:bgClr>
+          </a:pattFill>
+          <a:ln>
+            <a:solidFill>
+              <a:schemeClr val="tx1"/>
+            </a:solidFill>
+          </a:ln>
+        </p:spPr>
+        <p:style>
+          <a:lnRef idx="2">
+            <a:schemeClr val="accent1">
+              <a:shade val="15000"/>
+            </a:schemeClr>
+          </a:lnRef>
+          <a:fillRef idx="1">
+            <a:schemeClr val="accent1"/>
+          </a:fillRef>
+          <a:effectRef idx="0">
+            <a:schemeClr val="accent1"/>
+          </a:effectRef>
+          <a:fontRef idx="minor">
+            <a:schemeClr val="lt1"/>
+          </a:fontRef>
+        </p:style>
+        <p:txBody>
+          <a:bodyPr rtlCol="0" anchor="ctr"/>
+          <a:lstStyle/>
+          <a:p>
+            <a:pPr algn="ctr"/>
+            <a:endParaRPr lang="en-ID" dirty="0"/>
+          </a:p>
+        </p:txBody>
+      </p:sp>
+      <p:sp>
+        <p:nvSpPr>
+          <p:cNvPr id="333" name="Cube 332">
+            <a:extLst>
+              <a:ext uri="{FF2B5EF4-FFF2-40B4-BE49-F238E27FC236}">
+                <a16:creationId xmlns:a16="http://schemas.microsoft.com/office/drawing/2014/main" id="{C57CFBF8-1956-DB1F-4527-BFFCC2E4EAD0}"/>
+              </a:ext>
+            </a:extLst>
+          </p:cNvPr>
+          <p:cNvSpPr/>
+          <p:nvPr/>
+        </p:nvSpPr>
+        <p:spPr>
+          <a:xfrm>
+            <a:off x="4957217" y="3483260"/>
+            <a:ext cx="837728" cy="127530"/>
+          </a:xfrm>
+          <a:prstGeom prst="cube">
+            <a:avLst>
+              <a:gd name="adj" fmla="val 58278"/>
+            </a:avLst>
+          </a:prstGeom>
+          <a:solidFill>
+            <a:schemeClr val="bg2">
+              <a:lumMod val="90000"/>
+            </a:schemeClr>
+          </a:solidFill>
+        </p:spPr>
+        <p:style>
+          <a:lnRef idx="2">
+            <a:schemeClr val="accent1">
+              <a:shade val="15000"/>
+            </a:schemeClr>
+          </a:lnRef>
+          <a:fillRef idx="1">
+            <a:schemeClr val="accent1"/>
+          </a:fillRef>
+          <a:effectRef idx="0">
+            <a:schemeClr val="accent1"/>
+          </a:effectRef>
+          <a:fontRef idx="minor">
+            <a:schemeClr val="lt1"/>
+          </a:fontRef>
+        </p:style>
+        <p:txBody>
+          <a:bodyPr rtlCol="0" anchor="ctr"/>
+          <a:lstStyle/>
+          <a:p>
+            <a:pPr algn="ctr"/>
+            <a:endParaRPr lang="en-ID"/>
+          </a:p>
+        </p:txBody>
+      </p:sp>
+      <p:pic>
+        <p:nvPicPr>
+          <p:cNvPr id="374" name="Picture 373" descr="A black and white radio tower&#10;&#10;Description automatically generated">
+            <a:extLst>
+              <a:ext uri="{FF2B5EF4-FFF2-40B4-BE49-F238E27FC236}">
+                <a16:creationId xmlns:a16="http://schemas.microsoft.com/office/drawing/2014/main" id="{EA8E3ABC-4AF8-4521-9B95-44407F4533CC}"/>
+              </a:ext>
+            </a:extLst>
+          </p:cNvPr>
+          <p:cNvPicPr>
+            <a:picLocks noChangeAspect="1"/>
+          </p:cNvPicPr>
+          <p:nvPr/>
+        </p:nvPicPr>
+        <p:blipFill rotWithShape="1">
+          <a:blip r:embed="rId3">
+            <a:extLst>
+              <a:ext uri="{BEBA8EAE-BF5A-486C-A8C5-ECC9F3942E4B}">
+                <a14:imgProps xmlns:a14="http://schemas.microsoft.com/office/drawing/2010/main">
+                  <a14:imgLayer r:embed="rId4">
+                    <a14:imgEffect>
+                      <a14:backgroundRemoval t="1944" b="90556" l="10000" r="90000">
+                        <a14:foregroundMark x1="59143" y1="10370" x2="59143" y2="10370"/>
+                        <a14:foregroundMark x1="39857" y1="13519" x2="39857" y2="13519"/>
+                        <a14:foregroundMark x1="31000" y1="12130" x2="31000" y2="12130"/>
+                        <a14:foregroundMark x1="22857" y1="9907" x2="22857" y2="9907"/>
+                        <a14:foregroundMark x1="35143" y1="5648" x2="35143" y2="5648"/>
+                        <a14:foregroundMark x1="29571" y1="2037" x2="29571" y2="2037"/>
+                        <a14:foregroundMark x1="68000" y1="9907" x2="68000" y2="9907"/>
+                        <a14:foregroundMark x1="76571" y1="7315" x2="76571" y2="7315"/>
+                        <a14:foregroundMark x1="46571" y1="90556" x2="46571" y2="90556"/>
+                      </a14:backgroundRemoval>
+                    </a14:imgEffect>
+                  </a14:imgLayer>
+                </a14:imgProps>
+              </a:ext>
+              <a:ext uri="{28A0092B-C50C-407E-A947-70E740481C1C}">
+                <a14:useLocalDpi xmlns:a14="http://schemas.microsoft.com/office/drawing/2010/main" val="0"/>
+              </a:ext>
+            </a:extLst>
+          </a:blip>
+          <a:srcRect b="6781"/>
+          <a:stretch/>
+        </p:blipFill>
+        <p:spPr>
+          <a:xfrm flipH="1">
+            <a:off x="5473718" y="3170601"/>
+            <a:ext cx="266725" cy="383612"/>
+          </a:xfrm>
+          <a:prstGeom prst="rect">
+            <a:avLst/>
+          </a:prstGeom>
+        </p:spPr>
+      </p:pic>
+      <p:cxnSp>
+        <p:nvCxnSpPr>
+          <p:cNvPr id="405" name="Straight Arrow Connector 404">
+            <a:extLst>
+              <a:ext uri="{FF2B5EF4-FFF2-40B4-BE49-F238E27FC236}">
+                <a16:creationId xmlns:a16="http://schemas.microsoft.com/office/drawing/2014/main" id="{EF89C719-E663-A5E7-36DF-35E4C69ED5DF}"/>
+              </a:ext>
+            </a:extLst>
+          </p:cNvPr>
+          <p:cNvCxnSpPr>
+            <a:cxnSpLocks/>
+          </p:cNvCxnSpPr>
+          <p:nvPr/>
+        </p:nvCxnSpPr>
+        <p:spPr>
+          <a:xfrm flipV="1">
+            <a:off x="4546772" y="4420093"/>
+            <a:ext cx="252122" cy="2944"/>
+          </a:xfrm>
+          <a:prstGeom prst="straightConnector1">
+            <a:avLst/>
+          </a:prstGeom>
+          <a:ln w="0">
+            <a:solidFill>
+              <a:schemeClr val="tx1"/>
+            </a:solidFill>
+            <a:headEnd type="none" w="sm" len="sm"/>
+            <a:tailEnd type="triangle" w="sm" len="sm"/>
+          </a:ln>
+        </p:spPr>
+        <p:style>
+          <a:lnRef idx="1">
+            <a:schemeClr val="accent1"/>
+          </a:lnRef>
+          <a:fillRef idx="0">
+            <a:schemeClr val="accent1"/>
+          </a:fillRef>
+          <a:effectRef idx="0">
+            <a:schemeClr val="accent1"/>
+          </a:effectRef>
+          <a:fontRef idx="minor">
+            <a:schemeClr val="tx1"/>
+          </a:fontRef>
+        </p:style>
+      </p:cxnSp>
+      <p:cxnSp>
+        <p:nvCxnSpPr>
+          <p:cNvPr id="409" name="Straight Arrow Connector 408">
+            <a:extLst>
+              <a:ext uri="{FF2B5EF4-FFF2-40B4-BE49-F238E27FC236}">
+                <a16:creationId xmlns:a16="http://schemas.microsoft.com/office/drawing/2014/main" id="{18623FCA-B27D-94A2-E85A-3CDC5E1D6428}"/>
+              </a:ext>
+            </a:extLst>
+          </p:cNvPr>
+          <p:cNvCxnSpPr>
+            <a:cxnSpLocks/>
+          </p:cNvCxnSpPr>
+          <p:nvPr/>
+        </p:nvCxnSpPr>
+        <p:spPr>
+          <a:xfrm flipV="1">
+            <a:off x="5039427" y="5022054"/>
+            <a:ext cx="252122" cy="2944"/>
+          </a:xfrm>
+          <a:prstGeom prst="straightConnector1">
+            <a:avLst/>
+          </a:prstGeom>
+          <a:ln w="0">
+            <a:solidFill>
+              <a:schemeClr val="tx1"/>
+            </a:solidFill>
+            <a:headEnd type="none" w="sm" len="sm"/>
+            <a:tailEnd type="triangle" w="sm" len="sm"/>
+          </a:ln>
+        </p:spPr>
+        <p:style>
+          <a:lnRef idx="1">
+            <a:schemeClr val="accent1"/>
+          </a:lnRef>
+          <a:fillRef idx="0">
+            <a:schemeClr val="accent1"/>
+          </a:fillRef>
+          <a:effectRef idx="0">
+            <a:schemeClr val="accent1"/>
+          </a:effectRef>
+          <a:fontRef idx="minor">
+            <a:schemeClr val="tx1"/>
+          </a:fontRef>
+        </p:style>
+      </p:cxnSp>
+      <p:cxnSp>
+        <p:nvCxnSpPr>
+          <p:cNvPr id="410" name="Straight Arrow Connector 409">
+            <a:extLst>
+              <a:ext uri="{FF2B5EF4-FFF2-40B4-BE49-F238E27FC236}">
+                <a16:creationId xmlns:a16="http://schemas.microsoft.com/office/drawing/2014/main" id="{745B91FD-574F-FE53-4B0B-90FD8CC3A645}"/>
+              </a:ext>
+            </a:extLst>
+          </p:cNvPr>
+          <p:cNvCxnSpPr>
+            <a:cxnSpLocks/>
+          </p:cNvCxnSpPr>
+          <p:nvPr/>
+        </p:nvCxnSpPr>
+        <p:spPr>
+          <a:xfrm flipV="1">
+            <a:off x="6742279" y="4196255"/>
+            <a:ext cx="252122" cy="2944"/>
+          </a:xfrm>
+          <a:prstGeom prst="straightConnector1">
+            <a:avLst/>
+          </a:prstGeom>
+          <a:ln w="0">
+            <a:solidFill>
+              <a:schemeClr val="tx1"/>
+            </a:solidFill>
+            <a:headEnd type="none" w="sm" len="sm"/>
+            <a:tailEnd type="triangle" w="sm" len="sm"/>
+          </a:ln>
+        </p:spPr>
+        <p:style>
+          <a:lnRef idx="1">
+            <a:schemeClr val="accent1"/>
+          </a:lnRef>
+          <a:fillRef idx="0">
+            <a:schemeClr val="accent1"/>
+          </a:fillRef>
+          <a:effectRef idx="0">
+            <a:schemeClr val="accent1"/>
+          </a:effectRef>
+          <a:fontRef idx="minor">
+            <a:schemeClr val="tx1"/>
+          </a:fontRef>
+        </p:style>
+      </p:cxnSp>
+    </p:spTree>
+    <p:extLst>
+      <p:ext uri="{BB962C8B-B14F-4D97-AF65-F5344CB8AC3E}">
+        <p14:creationId xmlns:p14="http://schemas.microsoft.com/office/powerpoint/2010/main" val="3176495452"/>
       </p:ext>
     </p:extLst>
   </p:cSld>
